--- a/00Summary/01ScalingLaw/Standard Scaling.pptx
+++ b/00Summary/01ScalingLaw/Standard Scaling.pptx
@@ -9,10 +9,10 @@
     <p:sldMasterId id="2147483683" r:id="rId5"/>
   </p:sldMasterIdLst>
   <p:notesMasterIdLst>
-    <p:notesMasterId r:id="rId22"/>
+    <p:notesMasterId r:id="rId25"/>
   </p:notesMasterIdLst>
   <p:handoutMasterIdLst>
-    <p:handoutMasterId r:id="rId23"/>
+    <p:handoutMasterId r:id="rId26"/>
   </p:handoutMasterIdLst>
   <p:sldIdLst>
     <p:sldId id="603" r:id="rId6"/>
@@ -20,17 +20,20 @@
     <p:sldId id="2146847887" r:id="rId8"/>
     <p:sldId id="2147483487" r:id="rId9"/>
     <p:sldId id="2147483484" r:id="rId10"/>
-    <p:sldId id="2147483491" r:id="rId11"/>
-    <p:sldId id="2147483498" r:id="rId12"/>
-    <p:sldId id="2147483494" r:id="rId13"/>
-    <p:sldId id="2147483499" r:id="rId14"/>
-    <p:sldId id="2147483486" r:id="rId15"/>
-    <p:sldId id="2147483488" r:id="rId16"/>
-    <p:sldId id="2147483493" r:id="rId17"/>
-    <p:sldId id="2147483495" r:id="rId18"/>
-    <p:sldId id="2147483496" r:id="rId19"/>
-    <p:sldId id="582" r:id="rId20"/>
-    <p:sldId id="2419" r:id="rId21"/>
+    <p:sldId id="2147483500" r:id="rId11"/>
+    <p:sldId id="2147483501" r:id="rId12"/>
+    <p:sldId id="2147483491" r:id="rId13"/>
+    <p:sldId id="2147483498" r:id="rId14"/>
+    <p:sldId id="2147483494" r:id="rId15"/>
+    <p:sldId id="2147483499" r:id="rId16"/>
+    <p:sldId id="2147483486" r:id="rId17"/>
+    <p:sldId id="2147483488" r:id="rId18"/>
+    <p:sldId id="2147483493" r:id="rId19"/>
+    <p:sldId id="2147483495" r:id="rId20"/>
+    <p:sldId id="2147483496" r:id="rId21"/>
+    <p:sldId id="2147483502" r:id="rId22"/>
+    <p:sldId id="582" r:id="rId23"/>
+    <p:sldId id="2419" r:id="rId24"/>
   </p:sldIdLst>
   <p:sldSz cx="12196763" cy="6858000"/>
   <p:notesSz cx="6858000" cy="9144000"/>
@@ -234,7 +237,7 @@
           <a:p>
             <a:fld id="{E8CF71B8-DF2A-2E41-BE66-2E18A767DA8A}" type="datetimeFigureOut">
               <a:rPr lang="en-US" smtClean="0"/>
-              <a:t>7/1/2025</a:t>
+              <a:t>7/15/2025</a:t>
             </a:fld>
             <a:endParaRPr lang="en-US"/>
           </a:p>
@@ -411,7 +414,7 @@
           <a:p>
             <a:fld id="{0DD60A27-BF12-6744-9E93-932A0E34D8BB}" type="datetimeFigureOut">
               <a:rPr lang="en-US" smtClean="0"/>
-              <a:t>7/1/2025</a:t>
+              <a:t>7/15/2025</a:t>
             </a:fld>
             <a:endParaRPr lang="en-US"/>
           </a:p>
@@ -770,6 +773,792 @@
         <p:cNvPr id="1" name="">
           <a:extLst>
             <a:ext uri="{FF2B5EF4-FFF2-40B4-BE49-F238E27FC236}">
+              <a16:creationId xmlns:a16="http://schemas.microsoft.com/office/drawing/2014/main" id="{C75B8BF8-BED5-E641-177D-5A41B0C7A94E}"/>
+            </a:ext>
+          </a:extLst>
+        </p:cNvPr>
+        <p:cNvGrpSpPr/>
+        <p:nvPr/>
+      </p:nvGrpSpPr>
+      <p:grpSpPr>
+        <a:xfrm>
+          <a:off x="0" y="0"/>
+          <a:ext cx="0" cy="0"/>
+          <a:chOff x="0" y="0"/>
+          <a:chExt cx="0" cy="0"/>
+        </a:xfrm>
+      </p:grpSpPr>
+      <p:sp>
+        <p:nvSpPr>
+          <p:cNvPr id="2" name="幻灯片图像占位符 1">
+            <a:extLst>
+              <a:ext uri="{FF2B5EF4-FFF2-40B4-BE49-F238E27FC236}">
+                <a16:creationId xmlns:a16="http://schemas.microsoft.com/office/drawing/2014/main" id="{D579A06B-AC8F-4751-1E2E-60F5611D0ECC}"/>
+              </a:ext>
+            </a:extLst>
+          </p:cNvPr>
+          <p:cNvSpPr>
+            <a:spLocks noGrp="1" noRot="1" noChangeAspect="1"/>
+          </p:cNvSpPr>
+          <p:nvPr>
+            <p:ph type="sldImg"/>
+          </p:nvPr>
+        </p:nvSpPr>
+        <p:spPr/>
+      </p:sp>
+      <p:sp>
+        <p:nvSpPr>
+          <p:cNvPr id="3" name="备注占位符 2">
+            <a:extLst>
+              <a:ext uri="{FF2B5EF4-FFF2-40B4-BE49-F238E27FC236}">
+                <a16:creationId xmlns:a16="http://schemas.microsoft.com/office/drawing/2014/main" id="{B868EF74-FBE9-387D-F2BA-852C01CA7D12}"/>
+              </a:ext>
+            </a:extLst>
+          </p:cNvPr>
+          <p:cNvSpPr>
+            <a:spLocks noGrp="1"/>
+          </p:cNvSpPr>
+          <p:nvPr>
+            <p:ph type="body" idx="1"/>
+          </p:nvPr>
+        </p:nvSpPr>
+        <p:spPr/>
+        <p:txBody>
+          <a:bodyPr/>
+          <a:lstStyle/>
+          <a:p>
+            <a:r>
+              <a:rPr lang="zh-CN" altLang="en-US" dirty="0"/>
+              <a:t>计算产业需求驱动，两条主线：一个是算力摸高的主赛道、一个是算力泛在化、小型化的枝开叶散的分赛道</a:t>
+            </a:r>
+            <a:endParaRPr lang="en-US" altLang="zh-CN" dirty="0"/>
+          </a:p>
+          <a:p>
+            <a:endParaRPr lang="en-US" altLang="zh-CN" dirty="0"/>
+          </a:p>
+          <a:p>
+            <a:r>
+              <a:rPr lang="zh-CN" altLang="en-US" dirty="0"/>
+              <a:t>人类社会演进的两个根本驱动力：能源、信息</a:t>
+            </a:r>
+            <a:endParaRPr lang="en-US" altLang="zh-CN" dirty="0"/>
+          </a:p>
+          <a:p>
+            <a:endParaRPr lang="en-US" altLang="zh-CN" dirty="0"/>
+          </a:p>
+          <a:p>
+            <a:r>
+              <a:rPr lang="zh-CN" altLang="en-US" dirty="0"/>
+              <a:t>科技是推动计算产业发展的最强动力</a:t>
+            </a:r>
+            <a:endParaRPr lang="en-US" altLang="zh-CN" dirty="0"/>
+          </a:p>
+          <a:p>
+            <a:r>
+              <a:rPr lang="zh-CN" altLang="en-US" dirty="0"/>
+              <a:t>计算需求多样化，是不变的趋势：国防科研</a:t>
+            </a:r>
+            <a:r>
+              <a:rPr lang="en-US" altLang="zh-CN" dirty="0">
+                <a:sym typeface="Wingdings" panose="05000000000000000000" pitchFamily="2" charset="2"/>
+              </a:rPr>
+              <a:t></a:t>
+            </a:r>
+            <a:r>
+              <a:rPr lang="zh-CN" altLang="en-US" dirty="0">
+                <a:sym typeface="Wingdings" panose="05000000000000000000" pitchFamily="2" charset="2"/>
+              </a:rPr>
+              <a:t>商业计算</a:t>
+            </a:r>
+            <a:r>
+              <a:rPr lang="en-US" altLang="zh-CN" dirty="0">
+                <a:sym typeface="Wingdings" panose="05000000000000000000" pitchFamily="2" charset="2"/>
+              </a:rPr>
+              <a:t>+</a:t>
+            </a:r>
+            <a:r>
+              <a:rPr lang="zh-CN" altLang="en-US" dirty="0">
+                <a:sym typeface="Wingdings" panose="05000000000000000000" pitchFamily="2" charset="2"/>
+              </a:rPr>
+              <a:t>个人</a:t>
+            </a:r>
+            <a:r>
+              <a:rPr lang="en-US" altLang="zh-CN" dirty="0">
+                <a:sym typeface="Wingdings" panose="05000000000000000000" pitchFamily="2" charset="2"/>
+              </a:rPr>
+              <a:t>PC</a:t>
+            </a:r>
+            <a:r>
+              <a:rPr lang="zh-CN" altLang="en-US" dirty="0">
+                <a:sym typeface="Wingdings" panose="05000000000000000000" pitchFamily="2" charset="2"/>
+              </a:rPr>
+              <a:t>互联网</a:t>
+            </a:r>
+            <a:r>
+              <a:rPr lang="en-US" altLang="zh-CN" dirty="0">
+                <a:sym typeface="Wingdings" panose="05000000000000000000" pitchFamily="2" charset="2"/>
+              </a:rPr>
+              <a:t>/</a:t>
+            </a:r>
+            <a:r>
+              <a:rPr lang="zh-CN" altLang="en-US" dirty="0">
+                <a:sym typeface="Wingdings" panose="05000000000000000000" pitchFamily="2" charset="2"/>
+              </a:rPr>
+              <a:t>移动互联网 及 背后的 </a:t>
+            </a:r>
+            <a:r>
+              <a:rPr lang="en-US" altLang="zh-CN" dirty="0">
+                <a:sym typeface="Wingdings" panose="05000000000000000000" pitchFamily="2" charset="2"/>
+              </a:rPr>
+              <a:t>IDC+</a:t>
+            </a:r>
+            <a:r>
+              <a:rPr lang="zh-CN" altLang="en-US" dirty="0">
+                <a:sym typeface="Wingdings" panose="05000000000000000000" pitchFamily="2" charset="2"/>
+              </a:rPr>
+              <a:t>云计算</a:t>
+            </a:r>
+            <a:endParaRPr lang="en-US" altLang="zh-CN" dirty="0">
+              <a:sym typeface="Wingdings" panose="05000000000000000000" pitchFamily="2" charset="2"/>
+            </a:endParaRPr>
+          </a:p>
+          <a:p>
+            <a:r>
+              <a:rPr lang="en-US" altLang="zh-CN" dirty="0">
+                <a:sym typeface="Wingdings" panose="05000000000000000000" pitchFamily="2" charset="2"/>
+              </a:rPr>
+              <a:t>IBM</a:t>
+            </a:r>
+            <a:r>
+              <a:rPr lang="zh-CN" altLang="en-US" dirty="0">
+                <a:sym typeface="Wingdings" panose="05000000000000000000" pitchFamily="2" charset="2"/>
+              </a:rPr>
+              <a:t>、</a:t>
+            </a:r>
+            <a:r>
+              <a:rPr lang="en-US" altLang="zh-CN" dirty="0">
+                <a:sym typeface="Wingdings" panose="05000000000000000000" pitchFamily="2" charset="2"/>
+              </a:rPr>
+              <a:t>Intel</a:t>
+            </a:r>
+          </a:p>
+          <a:p>
+            <a:endParaRPr lang="en-US" altLang="zh-CN" dirty="0">
+              <a:sym typeface="Wingdings" panose="05000000000000000000" pitchFamily="2" charset="2"/>
+            </a:endParaRPr>
+          </a:p>
+          <a:p>
+            <a:r>
+              <a:rPr lang="zh-CN" altLang="en-US" sz="1200" b="0" i="0" kern="1200" dirty="0">
+                <a:solidFill>
+                  <a:schemeClr val="tx1"/>
+                </a:solidFill>
+                <a:effectLst/>
+                <a:latin typeface="+mn-lt"/>
+                <a:ea typeface="+mn-ea"/>
+                <a:cs typeface="+mn-cs"/>
+              </a:rPr>
+              <a:t>也许没有一种其他技术能像计算机技术一样，在过去几十年里有如此巨大的进步。据估计，自 </a:t>
+            </a:r>
+            <a:r>
+              <a:rPr lang="en-US" altLang="zh-CN" sz="1200" b="0" i="0" kern="1200" dirty="0">
+                <a:solidFill>
+                  <a:schemeClr val="tx1"/>
+                </a:solidFill>
+                <a:effectLst/>
+                <a:latin typeface="+mn-lt"/>
+                <a:ea typeface="+mn-ea"/>
+                <a:cs typeface="+mn-cs"/>
+              </a:rPr>
+              <a:t>1974 </a:t>
+            </a:r>
+            <a:r>
+              <a:rPr lang="zh-CN" altLang="en-US" sz="1200" b="0" i="0" kern="1200" dirty="0">
+                <a:solidFill>
+                  <a:schemeClr val="tx1"/>
+                </a:solidFill>
+                <a:effectLst/>
+                <a:latin typeface="+mn-lt"/>
+                <a:ea typeface="+mn-ea"/>
+                <a:cs typeface="+mn-cs"/>
+              </a:rPr>
+              <a:t>年以来，美国总生产力增长的三分之一来自信息技术，它是国家繁荣的最大贡献者之一。</a:t>
+            </a:r>
+            <a:endParaRPr lang="en-US" altLang="zh-CN" dirty="0">
+              <a:sym typeface="Wingdings" panose="05000000000000000000" pitchFamily="2" charset="2"/>
+            </a:endParaRPr>
+          </a:p>
+          <a:p>
+            <a:endParaRPr lang="en-US" altLang="zh-CN" dirty="0"/>
+          </a:p>
+          <a:p>
+            <a:r>
+              <a:rPr lang="zh-CN" altLang="en-US" sz="1200" b="0" i="0" kern="1200" dirty="0">
+                <a:solidFill>
+                  <a:schemeClr val="tx1"/>
+                </a:solidFill>
+                <a:effectLst/>
+                <a:latin typeface="+mn-lt"/>
+                <a:ea typeface="+mn-ea"/>
+                <a:cs typeface="+mn-cs"/>
+              </a:rPr>
+              <a:t>自 </a:t>
+            </a:r>
+            <a:r>
+              <a:rPr lang="en-US" altLang="zh-CN" sz="1200" b="0" i="0" kern="1200" dirty="0">
+                <a:solidFill>
+                  <a:schemeClr val="tx1"/>
+                </a:solidFill>
+                <a:effectLst/>
+                <a:latin typeface="+mn-lt"/>
+                <a:ea typeface="+mn-ea"/>
+                <a:cs typeface="+mn-cs"/>
+              </a:rPr>
+              <a:t>1971 </a:t>
+            </a:r>
+            <a:r>
+              <a:rPr lang="zh-CN" altLang="en-US" sz="1200" b="0" i="0" kern="1200" dirty="0">
+                <a:solidFill>
+                  <a:schemeClr val="tx1"/>
+                </a:solidFill>
+                <a:effectLst/>
+                <a:latin typeface="+mn-lt"/>
+                <a:ea typeface="+mn-ea"/>
+                <a:cs typeface="+mn-cs"/>
+              </a:rPr>
+              <a:t>年以来，处理器的性能提高了约 </a:t>
+            </a:r>
+            <a:r>
+              <a:rPr lang="en-US" altLang="zh-CN" sz="1200" b="0" i="0" kern="1200" dirty="0">
+                <a:solidFill>
+                  <a:schemeClr val="tx1"/>
+                </a:solidFill>
+                <a:effectLst/>
+                <a:latin typeface="+mn-lt"/>
+                <a:ea typeface="+mn-ea"/>
+                <a:cs typeface="+mn-cs"/>
+              </a:rPr>
+              <a:t>400,000 </a:t>
+            </a:r>
+            <a:r>
+              <a:rPr lang="zh-CN" altLang="en-US" sz="1200" b="0" i="0" kern="1200" dirty="0">
+                <a:solidFill>
+                  <a:schemeClr val="tx1"/>
+                </a:solidFill>
+                <a:effectLst/>
+                <a:latin typeface="+mn-lt"/>
+                <a:ea typeface="+mn-ea"/>
+                <a:cs typeface="+mn-cs"/>
+              </a:rPr>
+              <a:t>倍。</a:t>
+            </a:r>
+            <a:endParaRPr lang="en-US" altLang="zh-CN" dirty="0"/>
+          </a:p>
+        </p:txBody>
+      </p:sp>
+      <p:sp>
+        <p:nvSpPr>
+          <p:cNvPr id="4" name="灯片编号占位符 3">
+            <a:extLst>
+              <a:ext uri="{FF2B5EF4-FFF2-40B4-BE49-F238E27FC236}">
+                <a16:creationId xmlns:a16="http://schemas.microsoft.com/office/drawing/2014/main" id="{A873B35B-F935-AC57-7271-B157ABF0E8F5}"/>
+              </a:ext>
+            </a:extLst>
+          </p:cNvPr>
+          <p:cNvSpPr>
+            <a:spLocks noGrp="1"/>
+          </p:cNvSpPr>
+          <p:nvPr>
+            <p:ph type="sldNum" sz="quarter" idx="10"/>
+          </p:nvPr>
+        </p:nvSpPr>
+        <p:spPr/>
+        <p:txBody>
+          <a:bodyPr/>
+          <a:lstStyle/>
+          <a:p>
+            <a:pPr marL="0" marR="0" lvl="0" indent="0" algn="r" defTabSz="914400" rtl="0" eaLnBrk="1" fontAlgn="auto" latinLnBrk="0" hangingPunct="1">
+              <a:lnSpc>
+                <a:spcPct val="100000"/>
+              </a:lnSpc>
+              <a:spcBef>
+                <a:spcPts val="0"/>
+              </a:spcBef>
+              <a:spcAft>
+                <a:spcPts val="0"/>
+              </a:spcAft>
+              <a:buClrTx/>
+              <a:buSzTx/>
+              <a:buFontTx/>
+              <a:buNone/>
+              <a:tabLst/>
+              <a:defRPr/>
+            </a:pPr>
+            <a:fld id="{5F81E48D-7DEE-42BB-9CCD-BCDC47BA74A6}" type="slidenum">
+              <a:rPr kumimoji="0" lang="zh-CN" altLang="en-US" sz="1200" b="0" i="0" u="none" strike="noStrike" kern="1200" cap="none" spc="0" normalizeH="0" baseline="0" noProof="0" smtClean="0">
+                <a:ln>
+                  <a:noFill/>
+                </a:ln>
+                <a:solidFill>
+                  <a:prstClr val="black"/>
+                </a:solidFill>
+                <a:effectLst/>
+                <a:uLnTx/>
+                <a:uFillTx/>
+                <a:latin typeface="Calibri" panose="020F0502020204030204"/>
+                <a:ea typeface="宋体" panose="02010600030101010101" pitchFamily="2" charset="-122"/>
+                <a:cs typeface="+mn-cs"/>
+              </a:rPr>
+              <a:pPr marL="0" marR="0" lvl="0" indent="0" algn="r" defTabSz="914400" rtl="0" eaLnBrk="1" fontAlgn="auto" latinLnBrk="0" hangingPunct="1">
+                <a:lnSpc>
+                  <a:spcPct val="100000"/>
+                </a:lnSpc>
+                <a:spcBef>
+                  <a:spcPts val="0"/>
+                </a:spcBef>
+                <a:spcAft>
+                  <a:spcPts val="0"/>
+                </a:spcAft>
+                <a:buClrTx/>
+                <a:buSzTx/>
+                <a:buFontTx/>
+                <a:buNone/>
+                <a:tabLst/>
+                <a:defRPr/>
+              </a:pPr>
+              <a:t>11</a:t>
+            </a:fld>
+            <a:endParaRPr kumimoji="0" lang="zh-CN" altLang="en-US" sz="1200" b="0" i="0" u="none" strike="noStrike" kern="1200" cap="none" spc="0" normalizeH="0" baseline="0" noProof="0">
+              <a:ln>
+                <a:noFill/>
+              </a:ln>
+              <a:solidFill>
+                <a:prstClr val="black"/>
+              </a:solidFill>
+              <a:effectLst/>
+              <a:uLnTx/>
+              <a:uFillTx/>
+              <a:latin typeface="Calibri" panose="020F0502020204030204"/>
+              <a:ea typeface="宋体" panose="02010600030101010101" pitchFamily="2" charset="-122"/>
+              <a:cs typeface="+mn-cs"/>
+            </a:endParaRPr>
+          </a:p>
+        </p:txBody>
+      </p:sp>
+    </p:spTree>
+    <p:extLst>
+      <p:ext uri="{BB962C8B-B14F-4D97-AF65-F5344CB8AC3E}">
+        <p14:creationId xmlns:p14="http://schemas.microsoft.com/office/powerpoint/2010/main" val="1735644385"/>
+      </p:ext>
+    </p:extLst>
+  </p:cSld>
+  <p:clrMapOvr>
+    <a:masterClrMapping/>
+  </p:clrMapOvr>
+</p:notes>
+</file>
+
+<file path=ppt/notesSlides/notesSlide11.xml><?xml version="1.0" encoding="utf-8"?>
+<p:notes xmlns:a="http://schemas.openxmlformats.org/drawingml/2006/main" xmlns:r="http://schemas.openxmlformats.org/officeDocument/2006/relationships" xmlns:p="http://schemas.openxmlformats.org/presentationml/2006/main">
+  <p:cSld>
+    <p:spTree>
+      <p:nvGrpSpPr>
+        <p:cNvPr id="1" name="">
+          <a:extLst>
+            <a:ext uri="{FF2B5EF4-FFF2-40B4-BE49-F238E27FC236}">
+              <a16:creationId xmlns:a16="http://schemas.microsoft.com/office/drawing/2014/main" id="{F3DB7EE0-B251-2195-2D10-B926029FFB11}"/>
+            </a:ext>
+          </a:extLst>
+        </p:cNvPr>
+        <p:cNvGrpSpPr/>
+        <p:nvPr/>
+      </p:nvGrpSpPr>
+      <p:grpSpPr>
+        <a:xfrm>
+          <a:off x="0" y="0"/>
+          <a:ext cx="0" cy="0"/>
+          <a:chOff x="0" y="0"/>
+          <a:chExt cx="0" cy="0"/>
+        </a:xfrm>
+      </p:grpSpPr>
+      <p:sp>
+        <p:nvSpPr>
+          <p:cNvPr id="2" name="幻灯片图像占位符 1">
+            <a:extLst>
+              <a:ext uri="{FF2B5EF4-FFF2-40B4-BE49-F238E27FC236}">
+                <a16:creationId xmlns:a16="http://schemas.microsoft.com/office/drawing/2014/main" id="{7F826CFB-0F8C-0ED4-44CC-8A93E1C00B6B}"/>
+              </a:ext>
+            </a:extLst>
+          </p:cNvPr>
+          <p:cNvSpPr>
+            <a:spLocks noGrp="1" noRot="1" noChangeAspect="1"/>
+          </p:cNvSpPr>
+          <p:nvPr>
+            <p:ph type="sldImg"/>
+          </p:nvPr>
+        </p:nvSpPr>
+        <p:spPr/>
+      </p:sp>
+      <p:sp>
+        <p:nvSpPr>
+          <p:cNvPr id="3" name="备注占位符 2">
+            <a:extLst>
+              <a:ext uri="{FF2B5EF4-FFF2-40B4-BE49-F238E27FC236}">
+                <a16:creationId xmlns:a16="http://schemas.microsoft.com/office/drawing/2014/main" id="{9AC547B5-76B5-06BA-31A6-95F856BFC387}"/>
+              </a:ext>
+            </a:extLst>
+          </p:cNvPr>
+          <p:cNvSpPr>
+            <a:spLocks noGrp="1"/>
+          </p:cNvSpPr>
+          <p:nvPr>
+            <p:ph type="body" idx="1"/>
+          </p:nvPr>
+        </p:nvSpPr>
+        <p:spPr/>
+        <p:txBody>
+          <a:bodyPr/>
+          <a:lstStyle/>
+          <a:p>
+            <a:r>
+              <a:rPr lang="zh-CN" altLang="en-US" dirty="0"/>
+              <a:t>计算产业需求驱动，两条主线：一个是算力摸高的主赛道、一个是算力泛在化、小型化的枝开叶散的分赛道</a:t>
+            </a:r>
+            <a:endParaRPr lang="en-US" altLang="zh-CN" dirty="0"/>
+          </a:p>
+          <a:p>
+            <a:endParaRPr lang="en-US" altLang="zh-CN" dirty="0"/>
+          </a:p>
+          <a:p>
+            <a:r>
+              <a:rPr lang="zh-CN" altLang="en-US" dirty="0"/>
+              <a:t>人类社会演进的两个根本驱动力：能源、信息</a:t>
+            </a:r>
+            <a:endParaRPr lang="en-US" altLang="zh-CN" dirty="0"/>
+          </a:p>
+          <a:p>
+            <a:endParaRPr lang="en-US" altLang="zh-CN" dirty="0"/>
+          </a:p>
+          <a:p>
+            <a:r>
+              <a:rPr lang="zh-CN" altLang="en-US" dirty="0"/>
+              <a:t>科技是推动计算产业发展的最强动力</a:t>
+            </a:r>
+            <a:endParaRPr lang="en-US" altLang="zh-CN" dirty="0"/>
+          </a:p>
+          <a:p>
+            <a:r>
+              <a:rPr lang="zh-CN" altLang="en-US" dirty="0"/>
+              <a:t>计算需求多样化，是不变的趋势：国防科研</a:t>
+            </a:r>
+            <a:r>
+              <a:rPr lang="en-US" altLang="zh-CN" dirty="0">
+                <a:sym typeface="Wingdings" panose="05000000000000000000" pitchFamily="2" charset="2"/>
+              </a:rPr>
+              <a:t></a:t>
+            </a:r>
+            <a:r>
+              <a:rPr lang="zh-CN" altLang="en-US" dirty="0">
+                <a:sym typeface="Wingdings" panose="05000000000000000000" pitchFamily="2" charset="2"/>
+              </a:rPr>
+              <a:t>商业计算</a:t>
+            </a:r>
+            <a:r>
+              <a:rPr lang="en-US" altLang="zh-CN" dirty="0">
+                <a:sym typeface="Wingdings" panose="05000000000000000000" pitchFamily="2" charset="2"/>
+              </a:rPr>
+              <a:t>+</a:t>
+            </a:r>
+            <a:r>
+              <a:rPr lang="zh-CN" altLang="en-US" dirty="0">
+                <a:sym typeface="Wingdings" panose="05000000000000000000" pitchFamily="2" charset="2"/>
+              </a:rPr>
+              <a:t>个人</a:t>
+            </a:r>
+            <a:r>
+              <a:rPr lang="en-US" altLang="zh-CN" dirty="0">
+                <a:sym typeface="Wingdings" panose="05000000000000000000" pitchFamily="2" charset="2"/>
+              </a:rPr>
+              <a:t>PC</a:t>
+            </a:r>
+            <a:r>
+              <a:rPr lang="zh-CN" altLang="en-US" dirty="0">
+                <a:sym typeface="Wingdings" panose="05000000000000000000" pitchFamily="2" charset="2"/>
+              </a:rPr>
+              <a:t>互联网</a:t>
+            </a:r>
+            <a:r>
+              <a:rPr lang="en-US" altLang="zh-CN" dirty="0">
+                <a:sym typeface="Wingdings" panose="05000000000000000000" pitchFamily="2" charset="2"/>
+              </a:rPr>
+              <a:t>/</a:t>
+            </a:r>
+            <a:r>
+              <a:rPr lang="zh-CN" altLang="en-US" dirty="0">
+                <a:sym typeface="Wingdings" panose="05000000000000000000" pitchFamily="2" charset="2"/>
+              </a:rPr>
+              <a:t>移动互联网 及 背后的 </a:t>
+            </a:r>
+            <a:r>
+              <a:rPr lang="en-US" altLang="zh-CN" dirty="0">
+                <a:sym typeface="Wingdings" panose="05000000000000000000" pitchFamily="2" charset="2"/>
+              </a:rPr>
+              <a:t>IDC+</a:t>
+            </a:r>
+            <a:r>
+              <a:rPr lang="zh-CN" altLang="en-US" dirty="0">
+                <a:sym typeface="Wingdings" panose="05000000000000000000" pitchFamily="2" charset="2"/>
+              </a:rPr>
+              <a:t>云计算</a:t>
+            </a:r>
+            <a:endParaRPr lang="en-US" altLang="zh-CN" dirty="0">
+              <a:sym typeface="Wingdings" panose="05000000000000000000" pitchFamily="2" charset="2"/>
+            </a:endParaRPr>
+          </a:p>
+          <a:p>
+            <a:r>
+              <a:rPr lang="en-US" altLang="zh-CN" dirty="0">
+                <a:sym typeface="Wingdings" panose="05000000000000000000" pitchFamily="2" charset="2"/>
+              </a:rPr>
+              <a:t>IBM</a:t>
+            </a:r>
+            <a:r>
+              <a:rPr lang="zh-CN" altLang="en-US" dirty="0">
+                <a:sym typeface="Wingdings" panose="05000000000000000000" pitchFamily="2" charset="2"/>
+              </a:rPr>
+              <a:t>、</a:t>
+            </a:r>
+            <a:r>
+              <a:rPr lang="en-US" altLang="zh-CN" dirty="0">
+                <a:sym typeface="Wingdings" panose="05000000000000000000" pitchFamily="2" charset="2"/>
+              </a:rPr>
+              <a:t>Intel</a:t>
+            </a:r>
+          </a:p>
+          <a:p>
+            <a:endParaRPr lang="en-US" altLang="zh-CN" dirty="0">
+              <a:sym typeface="Wingdings" panose="05000000000000000000" pitchFamily="2" charset="2"/>
+            </a:endParaRPr>
+          </a:p>
+          <a:p>
+            <a:r>
+              <a:rPr lang="zh-CN" altLang="en-US" sz="1200" b="0" i="0" kern="1200" dirty="0">
+                <a:solidFill>
+                  <a:schemeClr val="tx1"/>
+                </a:solidFill>
+                <a:effectLst/>
+                <a:latin typeface="+mn-lt"/>
+                <a:ea typeface="+mn-ea"/>
+                <a:cs typeface="+mn-cs"/>
+              </a:rPr>
+              <a:t>也许没有一种其他技术能像计算机技术一样，在过去几十年里有如此巨大的进步。据估计，自 </a:t>
+            </a:r>
+            <a:r>
+              <a:rPr lang="en-US" altLang="zh-CN" sz="1200" b="0" i="0" kern="1200" dirty="0">
+                <a:solidFill>
+                  <a:schemeClr val="tx1"/>
+                </a:solidFill>
+                <a:effectLst/>
+                <a:latin typeface="+mn-lt"/>
+                <a:ea typeface="+mn-ea"/>
+                <a:cs typeface="+mn-cs"/>
+              </a:rPr>
+              <a:t>1974 </a:t>
+            </a:r>
+            <a:r>
+              <a:rPr lang="zh-CN" altLang="en-US" sz="1200" b="0" i="0" kern="1200" dirty="0">
+                <a:solidFill>
+                  <a:schemeClr val="tx1"/>
+                </a:solidFill>
+                <a:effectLst/>
+                <a:latin typeface="+mn-lt"/>
+                <a:ea typeface="+mn-ea"/>
+                <a:cs typeface="+mn-cs"/>
+              </a:rPr>
+              <a:t>年以来，美国总生产力增长的三分之一来自信息技术，它是国家繁荣的最大贡献者之一。</a:t>
+            </a:r>
+            <a:endParaRPr lang="en-US" altLang="zh-CN" dirty="0">
+              <a:sym typeface="Wingdings" panose="05000000000000000000" pitchFamily="2" charset="2"/>
+            </a:endParaRPr>
+          </a:p>
+          <a:p>
+            <a:endParaRPr lang="en-US" altLang="zh-CN" dirty="0"/>
+          </a:p>
+          <a:p>
+            <a:r>
+              <a:rPr lang="zh-CN" altLang="en-US" sz="1200" b="0" i="0" kern="1200" dirty="0">
+                <a:solidFill>
+                  <a:schemeClr val="tx1"/>
+                </a:solidFill>
+                <a:effectLst/>
+                <a:latin typeface="+mn-lt"/>
+                <a:ea typeface="+mn-ea"/>
+                <a:cs typeface="+mn-cs"/>
+              </a:rPr>
+              <a:t>自 </a:t>
+            </a:r>
+            <a:r>
+              <a:rPr lang="en-US" altLang="zh-CN" sz="1200" b="0" i="0" kern="1200" dirty="0">
+                <a:solidFill>
+                  <a:schemeClr val="tx1"/>
+                </a:solidFill>
+                <a:effectLst/>
+                <a:latin typeface="+mn-lt"/>
+                <a:ea typeface="+mn-ea"/>
+                <a:cs typeface="+mn-cs"/>
+              </a:rPr>
+              <a:t>1971 </a:t>
+            </a:r>
+            <a:r>
+              <a:rPr lang="zh-CN" altLang="en-US" sz="1200" b="0" i="0" kern="1200" dirty="0">
+                <a:solidFill>
+                  <a:schemeClr val="tx1"/>
+                </a:solidFill>
+                <a:effectLst/>
+                <a:latin typeface="+mn-lt"/>
+                <a:ea typeface="+mn-ea"/>
+                <a:cs typeface="+mn-cs"/>
+              </a:rPr>
+              <a:t>年以来，处理器的性能提高了约 </a:t>
+            </a:r>
+            <a:r>
+              <a:rPr lang="en-US" altLang="zh-CN" sz="1200" b="0" i="0" kern="1200" dirty="0">
+                <a:solidFill>
+                  <a:schemeClr val="tx1"/>
+                </a:solidFill>
+                <a:effectLst/>
+                <a:latin typeface="+mn-lt"/>
+                <a:ea typeface="+mn-ea"/>
+                <a:cs typeface="+mn-cs"/>
+              </a:rPr>
+              <a:t>400,000 </a:t>
+            </a:r>
+            <a:r>
+              <a:rPr lang="zh-CN" altLang="en-US" sz="1200" b="0" i="0" kern="1200" dirty="0">
+                <a:solidFill>
+                  <a:schemeClr val="tx1"/>
+                </a:solidFill>
+                <a:effectLst/>
+                <a:latin typeface="+mn-lt"/>
+                <a:ea typeface="+mn-ea"/>
+                <a:cs typeface="+mn-cs"/>
+              </a:rPr>
+              <a:t>倍。</a:t>
+            </a:r>
+            <a:endParaRPr lang="en-US" altLang="zh-CN" dirty="0"/>
+          </a:p>
+        </p:txBody>
+      </p:sp>
+      <p:sp>
+        <p:nvSpPr>
+          <p:cNvPr id="4" name="灯片编号占位符 3">
+            <a:extLst>
+              <a:ext uri="{FF2B5EF4-FFF2-40B4-BE49-F238E27FC236}">
+                <a16:creationId xmlns:a16="http://schemas.microsoft.com/office/drawing/2014/main" id="{D76CE847-AA92-CC1D-1F51-3240F5CFC029}"/>
+              </a:ext>
+            </a:extLst>
+          </p:cNvPr>
+          <p:cNvSpPr>
+            <a:spLocks noGrp="1"/>
+          </p:cNvSpPr>
+          <p:nvPr>
+            <p:ph type="sldNum" sz="quarter" idx="10"/>
+          </p:nvPr>
+        </p:nvSpPr>
+        <p:spPr/>
+        <p:txBody>
+          <a:bodyPr/>
+          <a:lstStyle/>
+          <a:p>
+            <a:pPr marL="0" marR="0" lvl="0" indent="0" algn="r" defTabSz="914400" rtl="0" eaLnBrk="1" fontAlgn="auto" latinLnBrk="0" hangingPunct="1">
+              <a:lnSpc>
+                <a:spcPct val="100000"/>
+              </a:lnSpc>
+              <a:spcBef>
+                <a:spcPts val="0"/>
+              </a:spcBef>
+              <a:spcAft>
+                <a:spcPts val="0"/>
+              </a:spcAft>
+              <a:buClrTx/>
+              <a:buSzTx/>
+              <a:buFontTx/>
+              <a:buNone/>
+              <a:tabLst/>
+              <a:defRPr/>
+            </a:pPr>
+            <a:fld id="{5F81E48D-7DEE-42BB-9CCD-BCDC47BA74A6}" type="slidenum">
+              <a:rPr kumimoji="0" lang="zh-CN" altLang="en-US" sz="1200" b="0" i="0" u="none" strike="noStrike" kern="1200" cap="none" spc="0" normalizeH="0" baseline="0" noProof="0" smtClean="0">
+                <a:ln>
+                  <a:noFill/>
+                </a:ln>
+                <a:solidFill>
+                  <a:prstClr val="black"/>
+                </a:solidFill>
+                <a:effectLst/>
+                <a:uLnTx/>
+                <a:uFillTx/>
+                <a:latin typeface="Calibri" panose="020F0502020204030204"/>
+                <a:ea typeface="宋体" panose="02010600030101010101" pitchFamily="2" charset="-122"/>
+                <a:cs typeface="+mn-cs"/>
+              </a:rPr>
+              <a:pPr marL="0" marR="0" lvl="0" indent="0" algn="r" defTabSz="914400" rtl="0" eaLnBrk="1" fontAlgn="auto" latinLnBrk="0" hangingPunct="1">
+                <a:lnSpc>
+                  <a:spcPct val="100000"/>
+                </a:lnSpc>
+                <a:spcBef>
+                  <a:spcPts val="0"/>
+                </a:spcBef>
+                <a:spcAft>
+                  <a:spcPts val="0"/>
+                </a:spcAft>
+                <a:buClrTx/>
+                <a:buSzTx/>
+                <a:buFontTx/>
+                <a:buNone/>
+                <a:tabLst/>
+                <a:defRPr/>
+              </a:pPr>
+              <a:t>12</a:t>
+            </a:fld>
+            <a:endParaRPr kumimoji="0" lang="zh-CN" altLang="en-US" sz="1200" b="0" i="0" u="none" strike="noStrike" kern="1200" cap="none" spc="0" normalizeH="0" baseline="0" noProof="0">
+              <a:ln>
+                <a:noFill/>
+              </a:ln>
+              <a:solidFill>
+                <a:prstClr val="black"/>
+              </a:solidFill>
+              <a:effectLst/>
+              <a:uLnTx/>
+              <a:uFillTx/>
+              <a:latin typeface="Calibri" panose="020F0502020204030204"/>
+              <a:ea typeface="宋体" panose="02010600030101010101" pitchFamily="2" charset="-122"/>
+              <a:cs typeface="+mn-cs"/>
+            </a:endParaRPr>
+          </a:p>
+        </p:txBody>
+      </p:sp>
+    </p:spTree>
+    <p:extLst>
+      <p:ext uri="{BB962C8B-B14F-4D97-AF65-F5344CB8AC3E}">
+        <p14:creationId xmlns:p14="http://schemas.microsoft.com/office/powerpoint/2010/main" val="1355030176"/>
+      </p:ext>
+    </p:extLst>
+  </p:cSld>
+  <p:clrMapOvr>
+    <a:masterClrMapping/>
+  </p:clrMapOvr>
+</p:notes>
+</file>
+
+<file path=ppt/notesSlides/notesSlide12.xml><?xml version="1.0" encoding="utf-8"?>
+<p:notes xmlns:a="http://schemas.openxmlformats.org/drawingml/2006/main" xmlns:r="http://schemas.openxmlformats.org/officeDocument/2006/relationships" xmlns:p="http://schemas.openxmlformats.org/presentationml/2006/main">
+  <p:cSld>
+    <p:spTree>
+      <p:nvGrpSpPr>
+        <p:cNvPr id="1" name="">
+          <a:extLst>
+            <a:ext uri="{FF2B5EF4-FFF2-40B4-BE49-F238E27FC236}">
               <a16:creationId xmlns:a16="http://schemas.microsoft.com/office/drawing/2014/main" id="{3308A899-147F-7EEF-BE56-2A8C9A2B11D2}"/>
             </a:ext>
           </a:extLst>
@@ -1123,7 +1912,7 @@
                 <a:tabLst/>
                 <a:defRPr/>
               </a:pPr>
-              <a:t>11</a:t>
+              <a:t>13</a:t>
             </a:fld>
             <a:endParaRPr kumimoji="0" lang="zh-CN" altLang="en-US" sz="1200" b="0" i="0" u="none" strike="noStrike" kern="1200" cap="none" spc="0" normalizeH="0" baseline="0" noProof="0">
               <a:ln>
@@ -1155,7 +1944,7 @@
 </p:notes>
 </file>
 
-<file path=ppt/notesSlides/notesSlide11.xml><?xml version="1.0" encoding="utf-8"?>
+<file path=ppt/notesSlides/notesSlide13.xml><?xml version="1.0" encoding="utf-8"?>
 <p:notes xmlns:a="http://schemas.openxmlformats.org/drawingml/2006/main" xmlns:r="http://schemas.openxmlformats.org/officeDocument/2006/relationships" xmlns:p="http://schemas.openxmlformats.org/presentationml/2006/main">
   <p:cSld>
     <p:spTree>
@@ -1516,7 +2305,7 @@
                 <a:tabLst/>
                 <a:defRPr/>
               </a:pPr>
-              <a:t>12</a:t>
+              <a:t>14</a:t>
             </a:fld>
             <a:endParaRPr kumimoji="0" lang="zh-CN" altLang="en-US" sz="1200" b="0" i="0" u="none" strike="noStrike" kern="1200" cap="none" spc="0" normalizeH="0" baseline="0" noProof="0">
               <a:ln>
@@ -1548,7 +2337,7 @@
 </p:notes>
 </file>
 
-<file path=ppt/notesSlides/notesSlide12.xml><?xml version="1.0" encoding="utf-8"?>
+<file path=ppt/notesSlides/notesSlide14.xml><?xml version="1.0" encoding="utf-8"?>
 <p:notes xmlns:a="http://schemas.openxmlformats.org/drawingml/2006/main" xmlns:r="http://schemas.openxmlformats.org/officeDocument/2006/relationships" xmlns:p="http://schemas.openxmlformats.org/presentationml/2006/main">
   <p:cSld>
     <p:spTree>
@@ -1909,7 +2698,7 @@
                 <a:tabLst/>
                 <a:defRPr/>
               </a:pPr>
-              <a:t>13</a:t>
+              <a:t>15</a:t>
             </a:fld>
             <a:endParaRPr kumimoji="0" lang="zh-CN" altLang="en-US" sz="1200" b="0" i="0" u="none" strike="noStrike" kern="1200" cap="none" spc="0" normalizeH="0" baseline="0" noProof="0">
               <a:ln>
@@ -1941,7 +2730,7 @@
 </p:notes>
 </file>
 
-<file path=ppt/notesSlides/notesSlide13.xml><?xml version="1.0" encoding="utf-8"?>
+<file path=ppt/notesSlides/notesSlide15.xml><?xml version="1.0" encoding="utf-8"?>
 <p:notes xmlns:a="http://schemas.openxmlformats.org/drawingml/2006/main" xmlns:r="http://schemas.openxmlformats.org/officeDocument/2006/relationships" xmlns:p="http://schemas.openxmlformats.org/presentationml/2006/main">
   <p:cSld>
     <p:spTree>
@@ -2302,7 +3091,7 @@
                 <a:tabLst/>
                 <a:defRPr/>
               </a:pPr>
-              <a:t>14</a:t>
+              <a:t>16</a:t>
             </a:fld>
             <a:endParaRPr kumimoji="0" lang="zh-CN" altLang="en-US" sz="1200" b="0" i="0" u="none" strike="noStrike" kern="1200" cap="none" spc="0" normalizeH="0" baseline="0" noProof="0">
               <a:ln>
@@ -2325,6 +3114,399 @@
     <p:extLst>
       <p:ext uri="{BB962C8B-B14F-4D97-AF65-F5344CB8AC3E}">
         <p14:creationId xmlns:p14="http://schemas.microsoft.com/office/powerpoint/2010/main" val="2635621049"/>
+      </p:ext>
+    </p:extLst>
+  </p:cSld>
+  <p:clrMapOvr>
+    <a:masterClrMapping/>
+  </p:clrMapOvr>
+</p:notes>
+</file>
+
+<file path=ppt/notesSlides/notesSlide16.xml><?xml version="1.0" encoding="utf-8"?>
+<p:notes xmlns:a="http://schemas.openxmlformats.org/drawingml/2006/main" xmlns:r="http://schemas.openxmlformats.org/officeDocument/2006/relationships" xmlns:p="http://schemas.openxmlformats.org/presentationml/2006/main">
+  <p:cSld>
+    <p:spTree>
+      <p:nvGrpSpPr>
+        <p:cNvPr id="1" name="">
+          <a:extLst>
+            <a:ext uri="{FF2B5EF4-FFF2-40B4-BE49-F238E27FC236}">
+              <a16:creationId xmlns:a16="http://schemas.microsoft.com/office/drawing/2014/main" id="{417AFAA3-CA5C-4084-A687-3EF449C4E423}"/>
+            </a:ext>
+          </a:extLst>
+        </p:cNvPr>
+        <p:cNvGrpSpPr/>
+        <p:nvPr/>
+      </p:nvGrpSpPr>
+      <p:grpSpPr>
+        <a:xfrm>
+          <a:off x="0" y="0"/>
+          <a:ext cx="0" cy="0"/>
+          <a:chOff x="0" y="0"/>
+          <a:chExt cx="0" cy="0"/>
+        </a:xfrm>
+      </p:grpSpPr>
+      <p:sp>
+        <p:nvSpPr>
+          <p:cNvPr id="2" name="幻灯片图像占位符 1">
+            <a:extLst>
+              <a:ext uri="{FF2B5EF4-FFF2-40B4-BE49-F238E27FC236}">
+                <a16:creationId xmlns:a16="http://schemas.microsoft.com/office/drawing/2014/main" id="{BED2B43B-5141-607A-4C69-97A4ABF091C4}"/>
+              </a:ext>
+            </a:extLst>
+          </p:cNvPr>
+          <p:cNvSpPr>
+            <a:spLocks noGrp="1" noRot="1" noChangeAspect="1"/>
+          </p:cNvSpPr>
+          <p:nvPr>
+            <p:ph type="sldImg"/>
+          </p:nvPr>
+        </p:nvSpPr>
+        <p:spPr/>
+      </p:sp>
+      <p:sp>
+        <p:nvSpPr>
+          <p:cNvPr id="3" name="备注占位符 2">
+            <a:extLst>
+              <a:ext uri="{FF2B5EF4-FFF2-40B4-BE49-F238E27FC236}">
+                <a16:creationId xmlns:a16="http://schemas.microsoft.com/office/drawing/2014/main" id="{A1D4EBB8-B42A-C649-9AEE-700629C359F6}"/>
+              </a:ext>
+            </a:extLst>
+          </p:cNvPr>
+          <p:cNvSpPr>
+            <a:spLocks noGrp="1"/>
+          </p:cNvSpPr>
+          <p:nvPr>
+            <p:ph type="body" idx="1"/>
+          </p:nvPr>
+        </p:nvSpPr>
+        <p:spPr/>
+        <p:txBody>
+          <a:bodyPr/>
+          <a:lstStyle/>
+          <a:p>
+            <a:r>
+              <a:rPr lang="zh-CN" altLang="en-US" dirty="0"/>
+              <a:t>计算产业需求驱动，两条主线：一个是算力摸高的主赛道、一个是算力泛在化、小型化的枝开叶散的分赛道</a:t>
+            </a:r>
+            <a:endParaRPr lang="en-US" altLang="zh-CN" dirty="0"/>
+          </a:p>
+          <a:p>
+            <a:endParaRPr lang="en-US" altLang="zh-CN" dirty="0"/>
+          </a:p>
+          <a:p>
+            <a:r>
+              <a:rPr lang="zh-CN" altLang="en-US" dirty="0"/>
+              <a:t>人类社会演进的两个根本驱动力：能源、信息</a:t>
+            </a:r>
+            <a:endParaRPr lang="en-US" altLang="zh-CN" dirty="0"/>
+          </a:p>
+          <a:p>
+            <a:endParaRPr lang="en-US" altLang="zh-CN" dirty="0"/>
+          </a:p>
+          <a:p>
+            <a:r>
+              <a:rPr lang="zh-CN" altLang="en-US" dirty="0"/>
+              <a:t>科技是推动计算产业发展的最强动力</a:t>
+            </a:r>
+            <a:endParaRPr lang="en-US" altLang="zh-CN" dirty="0"/>
+          </a:p>
+          <a:p>
+            <a:r>
+              <a:rPr lang="zh-CN" altLang="en-US" dirty="0"/>
+              <a:t>计算需求多样化，是不变的趋势：国防科研</a:t>
+            </a:r>
+            <a:r>
+              <a:rPr lang="en-US" altLang="zh-CN" dirty="0">
+                <a:sym typeface="Wingdings" panose="05000000000000000000" pitchFamily="2" charset="2"/>
+              </a:rPr>
+              <a:t></a:t>
+            </a:r>
+            <a:r>
+              <a:rPr lang="zh-CN" altLang="en-US" dirty="0">
+                <a:sym typeface="Wingdings" panose="05000000000000000000" pitchFamily="2" charset="2"/>
+              </a:rPr>
+              <a:t>商业计算</a:t>
+            </a:r>
+            <a:r>
+              <a:rPr lang="en-US" altLang="zh-CN" dirty="0">
+                <a:sym typeface="Wingdings" panose="05000000000000000000" pitchFamily="2" charset="2"/>
+              </a:rPr>
+              <a:t>+</a:t>
+            </a:r>
+            <a:r>
+              <a:rPr lang="zh-CN" altLang="en-US" dirty="0">
+                <a:sym typeface="Wingdings" panose="05000000000000000000" pitchFamily="2" charset="2"/>
+              </a:rPr>
+              <a:t>个人</a:t>
+            </a:r>
+            <a:r>
+              <a:rPr lang="en-US" altLang="zh-CN" dirty="0">
+                <a:sym typeface="Wingdings" panose="05000000000000000000" pitchFamily="2" charset="2"/>
+              </a:rPr>
+              <a:t>PC</a:t>
+            </a:r>
+            <a:r>
+              <a:rPr lang="zh-CN" altLang="en-US" dirty="0">
+                <a:sym typeface="Wingdings" panose="05000000000000000000" pitchFamily="2" charset="2"/>
+              </a:rPr>
+              <a:t>互联网</a:t>
+            </a:r>
+            <a:r>
+              <a:rPr lang="en-US" altLang="zh-CN" dirty="0">
+                <a:sym typeface="Wingdings" panose="05000000000000000000" pitchFamily="2" charset="2"/>
+              </a:rPr>
+              <a:t>/</a:t>
+            </a:r>
+            <a:r>
+              <a:rPr lang="zh-CN" altLang="en-US" dirty="0">
+                <a:sym typeface="Wingdings" panose="05000000000000000000" pitchFamily="2" charset="2"/>
+              </a:rPr>
+              <a:t>移动互联网 及 背后的 </a:t>
+            </a:r>
+            <a:r>
+              <a:rPr lang="en-US" altLang="zh-CN" dirty="0">
+                <a:sym typeface="Wingdings" panose="05000000000000000000" pitchFamily="2" charset="2"/>
+              </a:rPr>
+              <a:t>IDC+</a:t>
+            </a:r>
+            <a:r>
+              <a:rPr lang="zh-CN" altLang="en-US" dirty="0">
+                <a:sym typeface="Wingdings" panose="05000000000000000000" pitchFamily="2" charset="2"/>
+              </a:rPr>
+              <a:t>云计算</a:t>
+            </a:r>
+            <a:endParaRPr lang="en-US" altLang="zh-CN" dirty="0">
+              <a:sym typeface="Wingdings" panose="05000000000000000000" pitchFamily="2" charset="2"/>
+            </a:endParaRPr>
+          </a:p>
+          <a:p>
+            <a:r>
+              <a:rPr lang="en-US" altLang="zh-CN" dirty="0">
+                <a:sym typeface="Wingdings" panose="05000000000000000000" pitchFamily="2" charset="2"/>
+              </a:rPr>
+              <a:t>IBM</a:t>
+            </a:r>
+            <a:r>
+              <a:rPr lang="zh-CN" altLang="en-US" dirty="0">
+                <a:sym typeface="Wingdings" panose="05000000000000000000" pitchFamily="2" charset="2"/>
+              </a:rPr>
+              <a:t>、</a:t>
+            </a:r>
+            <a:r>
+              <a:rPr lang="en-US" altLang="zh-CN" dirty="0">
+                <a:sym typeface="Wingdings" panose="05000000000000000000" pitchFamily="2" charset="2"/>
+              </a:rPr>
+              <a:t>Intel</a:t>
+            </a:r>
+          </a:p>
+          <a:p>
+            <a:endParaRPr lang="en-US" altLang="zh-CN" dirty="0">
+              <a:sym typeface="Wingdings" panose="05000000000000000000" pitchFamily="2" charset="2"/>
+            </a:endParaRPr>
+          </a:p>
+          <a:p>
+            <a:r>
+              <a:rPr lang="zh-CN" altLang="en-US" sz="1200" b="0" i="0" kern="1200" dirty="0">
+                <a:solidFill>
+                  <a:schemeClr val="tx1"/>
+                </a:solidFill>
+                <a:effectLst/>
+                <a:latin typeface="+mn-lt"/>
+                <a:ea typeface="+mn-ea"/>
+                <a:cs typeface="+mn-cs"/>
+              </a:rPr>
+              <a:t>也许没有一种其他技术能像计算机技术一样，在过去几十年里有如此巨大的进步。据估计，自 </a:t>
+            </a:r>
+            <a:r>
+              <a:rPr lang="en-US" altLang="zh-CN" sz="1200" b="0" i="0" kern="1200" dirty="0">
+                <a:solidFill>
+                  <a:schemeClr val="tx1"/>
+                </a:solidFill>
+                <a:effectLst/>
+                <a:latin typeface="+mn-lt"/>
+                <a:ea typeface="+mn-ea"/>
+                <a:cs typeface="+mn-cs"/>
+              </a:rPr>
+              <a:t>1974 </a:t>
+            </a:r>
+            <a:r>
+              <a:rPr lang="zh-CN" altLang="en-US" sz="1200" b="0" i="0" kern="1200" dirty="0">
+                <a:solidFill>
+                  <a:schemeClr val="tx1"/>
+                </a:solidFill>
+                <a:effectLst/>
+                <a:latin typeface="+mn-lt"/>
+                <a:ea typeface="+mn-ea"/>
+                <a:cs typeface="+mn-cs"/>
+              </a:rPr>
+              <a:t>年以来，美国总生产力增长的三分之一来自信息技术，它是国家繁荣的最大贡献者之一。</a:t>
+            </a:r>
+            <a:endParaRPr lang="en-US" altLang="zh-CN" dirty="0">
+              <a:sym typeface="Wingdings" panose="05000000000000000000" pitchFamily="2" charset="2"/>
+            </a:endParaRPr>
+          </a:p>
+          <a:p>
+            <a:endParaRPr lang="en-US" altLang="zh-CN" dirty="0"/>
+          </a:p>
+          <a:p>
+            <a:r>
+              <a:rPr lang="zh-CN" altLang="en-US" sz="1200" b="0" i="0" kern="1200" dirty="0">
+                <a:solidFill>
+                  <a:schemeClr val="tx1"/>
+                </a:solidFill>
+                <a:effectLst/>
+                <a:latin typeface="+mn-lt"/>
+                <a:ea typeface="+mn-ea"/>
+                <a:cs typeface="+mn-cs"/>
+              </a:rPr>
+              <a:t>自 </a:t>
+            </a:r>
+            <a:r>
+              <a:rPr lang="en-US" altLang="zh-CN" sz="1200" b="0" i="0" kern="1200" dirty="0">
+                <a:solidFill>
+                  <a:schemeClr val="tx1"/>
+                </a:solidFill>
+                <a:effectLst/>
+                <a:latin typeface="+mn-lt"/>
+                <a:ea typeface="+mn-ea"/>
+                <a:cs typeface="+mn-cs"/>
+              </a:rPr>
+              <a:t>1971 </a:t>
+            </a:r>
+            <a:r>
+              <a:rPr lang="zh-CN" altLang="en-US" sz="1200" b="0" i="0" kern="1200" dirty="0">
+                <a:solidFill>
+                  <a:schemeClr val="tx1"/>
+                </a:solidFill>
+                <a:effectLst/>
+                <a:latin typeface="+mn-lt"/>
+                <a:ea typeface="+mn-ea"/>
+                <a:cs typeface="+mn-cs"/>
+              </a:rPr>
+              <a:t>年以来，处理器的性能提高了约 </a:t>
+            </a:r>
+            <a:r>
+              <a:rPr lang="en-US" altLang="zh-CN" sz="1200" b="0" i="0" kern="1200" dirty="0">
+                <a:solidFill>
+                  <a:schemeClr val="tx1"/>
+                </a:solidFill>
+                <a:effectLst/>
+                <a:latin typeface="+mn-lt"/>
+                <a:ea typeface="+mn-ea"/>
+                <a:cs typeface="+mn-cs"/>
+              </a:rPr>
+              <a:t>400,000 </a:t>
+            </a:r>
+            <a:r>
+              <a:rPr lang="zh-CN" altLang="en-US" sz="1200" b="0" i="0" kern="1200" dirty="0">
+                <a:solidFill>
+                  <a:schemeClr val="tx1"/>
+                </a:solidFill>
+                <a:effectLst/>
+                <a:latin typeface="+mn-lt"/>
+                <a:ea typeface="+mn-ea"/>
+                <a:cs typeface="+mn-cs"/>
+              </a:rPr>
+              <a:t>倍。</a:t>
+            </a:r>
+            <a:endParaRPr lang="en-US" altLang="zh-CN" dirty="0"/>
+          </a:p>
+        </p:txBody>
+      </p:sp>
+      <p:sp>
+        <p:nvSpPr>
+          <p:cNvPr id="4" name="灯片编号占位符 3">
+            <a:extLst>
+              <a:ext uri="{FF2B5EF4-FFF2-40B4-BE49-F238E27FC236}">
+                <a16:creationId xmlns:a16="http://schemas.microsoft.com/office/drawing/2014/main" id="{DEE0D7C2-8C12-839F-1527-1108AFAE5D50}"/>
+              </a:ext>
+            </a:extLst>
+          </p:cNvPr>
+          <p:cNvSpPr>
+            <a:spLocks noGrp="1"/>
+          </p:cNvSpPr>
+          <p:nvPr>
+            <p:ph type="sldNum" sz="quarter" idx="10"/>
+          </p:nvPr>
+        </p:nvSpPr>
+        <p:spPr/>
+        <p:txBody>
+          <a:bodyPr/>
+          <a:lstStyle/>
+          <a:p>
+            <a:pPr marL="0" marR="0" lvl="0" indent="0" algn="r" defTabSz="914400" rtl="0" eaLnBrk="1" fontAlgn="auto" latinLnBrk="0" hangingPunct="1">
+              <a:lnSpc>
+                <a:spcPct val="100000"/>
+              </a:lnSpc>
+              <a:spcBef>
+                <a:spcPts val="0"/>
+              </a:spcBef>
+              <a:spcAft>
+                <a:spcPts val="0"/>
+              </a:spcAft>
+              <a:buClrTx/>
+              <a:buSzTx/>
+              <a:buFontTx/>
+              <a:buNone/>
+              <a:tabLst/>
+              <a:defRPr/>
+            </a:pPr>
+            <a:fld id="{5F81E48D-7DEE-42BB-9CCD-BCDC47BA74A6}" type="slidenum">
+              <a:rPr kumimoji="0" lang="zh-CN" altLang="en-US" sz="1200" b="0" i="0" u="none" strike="noStrike" kern="1200" cap="none" spc="0" normalizeH="0" baseline="0" noProof="0" smtClean="0">
+                <a:ln>
+                  <a:noFill/>
+                </a:ln>
+                <a:solidFill>
+                  <a:prstClr val="black"/>
+                </a:solidFill>
+                <a:effectLst/>
+                <a:uLnTx/>
+                <a:uFillTx/>
+                <a:latin typeface="Calibri" panose="020F0502020204030204"/>
+                <a:ea typeface="宋体" panose="02010600030101010101" pitchFamily="2" charset="-122"/>
+                <a:cs typeface="+mn-cs"/>
+              </a:rPr>
+              <a:pPr marL="0" marR="0" lvl="0" indent="0" algn="r" defTabSz="914400" rtl="0" eaLnBrk="1" fontAlgn="auto" latinLnBrk="0" hangingPunct="1">
+                <a:lnSpc>
+                  <a:spcPct val="100000"/>
+                </a:lnSpc>
+                <a:spcBef>
+                  <a:spcPts val="0"/>
+                </a:spcBef>
+                <a:spcAft>
+                  <a:spcPts val="0"/>
+                </a:spcAft>
+                <a:buClrTx/>
+                <a:buSzTx/>
+                <a:buFontTx/>
+                <a:buNone/>
+                <a:tabLst/>
+                <a:defRPr/>
+              </a:pPr>
+              <a:t>17</a:t>
+            </a:fld>
+            <a:endParaRPr kumimoji="0" lang="zh-CN" altLang="en-US" sz="1200" b="0" i="0" u="none" strike="noStrike" kern="1200" cap="none" spc="0" normalizeH="0" baseline="0" noProof="0">
+              <a:ln>
+                <a:noFill/>
+              </a:ln>
+              <a:solidFill>
+                <a:prstClr val="black"/>
+              </a:solidFill>
+              <a:effectLst/>
+              <a:uLnTx/>
+              <a:uFillTx/>
+              <a:latin typeface="Calibri" panose="020F0502020204030204"/>
+              <a:ea typeface="宋体" panose="02010600030101010101" pitchFamily="2" charset="-122"/>
+              <a:cs typeface="+mn-cs"/>
+            </a:endParaRPr>
+          </a:p>
+        </p:txBody>
+      </p:sp>
+    </p:spTree>
+    <p:extLst>
+      <p:ext uri="{BB962C8B-B14F-4D97-AF65-F5344CB8AC3E}">
+        <p14:creationId xmlns:p14="http://schemas.microsoft.com/office/powerpoint/2010/main" val="4134382789"/>
       </p:ext>
     </p:extLst>
   </p:cSld>
@@ -3497,6 +4679,792 @@
         <p:cNvPr id="1" name="">
           <a:extLst>
             <a:ext uri="{FF2B5EF4-FFF2-40B4-BE49-F238E27FC236}">
+              <a16:creationId xmlns:a16="http://schemas.microsoft.com/office/drawing/2014/main" id="{6E204516-B455-1FF3-4A8D-09D5211578A0}"/>
+            </a:ext>
+          </a:extLst>
+        </p:cNvPr>
+        <p:cNvGrpSpPr/>
+        <p:nvPr/>
+      </p:nvGrpSpPr>
+      <p:grpSpPr>
+        <a:xfrm>
+          <a:off x="0" y="0"/>
+          <a:ext cx="0" cy="0"/>
+          <a:chOff x="0" y="0"/>
+          <a:chExt cx="0" cy="0"/>
+        </a:xfrm>
+      </p:grpSpPr>
+      <p:sp>
+        <p:nvSpPr>
+          <p:cNvPr id="2" name="幻灯片图像占位符 1">
+            <a:extLst>
+              <a:ext uri="{FF2B5EF4-FFF2-40B4-BE49-F238E27FC236}">
+                <a16:creationId xmlns:a16="http://schemas.microsoft.com/office/drawing/2014/main" id="{5BC67D20-71DB-2027-3773-22575AC75678}"/>
+              </a:ext>
+            </a:extLst>
+          </p:cNvPr>
+          <p:cNvSpPr>
+            <a:spLocks noGrp="1" noRot="1" noChangeAspect="1"/>
+          </p:cNvSpPr>
+          <p:nvPr>
+            <p:ph type="sldImg"/>
+          </p:nvPr>
+        </p:nvSpPr>
+        <p:spPr/>
+      </p:sp>
+      <p:sp>
+        <p:nvSpPr>
+          <p:cNvPr id="3" name="备注占位符 2">
+            <a:extLst>
+              <a:ext uri="{FF2B5EF4-FFF2-40B4-BE49-F238E27FC236}">
+                <a16:creationId xmlns:a16="http://schemas.microsoft.com/office/drawing/2014/main" id="{17A38F38-69FB-F626-8C89-920DD04F8557}"/>
+              </a:ext>
+            </a:extLst>
+          </p:cNvPr>
+          <p:cNvSpPr>
+            <a:spLocks noGrp="1"/>
+          </p:cNvSpPr>
+          <p:nvPr>
+            <p:ph type="body" idx="1"/>
+          </p:nvPr>
+        </p:nvSpPr>
+        <p:spPr/>
+        <p:txBody>
+          <a:bodyPr/>
+          <a:lstStyle/>
+          <a:p>
+            <a:r>
+              <a:rPr lang="zh-CN" altLang="en-US" dirty="0"/>
+              <a:t>计算产业需求驱动，两条主线：一个是算力摸高的主赛道、一个是算力泛在化、小型化的枝开叶散的分赛道</a:t>
+            </a:r>
+            <a:endParaRPr lang="en-US" altLang="zh-CN" dirty="0"/>
+          </a:p>
+          <a:p>
+            <a:endParaRPr lang="en-US" altLang="zh-CN" dirty="0"/>
+          </a:p>
+          <a:p>
+            <a:r>
+              <a:rPr lang="zh-CN" altLang="en-US" dirty="0"/>
+              <a:t>人类社会演进的两个根本驱动力：能源、信息</a:t>
+            </a:r>
+            <a:endParaRPr lang="en-US" altLang="zh-CN" dirty="0"/>
+          </a:p>
+          <a:p>
+            <a:endParaRPr lang="en-US" altLang="zh-CN" dirty="0"/>
+          </a:p>
+          <a:p>
+            <a:r>
+              <a:rPr lang="zh-CN" altLang="en-US" dirty="0"/>
+              <a:t>科技是推动计算产业发展的最强动力</a:t>
+            </a:r>
+            <a:endParaRPr lang="en-US" altLang="zh-CN" dirty="0"/>
+          </a:p>
+          <a:p>
+            <a:r>
+              <a:rPr lang="zh-CN" altLang="en-US" dirty="0"/>
+              <a:t>计算需求多样化，是不变的趋势：国防科研</a:t>
+            </a:r>
+            <a:r>
+              <a:rPr lang="en-US" altLang="zh-CN" dirty="0">
+                <a:sym typeface="Wingdings" panose="05000000000000000000" pitchFamily="2" charset="2"/>
+              </a:rPr>
+              <a:t></a:t>
+            </a:r>
+            <a:r>
+              <a:rPr lang="zh-CN" altLang="en-US" dirty="0">
+                <a:sym typeface="Wingdings" panose="05000000000000000000" pitchFamily="2" charset="2"/>
+              </a:rPr>
+              <a:t>商业计算</a:t>
+            </a:r>
+            <a:r>
+              <a:rPr lang="en-US" altLang="zh-CN" dirty="0">
+                <a:sym typeface="Wingdings" panose="05000000000000000000" pitchFamily="2" charset="2"/>
+              </a:rPr>
+              <a:t>+</a:t>
+            </a:r>
+            <a:r>
+              <a:rPr lang="zh-CN" altLang="en-US" dirty="0">
+                <a:sym typeface="Wingdings" panose="05000000000000000000" pitchFamily="2" charset="2"/>
+              </a:rPr>
+              <a:t>个人</a:t>
+            </a:r>
+            <a:r>
+              <a:rPr lang="en-US" altLang="zh-CN" dirty="0">
+                <a:sym typeface="Wingdings" panose="05000000000000000000" pitchFamily="2" charset="2"/>
+              </a:rPr>
+              <a:t>PC</a:t>
+            </a:r>
+            <a:r>
+              <a:rPr lang="zh-CN" altLang="en-US" dirty="0">
+                <a:sym typeface="Wingdings" panose="05000000000000000000" pitchFamily="2" charset="2"/>
+              </a:rPr>
+              <a:t>互联网</a:t>
+            </a:r>
+            <a:r>
+              <a:rPr lang="en-US" altLang="zh-CN" dirty="0">
+                <a:sym typeface="Wingdings" panose="05000000000000000000" pitchFamily="2" charset="2"/>
+              </a:rPr>
+              <a:t>/</a:t>
+            </a:r>
+            <a:r>
+              <a:rPr lang="zh-CN" altLang="en-US" dirty="0">
+                <a:sym typeface="Wingdings" panose="05000000000000000000" pitchFamily="2" charset="2"/>
+              </a:rPr>
+              <a:t>移动互联网 及 背后的 </a:t>
+            </a:r>
+            <a:r>
+              <a:rPr lang="en-US" altLang="zh-CN" dirty="0">
+                <a:sym typeface="Wingdings" panose="05000000000000000000" pitchFamily="2" charset="2"/>
+              </a:rPr>
+              <a:t>IDC+</a:t>
+            </a:r>
+            <a:r>
+              <a:rPr lang="zh-CN" altLang="en-US" dirty="0">
+                <a:sym typeface="Wingdings" panose="05000000000000000000" pitchFamily="2" charset="2"/>
+              </a:rPr>
+              <a:t>云计算</a:t>
+            </a:r>
+            <a:endParaRPr lang="en-US" altLang="zh-CN" dirty="0">
+              <a:sym typeface="Wingdings" panose="05000000000000000000" pitchFamily="2" charset="2"/>
+            </a:endParaRPr>
+          </a:p>
+          <a:p>
+            <a:r>
+              <a:rPr lang="en-US" altLang="zh-CN" dirty="0">
+                <a:sym typeface="Wingdings" panose="05000000000000000000" pitchFamily="2" charset="2"/>
+              </a:rPr>
+              <a:t>IBM</a:t>
+            </a:r>
+            <a:r>
+              <a:rPr lang="zh-CN" altLang="en-US" dirty="0">
+                <a:sym typeface="Wingdings" panose="05000000000000000000" pitchFamily="2" charset="2"/>
+              </a:rPr>
+              <a:t>、</a:t>
+            </a:r>
+            <a:r>
+              <a:rPr lang="en-US" altLang="zh-CN" dirty="0">
+                <a:sym typeface="Wingdings" panose="05000000000000000000" pitchFamily="2" charset="2"/>
+              </a:rPr>
+              <a:t>Intel</a:t>
+            </a:r>
+          </a:p>
+          <a:p>
+            <a:endParaRPr lang="en-US" altLang="zh-CN" dirty="0">
+              <a:sym typeface="Wingdings" panose="05000000000000000000" pitchFamily="2" charset="2"/>
+            </a:endParaRPr>
+          </a:p>
+          <a:p>
+            <a:r>
+              <a:rPr lang="zh-CN" altLang="en-US" sz="1200" b="0" i="0" kern="1200" dirty="0">
+                <a:solidFill>
+                  <a:schemeClr val="tx1"/>
+                </a:solidFill>
+                <a:effectLst/>
+                <a:latin typeface="+mn-lt"/>
+                <a:ea typeface="+mn-ea"/>
+                <a:cs typeface="+mn-cs"/>
+              </a:rPr>
+              <a:t>也许没有一种其他技术能像计算机技术一样，在过去几十年里有如此巨大的进步。据估计，自 </a:t>
+            </a:r>
+            <a:r>
+              <a:rPr lang="en-US" altLang="zh-CN" sz="1200" b="0" i="0" kern="1200" dirty="0">
+                <a:solidFill>
+                  <a:schemeClr val="tx1"/>
+                </a:solidFill>
+                <a:effectLst/>
+                <a:latin typeface="+mn-lt"/>
+                <a:ea typeface="+mn-ea"/>
+                <a:cs typeface="+mn-cs"/>
+              </a:rPr>
+              <a:t>1974 </a:t>
+            </a:r>
+            <a:r>
+              <a:rPr lang="zh-CN" altLang="en-US" sz="1200" b="0" i="0" kern="1200" dirty="0">
+                <a:solidFill>
+                  <a:schemeClr val="tx1"/>
+                </a:solidFill>
+                <a:effectLst/>
+                <a:latin typeface="+mn-lt"/>
+                <a:ea typeface="+mn-ea"/>
+                <a:cs typeface="+mn-cs"/>
+              </a:rPr>
+              <a:t>年以来，美国总生产力增长的三分之一来自信息技术，它是国家繁荣的最大贡献者之一。</a:t>
+            </a:r>
+            <a:endParaRPr lang="en-US" altLang="zh-CN" dirty="0">
+              <a:sym typeface="Wingdings" panose="05000000000000000000" pitchFamily="2" charset="2"/>
+            </a:endParaRPr>
+          </a:p>
+          <a:p>
+            <a:endParaRPr lang="en-US" altLang="zh-CN" dirty="0"/>
+          </a:p>
+          <a:p>
+            <a:r>
+              <a:rPr lang="zh-CN" altLang="en-US" sz="1200" b="0" i="0" kern="1200" dirty="0">
+                <a:solidFill>
+                  <a:schemeClr val="tx1"/>
+                </a:solidFill>
+                <a:effectLst/>
+                <a:latin typeface="+mn-lt"/>
+                <a:ea typeface="+mn-ea"/>
+                <a:cs typeface="+mn-cs"/>
+              </a:rPr>
+              <a:t>自 </a:t>
+            </a:r>
+            <a:r>
+              <a:rPr lang="en-US" altLang="zh-CN" sz="1200" b="0" i="0" kern="1200" dirty="0">
+                <a:solidFill>
+                  <a:schemeClr val="tx1"/>
+                </a:solidFill>
+                <a:effectLst/>
+                <a:latin typeface="+mn-lt"/>
+                <a:ea typeface="+mn-ea"/>
+                <a:cs typeface="+mn-cs"/>
+              </a:rPr>
+              <a:t>1971 </a:t>
+            </a:r>
+            <a:r>
+              <a:rPr lang="zh-CN" altLang="en-US" sz="1200" b="0" i="0" kern="1200" dirty="0">
+                <a:solidFill>
+                  <a:schemeClr val="tx1"/>
+                </a:solidFill>
+                <a:effectLst/>
+                <a:latin typeface="+mn-lt"/>
+                <a:ea typeface="+mn-ea"/>
+                <a:cs typeface="+mn-cs"/>
+              </a:rPr>
+              <a:t>年以来，处理器的性能提高了约 </a:t>
+            </a:r>
+            <a:r>
+              <a:rPr lang="en-US" altLang="zh-CN" sz="1200" b="0" i="0" kern="1200" dirty="0">
+                <a:solidFill>
+                  <a:schemeClr val="tx1"/>
+                </a:solidFill>
+                <a:effectLst/>
+                <a:latin typeface="+mn-lt"/>
+                <a:ea typeface="+mn-ea"/>
+                <a:cs typeface="+mn-cs"/>
+              </a:rPr>
+              <a:t>400,000 </a:t>
+            </a:r>
+            <a:r>
+              <a:rPr lang="zh-CN" altLang="en-US" sz="1200" b="0" i="0" kern="1200" dirty="0">
+                <a:solidFill>
+                  <a:schemeClr val="tx1"/>
+                </a:solidFill>
+                <a:effectLst/>
+                <a:latin typeface="+mn-lt"/>
+                <a:ea typeface="+mn-ea"/>
+                <a:cs typeface="+mn-cs"/>
+              </a:rPr>
+              <a:t>倍。</a:t>
+            </a:r>
+            <a:endParaRPr lang="en-US" altLang="zh-CN" dirty="0"/>
+          </a:p>
+        </p:txBody>
+      </p:sp>
+      <p:sp>
+        <p:nvSpPr>
+          <p:cNvPr id="4" name="灯片编号占位符 3">
+            <a:extLst>
+              <a:ext uri="{FF2B5EF4-FFF2-40B4-BE49-F238E27FC236}">
+                <a16:creationId xmlns:a16="http://schemas.microsoft.com/office/drawing/2014/main" id="{8CCA1349-670A-485F-71A9-12805FBB4C37}"/>
+              </a:ext>
+            </a:extLst>
+          </p:cNvPr>
+          <p:cNvSpPr>
+            <a:spLocks noGrp="1"/>
+          </p:cNvSpPr>
+          <p:nvPr>
+            <p:ph type="sldNum" sz="quarter" idx="10"/>
+          </p:nvPr>
+        </p:nvSpPr>
+        <p:spPr/>
+        <p:txBody>
+          <a:bodyPr/>
+          <a:lstStyle/>
+          <a:p>
+            <a:pPr marL="0" marR="0" lvl="0" indent="0" algn="r" defTabSz="914400" rtl="0" eaLnBrk="1" fontAlgn="auto" latinLnBrk="0" hangingPunct="1">
+              <a:lnSpc>
+                <a:spcPct val="100000"/>
+              </a:lnSpc>
+              <a:spcBef>
+                <a:spcPts val="0"/>
+              </a:spcBef>
+              <a:spcAft>
+                <a:spcPts val="0"/>
+              </a:spcAft>
+              <a:buClrTx/>
+              <a:buSzTx/>
+              <a:buFontTx/>
+              <a:buNone/>
+              <a:tabLst/>
+              <a:defRPr/>
+            </a:pPr>
+            <a:fld id="{5F81E48D-7DEE-42BB-9CCD-BCDC47BA74A6}" type="slidenum">
+              <a:rPr kumimoji="0" lang="zh-CN" altLang="en-US" sz="1200" b="0" i="0" u="none" strike="noStrike" kern="1200" cap="none" spc="0" normalizeH="0" baseline="0" noProof="0" smtClean="0">
+                <a:ln>
+                  <a:noFill/>
+                </a:ln>
+                <a:solidFill>
+                  <a:prstClr val="black"/>
+                </a:solidFill>
+                <a:effectLst/>
+                <a:uLnTx/>
+                <a:uFillTx/>
+                <a:latin typeface="Calibri" panose="020F0502020204030204"/>
+                <a:ea typeface="宋体" panose="02010600030101010101" pitchFamily="2" charset="-122"/>
+                <a:cs typeface="+mn-cs"/>
+              </a:rPr>
+              <a:pPr marL="0" marR="0" lvl="0" indent="0" algn="r" defTabSz="914400" rtl="0" eaLnBrk="1" fontAlgn="auto" latinLnBrk="0" hangingPunct="1">
+                <a:lnSpc>
+                  <a:spcPct val="100000"/>
+                </a:lnSpc>
+                <a:spcBef>
+                  <a:spcPts val="0"/>
+                </a:spcBef>
+                <a:spcAft>
+                  <a:spcPts val="0"/>
+                </a:spcAft>
+                <a:buClrTx/>
+                <a:buSzTx/>
+                <a:buFontTx/>
+                <a:buNone/>
+                <a:tabLst/>
+                <a:defRPr/>
+              </a:pPr>
+              <a:t>6</a:t>
+            </a:fld>
+            <a:endParaRPr kumimoji="0" lang="zh-CN" altLang="en-US" sz="1200" b="0" i="0" u="none" strike="noStrike" kern="1200" cap="none" spc="0" normalizeH="0" baseline="0" noProof="0">
+              <a:ln>
+                <a:noFill/>
+              </a:ln>
+              <a:solidFill>
+                <a:prstClr val="black"/>
+              </a:solidFill>
+              <a:effectLst/>
+              <a:uLnTx/>
+              <a:uFillTx/>
+              <a:latin typeface="Calibri" panose="020F0502020204030204"/>
+              <a:ea typeface="宋体" panose="02010600030101010101" pitchFamily="2" charset="-122"/>
+              <a:cs typeface="+mn-cs"/>
+            </a:endParaRPr>
+          </a:p>
+        </p:txBody>
+      </p:sp>
+    </p:spTree>
+    <p:extLst>
+      <p:ext uri="{BB962C8B-B14F-4D97-AF65-F5344CB8AC3E}">
+        <p14:creationId xmlns:p14="http://schemas.microsoft.com/office/powerpoint/2010/main" val="1739682916"/>
+      </p:ext>
+    </p:extLst>
+  </p:cSld>
+  <p:clrMapOvr>
+    <a:masterClrMapping/>
+  </p:clrMapOvr>
+</p:notes>
+</file>
+
+<file path=ppt/notesSlides/notesSlide6.xml><?xml version="1.0" encoding="utf-8"?>
+<p:notes xmlns:a="http://schemas.openxmlformats.org/drawingml/2006/main" xmlns:r="http://schemas.openxmlformats.org/officeDocument/2006/relationships" xmlns:p="http://schemas.openxmlformats.org/presentationml/2006/main">
+  <p:cSld>
+    <p:spTree>
+      <p:nvGrpSpPr>
+        <p:cNvPr id="1" name="">
+          <a:extLst>
+            <a:ext uri="{FF2B5EF4-FFF2-40B4-BE49-F238E27FC236}">
+              <a16:creationId xmlns:a16="http://schemas.microsoft.com/office/drawing/2014/main" id="{96C721FC-37CD-88B8-D545-5E8A673AA58B}"/>
+            </a:ext>
+          </a:extLst>
+        </p:cNvPr>
+        <p:cNvGrpSpPr/>
+        <p:nvPr/>
+      </p:nvGrpSpPr>
+      <p:grpSpPr>
+        <a:xfrm>
+          <a:off x="0" y="0"/>
+          <a:ext cx="0" cy="0"/>
+          <a:chOff x="0" y="0"/>
+          <a:chExt cx="0" cy="0"/>
+        </a:xfrm>
+      </p:grpSpPr>
+      <p:sp>
+        <p:nvSpPr>
+          <p:cNvPr id="2" name="幻灯片图像占位符 1">
+            <a:extLst>
+              <a:ext uri="{FF2B5EF4-FFF2-40B4-BE49-F238E27FC236}">
+                <a16:creationId xmlns:a16="http://schemas.microsoft.com/office/drawing/2014/main" id="{E95AC786-7157-5528-3353-45CF60AF2B24}"/>
+              </a:ext>
+            </a:extLst>
+          </p:cNvPr>
+          <p:cNvSpPr>
+            <a:spLocks noGrp="1" noRot="1" noChangeAspect="1"/>
+          </p:cNvSpPr>
+          <p:nvPr>
+            <p:ph type="sldImg"/>
+          </p:nvPr>
+        </p:nvSpPr>
+        <p:spPr/>
+      </p:sp>
+      <p:sp>
+        <p:nvSpPr>
+          <p:cNvPr id="3" name="备注占位符 2">
+            <a:extLst>
+              <a:ext uri="{FF2B5EF4-FFF2-40B4-BE49-F238E27FC236}">
+                <a16:creationId xmlns:a16="http://schemas.microsoft.com/office/drawing/2014/main" id="{28B47A40-B722-C34B-B72B-91F9A741A40F}"/>
+              </a:ext>
+            </a:extLst>
+          </p:cNvPr>
+          <p:cNvSpPr>
+            <a:spLocks noGrp="1"/>
+          </p:cNvSpPr>
+          <p:nvPr>
+            <p:ph type="body" idx="1"/>
+          </p:nvPr>
+        </p:nvSpPr>
+        <p:spPr/>
+        <p:txBody>
+          <a:bodyPr/>
+          <a:lstStyle/>
+          <a:p>
+            <a:r>
+              <a:rPr lang="zh-CN" altLang="en-US" dirty="0"/>
+              <a:t>计算产业需求驱动，两条主线：一个是算力摸高的主赛道、一个是算力泛在化、小型化的枝开叶散的分赛道</a:t>
+            </a:r>
+            <a:endParaRPr lang="en-US" altLang="zh-CN" dirty="0"/>
+          </a:p>
+          <a:p>
+            <a:endParaRPr lang="en-US" altLang="zh-CN" dirty="0"/>
+          </a:p>
+          <a:p>
+            <a:r>
+              <a:rPr lang="zh-CN" altLang="en-US" dirty="0"/>
+              <a:t>人类社会演进的两个根本驱动力：能源、信息</a:t>
+            </a:r>
+            <a:endParaRPr lang="en-US" altLang="zh-CN" dirty="0"/>
+          </a:p>
+          <a:p>
+            <a:endParaRPr lang="en-US" altLang="zh-CN" dirty="0"/>
+          </a:p>
+          <a:p>
+            <a:r>
+              <a:rPr lang="zh-CN" altLang="en-US" dirty="0"/>
+              <a:t>科技是推动计算产业发展的最强动力</a:t>
+            </a:r>
+            <a:endParaRPr lang="en-US" altLang="zh-CN" dirty="0"/>
+          </a:p>
+          <a:p>
+            <a:r>
+              <a:rPr lang="zh-CN" altLang="en-US" dirty="0"/>
+              <a:t>计算需求多样化，是不变的趋势：国防科研</a:t>
+            </a:r>
+            <a:r>
+              <a:rPr lang="en-US" altLang="zh-CN" dirty="0">
+                <a:sym typeface="Wingdings" panose="05000000000000000000" pitchFamily="2" charset="2"/>
+              </a:rPr>
+              <a:t></a:t>
+            </a:r>
+            <a:r>
+              <a:rPr lang="zh-CN" altLang="en-US" dirty="0">
+                <a:sym typeface="Wingdings" panose="05000000000000000000" pitchFamily="2" charset="2"/>
+              </a:rPr>
+              <a:t>商业计算</a:t>
+            </a:r>
+            <a:r>
+              <a:rPr lang="en-US" altLang="zh-CN" dirty="0">
+                <a:sym typeface="Wingdings" panose="05000000000000000000" pitchFamily="2" charset="2"/>
+              </a:rPr>
+              <a:t>+</a:t>
+            </a:r>
+            <a:r>
+              <a:rPr lang="zh-CN" altLang="en-US" dirty="0">
+                <a:sym typeface="Wingdings" panose="05000000000000000000" pitchFamily="2" charset="2"/>
+              </a:rPr>
+              <a:t>个人</a:t>
+            </a:r>
+            <a:r>
+              <a:rPr lang="en-US" altLang="zh-CN" dirty="0">
+                <a:sym typeface="Wingdings" panose="05000000000000000000" pitchFamily="2" charset="2"/>
+              </a:rPr>
+              <a:t>PC</a:t>
+            </a:r>
+            <a:r>
+              <a:rPr lang="zh-CN" altLang="en-US" dirty="0">
+                <a:sym typeface="Wingdings" panose="05000000000000000000" pitchFamily="2" charset="2"/>
+              </a:rPr>
+              <a:t>互联网</a:t>
+            </a:r>
+            <a:r>
+              <a:rPr lang="en-US" altLang="zh-CN" dirty="0">
+                <a:sym typeface="Wingdings" panose="05000000000000000000" pitchFamily="2" charset="2"/>
+              </a:rPr>
+              <a:t>/</a:t>
+            </a:r>
+            <a:r>
+              <a:rPr lang="zh-CN" altLang="en-US" dirty="0">
+                <a:sym typeface="Wingdings" panose="05000000000000000000" pitchFamily="2" charset="2"/>
+              </a:rPr>
+              <a:t>移动互联网 及 背后的 </a:t>
+            </a:r>
+            <a:r>
+              <a:rPr lang="en-US" altLang="zh-CN" dirty="0">
+                <a:sym typeface="Wingdings" panose="05000000000000000000" pitchFamily="2" charset="2"/>
+              </a:rPr>
+              <a:t>IDC+</a:t>
+            </a:r>
+            <a:r>
+              <a:rPr lang="zh-CN" altLang="en-US" dirty="0">
+                <a:sym typeface="Wingdings" panose="05000000000000000000" pitchFamily="2" charset="2"/>
+              </a:rPr>
+              <a:t>云计算</a:t>
+            </a:r>
+            <a:endParaRPr lang="en-US" altLang="zh-CN" dirty="0">
+              <a:sym typeface="Wingdings" panose="05000000000000000000" pitchFamily="2" charset="2"/>
+            </a:endParaRPr>
+          </a:p>
+          <a:p>
+            <a:r>
+              <a:rPr lang="en-US" altLang="zh-CN" dirty="0">
+                <a:sym typeface="Wingdings" panose="05000000000000000000" pitchFamily="2" charset="2"/>
+              </a:rPr>
+              <a:t>IBM</a:t>
+            </a:r>
+            <a:r>
+              <a:rPr lang="zh-CN" altLang="en-US" dirty="0">
+                <a:sym typeface="Wingdings" panose="05000000000000000000" pitchFamily="2" charset="2"/>
+              </a:rPr>
+              <a:t>、</a:t>
+            </a:r>
+            <a:r>
+              <a:rPr lang="en-US" altLang="zh-CN" dirty="0">
+                <a:sym typeface="Wingdings" panose="05000000000000000000" pitchFamily="2" charset="2"/>
+              </a:rPr>
+              <a:t>Intel</a:t>
+            </a:r>
+          </a:p>
+          <a:p>
+            <a:endParaRPr lang="en-US" altLang="zh-CN" dirty="0">
+              <a:sym typeface="Wingdings" panose="05000000000000000000" pitchFamily="2" charset="2"/>
+            </a:endParaRPr>
+          </a:p>
+          <a:p>
+            <a:r>
+              <a:rPr lang="zh-CN" altLang="en-US" sz="1200" b="0" i="0" kern="1200" dirty="0">
+                <a:solidFill>
+                  <a:schemeClr val="tx1"/>
+                </a:solidFill>
+                <a:effectLst/>
+                <a:latin typeface="+mn-lt"/>
+                <a:ea typeface="+mn-ea"/>
+                <a:cs typeface="+mn-cs"/>
+              </a:rPr>
+              <a:t>也许没有一种其他技术能像计算机技术一样，在过去几十年里有如此巨大的进步。据估计，自 </a:t>
+            </a:r>
+            <a:r>
+              <a:rPr lang="en-US" altLang="zh-CN" sz="1200" b="0" i="0" kern="1200" dirty="0">
+                <a:solidFill>
+                  <a:schemeClr val="tx1"/>
+                </a:solidFill>
+                <a:effectLst/>
+                <a:latin typeface="+mn-lt"/>
+                <a:ea typeface="+mn-ea"/>
+                <a:cs typeface="+mn-cs"/>
+              </a:rPr>
+              <a:t>1974 </a:t>
+            </a:r>
+            <a:r>
+              <a:rPr lang="zh-CN" altLang="en-US" sz="1200" b="0" i="0" kern="1200" dirty="0">
+                <a:solidFill>
+                  <a:schemeClr val="tx1"/>
+                </a:solidFill>
+                <a:effectLst/>
+                <a:latin typeface="+mn-lt"/>
+                <a:ea typeface="+mn-ea"/>
+                <a:cs typeface="+mn-cs"/>
+              </a:rPr>
+              <a:t>年以来，美国总生产力增长的三分之一来自信息技术，它是国家繁荣的最大贡献者之一。</a:t>
+            </a:r>
+            <a:endParaRPr lang="en-US" altLang="zh-CN" dirty="0">
+              <a:sym typeface="Wingdings" panose="05000000000000000000" pitchFamily="2" charset="2"/>
+            </a:endParaRPr>
+          </a:p>
+          <a:p>
+            <a:endParaRPr lang="en-US" altLang="zh-CN" dirty="0"/>
+          </a:p>
+          <a:p>
+            <a:r>
+              <a:rPr lang="zh-CN" altLang="en-US" sz="1200" b="0" i="0" kern="1200" dirty="0">
+                <a:solidFill>
+                  <a:schemeClr val="tx1"/>
+                </a:solidFill>
+                <a:effectLst/>
+                <a:latin typeface="+mn-lt"/>
+                <a:ea typeface="+mn-ea"/>
+                <a:cs typeface="+mn-cs"/>
+              </a:rPr>
+              <a:t>自 </a:t>
+            </a:r>
+            <a:r>
+              <a:rPr lang="en-US" altLang="zh-CN" sz="1200" b="0" i="0" kern="1200" dirty="0">
+                <a:solidFill>
+                  <a:schemeClr val="tx1"/>
+                </a:solidFill>
+                <a:effectLst/>
+                <a:latin typeface="+mn-lt"/>
+                <a:ea typeface="+mn-ea"/>
+                <a:cs typeface="+mn-cs"/>
+              </a:rPr>
+              <a:t>1971 </a:t>
+            </a:r>
+            <a:r>
+              <a:rPr lang="zh-CN" altLang="en-US" sz="1200" b="0" i="0" kern="1200" dirty="0">
+                <a:solidFill>
+                  <a:schemeClr val="tx1"/>
+                </a:solidFill>
+                <a:effectLst/>
+                <a:latin typeface="+mn-lt"/>
+                <a:ea typeface="+mn-ea"/>
+                <a:cs typeface="+mn-cs"/>
+              </a:rPr>
+              <a:t>年以来，处理器的性能提高了约 </a:t>
+            </a:r>
+            <a:r>
+              <a:rPr lang="en-US" altLang="zh-CN" sz="1200" b="0" i="0" kern="1200" dirty="0">
+                <a:solidFill>
+                  <a:schemeClr val="tx1"/>
+                </a:solidFill>
+                <a:effectLst/>
+                <a:latin typeface="+mn-lt"/>
+                <a:ea typeface="+mn-ea"/>
+                <a:cs typeface="+mn-cs"/>
+              </a:rPr>
+              <a:t>400,000 </a:t>
+            </a:r>
+            <a:r>
+              <a:rPr lang="zh-CN" altLang="en-US" sz="1200" b="0" i="0" kern="1200" dirty="0">
+                <a:solidFill>
+                  <a:schemeClr val="tx1"/>
+                </a:solidFill>
+                <a:effectLst/>
+                <a:latin typeface="+mn-lt"/>
+                <a:ea typeface="+mn-ea"/>
+                <a:cs typeface="+mn-cs"/>
+              </a:rPr>
+              <a:t>倍。</a:t>
+            </a:r>
+            <a:endParaRPr lang="en-US" altLang="zh-CN" dirty="0"/>
+          </a:p>
+        </p:txBody>
+      </p:sp>
+      <p:sp>
+        <p:nvSpPr>
+          <p:cNvPr id="4" name="灯片编号占位符 3">
+            <a:extLst>
+              <a:ext uri="{FF2B5EF4-FFF2-40B4-BE49-F238E27FC236}">
+                <a16:creationId xmlns:a16="http://schemas.microsoft.com/office/drawing/2014/main" id="{293363E2-FC73-D3D2-E058-7688F3BC4454}"/>
+              </a:ext>
+            </a:extLst>
+          </p:cNvPr>
+          <p:cNvSpPr>
+            <a:spLocks noGrp="1"/>
+          </p:cNvSpPr>
+          <p:nvPr>
+            <p:ph type="sldNum" sz="quarter" idx="10"/>
+          </p:nvPr>
+        </p:nvSpPr>
+        <p:spPr/>
+        <p:txBody>
+          <a:bodyPr/>
+          <a:lstStyle/>
+          <a:p>
+            <a:pPr marL="0" marR="0" lvl="0" indent="0" algn="r" defTabSz="914400" rtl="0" eaLnBrk="1" fontAlgn="auto" latinLnBrk="0" hangingPunct="1">
+              <a:lnSpc>
+                <a:spcPct val="100000"/>
+              </a:lnSpc>
+              <a:spcBef>
+                <a:spcPts val="0"/>
+              </a:spcBef>
+              <a:spcAft>
+                <a:spcPts val="0"/>
+              </a:spcAft>
+              <a:buClrTx/>
+              <a:buSzTx/>
+              <a:buFontTx/>
+              <a:buNone/>
+              <a:tabLst/>
+              <a:defRPr/>
+            </a:pPr>
+            <a:fld id="{5F81E48D-7DEE-42BB-9CCD-BCDC47BA74A6}" type="slidenum">
+              <a:rPr kumimoji="0" lang="zh-CN" altLang="en-US" sz="1200" b="0" i="0" u="none" strike="noStrike" kern="1200" cap="none" spc="0" normalizeH="0" baseline="0" noProof="0" smtClean="0">
+                <a:ln>
+                  <a:noFill/>
+                </a:ln>
+                <a:solidFill>
+                  <a:prstClr val="black"/>
+                </a:solidFill>
+                <a:effectLst/>
+                <a:uLnTx/>
+                <a:uFillTx/>
+                <a:latin typeface="Calibri" panose="020F0502020204030204"/>
+                <a:ea typeface="宋体" panose="02010600030101010101" pitchFamily="2" charset="-122"/>
+                <a:cs typeface="+mn-cs"/>
+              </a:rPr>
+              <a:pPr marL="0" marR="0" lvl="0" indent="0" algn="r" defTabSz="914400" rtl="0" eaLnBrk="1" fontAlgn="auto" latinLnBrk="0" hangingPunct="1">
+                <a:lnSpc>
+                  <a:spcPct val="100000"/>
+                </a:lnSpc>
+                <a:spcBef>
+                  <a:spcPts val="0"/>
+                </a:spcBef>
+                <a:spcAft>
+                  <a:spcPts val="0"/>
+                </a:spcAft>
+                <a:buClrTx/>
+                <a:buSzTx/>
+                <a:buFontTx/>
+                <a:buNone/>
+                <a:tabLst/>
+                <a:defRPr/>
+              </a:pPr>
+              <a:t>7</a:t>
+            </a:fld>
+            <a:endParaRPr kumimoji="0" lang="zh-CN" altLang="en-US" sz="1200" b="0" i="0" u="none" strike="noStrike" kern="1200" cap="none" spc="0" normalizeH="0" baseline="0" noProof="0">
+              <a:ln>
+                <a:noFill/>
+              </a:ln>
+              <a:solidFill>
+                <a:prstClr val="black"/>
+              </a:solidFill>
+              <a:effectLst/>
+              <a:uLnTx/>
+              <a:uFillTx/>
+              <a:latin typeface="Calibri" panose="020F0502020204030204"/>
+              <a:ea typeface="宋体" panose="02010600030101010101" pitchFamily="2" charset="-122"/>
+              <a:cs typeface="+mn-cs"/>
+            </a:endParaRPr>
+          </a:p>
+        </p:txBody>
+      </p:sp>
+    </p:spTree>
+    <p:extLst>
+      <p:ext uri="{BB962C8B-B14F-4D97-AF65-F5344CB8AC3E}">
+        <p14:creationId xmlns:p14="http://schemas.microsoft.com/office/powerpoint/2010/main" val="3818213189"/>
+      </p:ext>
+    </p:extLst>
+  </p:cSld>
+  <p:clrMapOvr>
+    <a:masterClrMapping/>
+  </p:clrMapOvr>
+</p:notes>
+</file>
+
+<file path=ppt/notesSlides/notesSlide7.xml><?xml version="1.0" encoding="utf-8"?>
+<p:notes xmlns:a="http://schemas.openxmlformats.org/drawingml/2006/main" xmlns:r="http://schemas.openxmlformats.org/officeDocument/2006/relationships" xmlns:p="http://schemas.openxmlformats.org/presentationml/2006/main">
+  <p:cSld>
+    <p:spTree>
+      <p:nvGrpSpPr>
+        <p:cNvPr id="1" name="">
+          <a:extLst>
+            <a:ext uri="{FF2B5EF4-FFF2-40B4-BE49-F238E27FC236}">
               <a16:creationId xmlns:a16="http://schemas.microsoft.com/office/drawing/2014/main" id="{FB038BC9-66A4-F3C3-AD4D-489A40E976B9}"/>
             </a:ext>
           </a:extLst>
@@ -3850,7 +5818,7 @@
                 <a:tabLst/>
                 <a:defRPr/>
               </a:pPr>
-              <a:t>6</a:t>
+              <a:t>8</a:t>
             </a:fld>
             <a:endParaRPr kumimoji="0" lang="zh-CN" altLang="en-US" sz="1200" b="0" i="0" u="none" strike="noStrike" kern="1200" cap="none" spc="0" normalizeH="0" baseline="0" noProof="0">
               <a:ln>
@@ -3882,7 +5850,7 @@
 </p:notes>
 </file>
 
-<file path=ppt/notesSlides/notesSlide6.xml><?xml version="1.0" encoding="utf-8"?>
+<file path=ppt/notesSlides/notesSlide8.xml><?xml version="1.0" encoding="utf-8"?>
 <p:notes xmlns:a="http://schemas.openxmlformats.org/drawingml/2006/main" xmlns:r="http://schemas.openxmlformats.org/officeDocument/2006/relationships" xmlns:p="http://schemas.openxmlformats.org/presentationml/2006/main">
   <p:cSld>
     <p:spTree>
@@ -4243,7 +6211,7 @@
                 <a:tabLst/>
                 <a:defRPr/>
               </a:pPr>
-              <a:t>7</a:t>
+              <a:t>9</a:t>
             </a:fld>
             <a:endParaRPr kumimoji="0" lang="zh-CN" altLang="en-US" sz="1200" b="0" i="0" u="none" strike="noStrike" kern="1200" cap="none" spc="0" normalizeH="0" baseline="0" noProof="0">
               <a:ln>
@@ -4275,7 +6243,7 @@
 </p:notes>
 </file>
 
-<file path=ppt/notesSlides/notesSlide7.xml><?xml version="1.0" encoding="utf-8"?>
+<file path=ppt/notesSlides/notesSlide9.xml><?xml version="1.0" encoding="utf-8"?>
 <p:notes xmlns:a="http://schemas.openxmlformats.org/drawingml/2006/main" xmlns:r="http://schemas.openxmlformats.org/officeDocument/2006/relationships" xmlns:p="http://schemas.openxmlformats.org/presentationml/2006/main">
   <p:cSld>
     <p:spTree>
@@ -4636,7 +6604,7 @@
                 <a:tabLst/>
                 <a:defRPr/>
               </a:pPr>
-              <a:t>8</a:t>
+              <a:t>10</a:t>
             </a:fld>
             <a:endParaRPr kumimoji="0" lang="zh-CN" altLang="en-US" sz="1200" b="0" i="0" u="none" strike="noStrike" kern="1200" cap="none" spc="0" normalizeH="0" baseline="0" noProof="0">
               <a:ln>
@@ -4659,792 +6627,6 @@
     <p:extLst>
       <p:ext uri="{BB962C8B-B14F-4D97-AF65-F5344CB8AC3E}">
         <p14:creationId xmlns:p14="http://schemas.microsoft.com/office/powerpoint/2010/main" val="2228859383"/>
-      </p:ext>
-    </p:extLst>
-  </p:cSld>
-  <p:clrMapOvr>
-    <a:masterClrMapping/>
-  </p:clrMapOvr>
-</p:notes>
-</file>
-
-<file path=ppt/notesSlides/notesSlide8.xml><?xml version="1.0" encoding="utf-8"?>
-<p:notes xmlns:a="http://schemas.openxmlformats.org/drawingml/2006/main" xmlns:r="http://schemas.openxmlformats.org/officeDocument/2006/relationships" xmlns:p="http://schemas.openxmlformats.org/presentationml/2006/main">
-  <p:cSld>
-    <p:spTree>
-      <p:nvGrpSpPr>
-        <p:cNvPr id="1" name="">
-          <a:extLst>
-            <a:ext uri="{FF2B5EF4-FFF2-40B4-BE49-F238E27FC236}">
-              <a16:creationId xmlns:a16="http://schemas.microsoft.com/office/drawing/2014/main" id="{C75B8BF8-BED5-E641-177D-5A41B0C7A94E}"/>
-            </a:ext>
-          </a:extLst>
-        </p:cNvPr>
-        <p:cNvGrpSpPr/>
-        <p:nvPr/>
-      </p:nvGrpSpPr>
-      <p:grpSpPr>
-        <a:xfrm>
-          <a:off x="0" y="0"/>
-          <a:ext cx="0" cy="0"/>
-          <a:chOff x="0" y="0"/>
-          <a:chExt cx="0" cy="0"/>
-        </a:xfrm>
-      </p:grpSpPr>
-      <p:sp>
-        <p:nvSpPr>
-          <p:cNvPr id="2" name="幻灯片图像占位符 1">
-            <a:extLst>
-              <a:ext uri="{FF2B5EF4-FFF2-40B4-BE49-F238E27FC236}">
-                <a16:creationId xmlns:a16="http://schemas.microsoft.com/office/drawing/2014/main" id="{D579A06B-AC8F-4751-1E2E-60F5611D0ECC}"/>
-              </a:ext>
-            </a:extLst>
-          </p:cNvPr>
-          <p:cNvSpPr>
-            <a:spLocks noGrp="1" noRot="1" noChangeAspect="1"/>
-          </p:cNvSpPr>
-          <p:nvPr>
-            <p:ph type="sldImg"/>
-          </p:nvPr>
-        </p:nvSpPr>
-        <p:spPr/>
-      </p:sp>
-      <p:sp>
-        <p:nvSpPr>
-          <p:cNvPr id="3" name="备注占位符 2">
-            <a:extLst>
-              <a:ext uri="{FF2B5EF4-FFF2-40B4-BE49-F238E27FC236}">
-                <a16:creationId xmlns:a16="http://schemas.microsoft.com/office/drawing/2014/main" id="{B868EF74-FBE9-387D-F2BA-852C01CA7D12}"/>
-              </a:ext>
-            </a:extLst>
-          </p:cNvPr>
-          <p:cNvSpPr>
-            <a:spLocks noGrp="1"/>
-          </p:cNvSpPr>
-          <p:nvPr>
-            <p:ph type="body" idx="1"/>
-          </p:nvPr>
-        </p:nvSpPr>
-        <p:spPr/>
-        <p:txBody>
-          <a:bodyPr/>
-          <a:lstStyle/>
-          <a:p>
-            <a:r>
-              <a:rPr lang="zh-CN" altLang="en-US" dirty="0"/>
-              <a:t>计算产业需求驱动，两条主线：一个是算力摸高的主赛道、一个是算力泛在化、小型化的枝开叶散的分赛道</a:t>
-            </a:r>
-            <a:endParaRPr lang="en-US" altLang="zh-CN" dirty="0"/>
-          </a:p>
-          <a:p>
-            <a:endParaRPr lang="en-US" altLang="zh-CN" dirty="0"/>
-          </a:p>
-          <a:p>
-            <a:r>
-              <a:rPr lang="zh-CN" altLang="en-US" dirty="0"/>
-              <a:t>人类社会演进的两个根本驱动力：能源、信息</a:t>
-            </a:r>
-            <a:endParaRPr lang="en-US" altLang="zh-CN" dirty="0"/>
-          </a:p>
-          <a:p>
-            <a:endParaRPr lang="en-US" altLang="zh-CN" dirty="0"/>
-          </a:p>
-          <a:p>
-            <a:r>
-              <a:rPr lang="zh-CN" altLang="en-US" dirty="0"/>
-              <a:t>科技是推动计算产业发展的最强动力</a:t>
-            </a:r>
-            <a:endParaRPr lang="en-US" altLang="zh-CN" dirty="0"/>
-          </a:p>
-          <a:p>
-            <a:r>
-              <a:rPr lang="zh-CN" altLang="en-US" dirty="0"/>
-              <a:t>计算需求多样化，是不变的趋势：国防科研</a:t>
-            </a:r>
-            <a:r>
-              <a:rPr lang="en-US" altLang="zh-CN" dirty="0">
-                <a:sym typeface="Wingdings" panose="05000000000000000000" pitchFamily="2" charset="2"/>
-              </a:rPr>
-              <a:t></a:t>
-            </a:r>
-            <a:r>
-              <a:rPr lang="zh-CN" altLang="en-US" dirty="0">
-                <a:sym typeface="Wingdings" panose="05000000000000000000" pitchFamily="2" charset="2"/>
-              </a:rPr>
-              <a:t>商业计算</a:t>
-            </a:r>
-            <a:r>
-              <a:rPr lang="en-US" altLang="zh-CN" dirty="0">
-                <a:sym typeface="Wingdings" panose="05000000000000000000" pitchFamily="2" charset="2"/>
-              </a:rPr>
-              <a:t>+</a:t>
-            </a:r>
-            <a:r>
-              <a:rPr lang="zh-CN" altLang="en-US" dirty="0">
-                <a:sym typeface="Wingdings" panose="05000000000000000000" pitchFamily="2" charset="2"/>
-              </a:rPr>
-              <a:t>个人</a:t>
-            </a:r>
-            <a:r>
-              <a:rPr lang="en-US" altLang="zh-CN" dirty="0">
-                <a:sym typeface="Wingdings" panose="05000000000000000000" pitchFamily="2" charset="2"/>
-              </a:rPr>
-              <a:t>PC</a:t>
-            </a:r>
-            <a:r>
-              <a:rPr lang="zh-CN" altLang="en-US" dirty="0">
-                <a:sym typeface="Wingdings" panose="05000000000000000000" pitchFamily="2" charset="2"/>
-              </a:rPr>
-              <a:t>互联网</a:t>
-            </a:r>
-            <a:r>
-              <a:rPr lang="en-US" altLang="zh-CN" dirty="0">
-                <a:sym typeface="Wingdings" panose="05000000000000000000" pitchFamily="2" charset="2"/>
-              </a:rPr>
-              <a:t>/</a:t>
-            </a:r>
-            <a:r>
-              <a:rPr lang="zh-CN" altLang="en-US" dirty="0">
-                <a:sym typeface="Wingdings" panose="05000000000000000000" pitchFamily="2" charset="2"/>
-              </a:rPr>
-              <a:t>移动互联网 及 背后的 </a:t>
-            </a:r>
-            <a:r>
-              <a:rPr lang="en-US" altLang="zh-CN" dirty="0">
-                <a:sym typeface="Wingdings" panose="05000000000000000000" pitchFamily="2" charset="2"/>
-              </a:rPr>
-              <a:t>IDC+</a:t>
-            </a:r>
-            <a:r>
-              <a:rPr lang="zh-CN" altLang="en-US" dirty="0">
-                <a:sym typeface="Wingdings" panose="05000000000000000000" pitchFamily="2" charset="2"/>
-              </a:rPr>
-              <a:t>云计算</a:t>
-            </a:r>
-            <a:endParaRPr lang="en-US" altLang="zh-CN" dirty="0">
-              <a:sym typeface="Wingdings" panose="05000000000000000000" pitchFamily="2" charset="2"/>
-            </a:endParaRPr>
-          </a:p>
-          <a:p>
-            <a:r>
-              <a:rPr lang="en-US" altLang="zh-CN" dirty="0">
-                <a:sym typeface="Wingdings" panose="05000000000000000000" pitchFamily="2" charset="2"/>
-              </a:rPr>
-              <a:t>IBM</a:t>
-            </a:r>
-            <a:r>
-              <a:rPr lang="zh-CN" altLang="en-US" dirty="0">
-                <a:sym typeface="Wingdings" panose="05000000000000000000" pitchFamily="2" charset="2"/>
-              </a:rPr>
-              <a:t>、</a:t>
-            </a:r>
-            <a:r>
-              <a:rPr lang="en-US" altLang="zh-CN" dirty="0">
-                <a:sym typeface="Wingdings" panose="05000000000000000000" pitchFamily="2" charset="2"/>
-              </a:rPr>
-              <a:t>Intel</a:t>
-            </a:r>
-          </a:p>
-          <a:p>
-            <a:endParaRPr lang="en-US" altLang="zh-CN" dirty="0">
-              <a:sym typeface="Wingdings" panose="05000000000000000000" pitchFamily="2" charset="2"/>
-            </a:endParaRPr>
-          </a:p>
-          <a:p>
-            <a:r>
-              <a:rPr lang="zh-CN" altLang="en-US" sz="1200" b="0" i="0" kern="1200" dirty="0">
-                <a:solidFill>
-                  <a:schemeClr val="tx1"/>
-                </a:solidFill>
-                <a:effectLst/>
-                <a:latin typeface="+mn-lt"/>
-                <a:ea typeface="+mn-ea"/>
-                <a:cs typeface="+mn-cs"/>
-              </a:rPr>
-              <a:t>也许没有一种其他技术能像计算机技术一样，在过去几十年里有如此巨大的进步。据估计，自 </a:t>
-            </a:r>
-            <a:r>
-              <a:rPr lang="en-US" altLang="zh-CN" sz="1200" b="0" i="0" kern="1200" dirty="0">
-                <a:solidFill>
-                  <a:schemeClr val="tx1"/>
-                </a:solidFill>
-                <a:effectLst/>
-                <a:latin typeface="+mn-lt"/>
-                <a:ea typeface="+mn-ea"/>
-                <a:cs typeface="+mn-cs"/>
-              </a:rPr>
-              <a:t>1974 </a:t>
-            </a:r>
-            <a:r>
-              <a:rPr lang="zh-CN" altLang="en-US" sz="1200" b="0" i="0" kern="1200" dirty="0">
-                <a:solidFill>
-                  <a:schemeClr val="tx1"/>
-                </a:solidFill>
-                <a:effectLst/>
-                <a:latin typeface="+mn-lt"/>
-                <a:ea typeface="+mn-ea"/>
-                <a:cs typeface="+mn-cs"/>
-              </a:rPr>
-              <a:t>年以来，美国总生产力增长的三分之一来自信息技术，它是国家繁荣的最大贡献者之一。</a:t>
-            </a:r>
-            <a:endParaRPr lang="en-US" altLang="zh-CN" dirty="0">
-              <a:sym typeface="Wingdings" panose="05000000000000000000" pitchFamily="2" charset="2"/>
-            </a:endParaRPr>
-          </a:p>
-          <a:p>
-            <a:endParaRPr lang="en-US" altLang="zh-CN" dirty="0"/>
-          </a:p>
-          <a:p>
-            <a:r>
-              <a:rPr lang="zh-CN" altLang="en-US" sz="1200" b="0" i="0" kern="1200" dirty="0">
-                <a:solidFill>
-                  <a:schemeClr val="tx1"/>
-                </a:solidFill>
-                <a:effectLst/>
-                <a:latin typeface="+mn-lt"/>
-                <a:ea typeface="+mn-ea"/>
-                <a:cs typeface="+mn-cs"/>
-              </a:rPr>
-              <a:t>自 </a:t>
-            </a:r>
-            <a:r>
-              <a:rPr lang="en-US" altLang="zh-CN" sz="1200" b="0" i="0" kern="1200" dirty="0">
-                <a:solidFill>
-                  <a:schemeClr val="tx1"/>
-                </a:solidFill>
-                <a:effectLst/>
-                <a:latin typeface="+mn-lt"/>
-                <a:ea typeface="+mn-ea"/>
-                <a:cs typeface="+mn-cs"/>
-              </a:rPr>
-              <a:t>1971 </a:t>
-            </a:r>
-            <a:r>
-              <a:rPr lang="zh-CN" altLang="en-US" sz="1200" b="0" i="0" kern="1200" dirty="0">
-                <a:solidFill>
-                  <a:schemeClr val="tx1"/>
-                </a:solidFill>
-                <a:effectLst/>
-                <a:latin typeface="+mn-lt"/>
-                <a:ea typeface="+mn-ea"/>
-                <a:cs typeface="+mn-cs"/>
-              </a:rPr>
-              <a:t>年以来，处理器的性能提高了约 </a:t>
-            </a:r>
-            <a:r>
-              <a:rPr lang="en-US" altLang="zh-CN" sz="1200" b="0" i="0" kern="1200" dirty="0">
-                <a:solidFill>
-                  <a:schemeClr val="tx1"/>
-                </a:solidFill>
-                <a:effectLst/>
-                <a:latin typeface="+mn-lt"/>
-                <a:ea typeface="+mn-ea"/>
-                <a:cs typeface="+mn-cs"/>
-              </a:rPr>
-              <a:t>400,000 </a:t>
-            </a:r>
-            <a:r>
-              <a:rPr lang="zh-CN" altLang="en-US" sz="1200" b="0" i="0" kern="1200" dirty="0">
-                <a:solidFill>
-                  <a:schemeClr val="tx1"/>
-                </a:solidFill>
-                <a:effectLst/>
-                <a:latin typeface="+mn-lt"/>
-                <a:ea typeface="+mn-ea"/>
-                <a:cs typeface="+mn-cs"/>
-              </a:rPr>
-              <a:t>倍。</a:t>
-            </a:r>
-            <a:endParaRPr lang="en-US" altLang="zh-CN" dirty="0"/>
-          </a:p>
-        </p:txBody>
-      </p:sp>
-      <p:sp>
-        <p:nvSpPr>
-          <p:cNvPr id="4" name="灯片编号占位符 3">
-            <a:extLst>
-              <a:ext uri="{FF2B5EF4-FFF2-40B4-BE49-F238E27FC236}">
-                <a16:creationId xmlns:a16="http://schemas.microsoft.com/office/drawing/2014/main" id="{A873B35B-F935-AC57-7271-B157ABF0E8F5}"/>
-              </a:ext>
-            </a:extLst>
-          </p:cNvPr>
-          <p:cNvSpPr>
-            <a:spLocks noGrp="1"/>
-          </p:cNvSpPr>
-          <p:nvPr>
-            <p:ph type="sldNum" sz="quarter" idx="10"/>
-          </p:nvPr>
-        </p:nvSpPr>
-        <p:spPr/>
-        <p:txBody>
-          <a:bodyPr/>
-          <a:lstStyle/>
-          <a:p>
-            <a:pPr marL="0" marR="0" lvl="0" indent="0" algn="r" defTabSz="914400" rtl="0" eaLnBrk="1" fontAlgn="auto" latinLnBrk="0" hangingPunct="1">
-              <a:lnSpc>
-                <a:spcPct val="100000"/>
-              </a:lnSpc>
-              <a:spcBef>
-                <a:spcPts val="0"/>
-              </a:spcBef>
-              <a:spcAft>
-                <a:spcPts val="0"/>
-              </a:spcAft>
-              <a:buClrTx/>
-              <a:buSzTx/>
-              <a:buFontTx/>
-              <a:buNone/>
-              <a:tabLst/>
-              <a:defRPr/>
-            </a:pPr>
-            <a:fld id="{5F81E48D-7DEE-42BB-9CCD-BCDC47BA74A6}" type="slidenum">
-              <a:rPr kumimoji="0" lang="zh-CN" altLang="en-US" sz="1200" b="0" i="0" u="none" strike="noStrike" kern="1200" cap="none" spc="0" normalizeH="0" baseline="0" noProof="0" smtClean="0">
-                <a:ln>
-                  <a:noFill/>
-                </a:ln>
-                <a:solidFill>
-                  <a:prstClr val="black"/>
-                </a:solidFill>
-                <a:effectLst/>
-                <a:uLnTx/>
-                <a:uFillTx/>
-                <a:latin typeface="Calibri" panose="020F0502020204030204"/>
-                <a:ea typeface="宋体" panose="02010600030101010101" pitchFamily="2" charset="-122"/>
-                <a:cs typeface="+mn-cs"/>
-              </a:rPr>
-              <a:pPr marL="0" marR="0" lvl="0" indent="0" algn="r" defTabSz="914400" rtl="0" eaLnBrk="1" fontAlgn="auto" latinLnBrk="0" hangingPunct="1">
-                <a:lnSpc>
-                  <a:spcPct val="100000"/>
-                </a:lnSpc>
-                <a:spcBef>
-                  <a:spcPts val="0"/>
-                </a:spcBef>
-                <a:spcAft>
-                  <a:spcPts val="0"/>
-                </a:spcAft>
-                <a:buClrTx/>
-                <a:buSzTx/>
-                <a:buFontTx/>
-                <a:buNone/>
-                <a:tabLst/>
-                <a:defRPr/>
-              </a:pPr>
-              <a:t>9</a:t>
-            </a:fld>
-            <a:endParaRPr kumimoji="0" lang="zh-CN" altLang="en-US" sz="1200" b="0" i="0" u="none" strike="noStrike" kern="1200" cap="none" spc="0" normalizeH="0" baseline="0" noProof="0">
-              <a:ln>
-                <a:noFill/>
-              </a:ln>
-              <a:solidFill>
-                <a:prstClr val="black"/>
-              </a:solidFill>
-              <a:effectLst/>
-              <a:uLnTx/>
-              <a:uFillTx/>
-              <a:latin typeface="Calibri" panose="020F0502020204030204"/>
-              <a:ea typeface="宋体" panose="02010600030101010101" pitchFamily="2" charset="-122"/>
-              <a:cs typeface="+mn-cs"/>
-            </a:endParaRPr>
-          </a:p>
-        </p:txBody>
-      </p:sp>
-    </p:spTree>
-    <p:extLst>
-      <p:ext uri="{BB962C8B-B14F-4D97-AF65-F5344CB8AC3E}">
-        <p14:creationId xmlns:p14="http://schemas.microsoft.com/office/powerpoint/2010/main" val="1735644385"/>
-      </p:ext>
-    </p:extLst>
-  </p:cSld>
-  <p:clrMapOvr>
-    <a:masterClrMapping/>
-  </p:clrMapOvr>
-</p:notes>
-</file>
-
-<file path=ppt/notesSlides/notesSlide9.xml><?xml version="1.0" encoding="utf-8"?>
-<p:notes xmlns:a="http://schemas.openxmlformats.org/drawingml/2006/main" xmlns:r="http://schemas.openxmlformats.org/officeDocument/2006/relationships" xmlns:p="http://schemas.openxmlformats.org/presentationml/2006/main">
-  <p:cSld>
-    <p:spTree>
-      <p:nvGrpSpPr>
-        <p:cNvPr id="1" name="">
-          <a:extLst>
-            <a:ext uri="{FF2B5EF4-FFF2-40B4-BE49-F238E27FC236}">
-              <a16:creationId xmlns:a16="http://schemas.microsoft.com/office/drawing/2014/main" id="{F3DB7EE0-B251-2195-2D10-B926029FFB11}"/>
-            </a:ext>
-          </a:extLst>
-        </p:cNvPr>
-        <p:cNvGrpSpPr/>
-        <p:nvPr/>
-      </p:nvGrpSpPr>
-      <p:grpSpPr>
-        <a:xfrm>
-          <a:off x="0" y="0"/>
-          <a:ext cx="0" cy="0"/>
-          <a:chOff x="0" y="0"/>
-          <a:chExt cx="0" cy="0"/>
-        </a:xfrm>
-      </p:grpSpPr>
-      <p:sp>
-        <p:nvSpPr>
-          <p:cNvPr id="2" name="幻灯片图像占位符 1">
-            <a:extLst>
-              <a:ext uri="{FF2B5EF4-FFF2-40B4-BE49-F238E27FC236}">
-                <a16:creationId xmlns:a16="http://schemas.microsoft.com/office/drawing/2014/main" id="{7F826CFB-0F8C-0ED4-44CC-8A93E1C00B6B}"/>
-              </a:ext>
-            </a:extLst>
-          </p:cNvPr>
-          <p:cNvSpPr>
-            <a:spLocks noGrp="1" noRot="1" noChangeAspect="1"/>
-          </p:cNvSpPr>
-          <p:nvPr>
-            <p:ph type="sldImg"/>
-          </p:nvPr>
-        </p:nvSpPr>
-        <p:spPr/>
-      </p:sp>
-      <p:sp>
-        <p:nvSpPr>
-          <p:cNvPr id="3" name="备注占位符 2">
-            <a:extLst>
-              <a:ext uri="{FF2B5EF4-FFF2-40B4-BE49-F238E27FC236}">
-                <a16:creationId xmlns:a16="http://schemas.microsoft.com/office/drawing/2014/main" id="{9AC547B5-76B5-06BA-31A6-95F856BFC387}"/>
-              </a:ext>
-            </a:extLst>
-          </p:cNvPr>
-          <p:cNvSpPr>
-            <a:spLocks noGrp="1"/>
-          </p:cNvSpPr>
-          <p:nvPr>
-            <p:ph type="body" idx="1"/>
-          </p:nvPr>
-        </p:nvSpPr>
-        <p:spPr/>
-        <p:txBody>
-          <a:bodyPr/>
-          <a:lstStyle/>
-          <a:p>
-            <a:r>
-              <a:rPr lang="zh-CN" altLang="en-US" dirty="0"/>
-              <a:t>计算产业需求驱动，两条主线：一个是算力摸高的主赛道、一个是算力泛在化、小型化的枝开叶散的分赛道</a:t>
-            </a:r>
-            <a:endParaRPr lang="en-US" altLang="zh-CN" dirty="0"/>
-          </a:p>
-          <a:p>
-            <a:endParaRPr lang="en-US" altLang="zh-CN" dirty="0"/>
-          </a:p>
-          <a:p>
-            <a:r>
-              <a:rPr lang="zh-CN" altLang="en-US" dirty="0"/>
-              <a:t>人类社会演进的两个根本驱动力：能源、信息</a:t>
-            </a:r>
-            <a:endParaRPr lang="en-US" altLang="zh-CN" dirty="0"/>
-          </a:p>
-          <a:p>
-            <a:endParaRPr lang="en-US" altLang="zh-CN" dirty="0"/>
-          </a:p>
-          <a:p>
-            <a:r>
-              <a:rPr lang="zh-CN" altLang="en-US" dirty="0"/>
-              <a:t>科技是推动计算产业发展的最强动力</a:t>
-            </a:r>
-            <a:endParaRPr lang="en-US" altLang="zh-CN" dirty="0"/>
-          </a:p>
-          <a:p>
-            <a:r>
-              <a:rPr lang="zh-CN" altLang="en-US" dirty="0"/>
-              <a:t>计算需求多样化，是不变的趋势：国防科研</a:t>
-            </a:r>
-            <a:r>
-              <a:rPr lang="en-US" altLang="zh-CN" dirty="0">
-                <a:sym typeface="Wingdings" panose="05000000000000000000" pitchFamily="2" charset="2"/>
-              </a:rPr>
-              <a:t></a:t>
-            </a:r>
-            <a:r>
-              <a:rPr lang="zh-CN" altLang="en-US" dirty="0">
-                <a:sym typeface="Wingdings" panose="05000000000000000000" pitchFamily="2" charset="2"/>
-              </a:rPr>
-              <a:t>商业计算</a:t>
-            </a:r>
-            <a:r>
-              <a:rPr lang="en-US" altLang="zh-CN" dirty="0">
-                <a:sym typeface="Wingdings" panose="05000000000000000000" pitchFamily="2" charset="2"/>
-              </a:rPr>
-              <a:t>+</a:t>
-            </a:r>
-            <a:r>
-              <a:rPr lang="zh-CN" altLang="en-US" dirty="0">
-                <a:sym typeface="Wingdings" panose="05000000000000000000" pitchFamily="2" charset="2"/>
-              </a:rPr>
-              <a:t>个人</a:t>
-            </a:r>
-            <a:r>
-              <a:rPr lang="en-US" altLang="zh-CN" dirty="0">
-                <a:sym typeface="Wingdings" panose="05000000000000000000" pitchFamily="2" charset="2"/>
-              </a:rPr>
-              <a:t>PC</a:t>
-            </a:r>
-            <a:r>
-              <a:rPr lang="zh-CN" altLang="en-US" dirty="0">
-                <a:sym typeface="Wingdings" panose="05000000000000000000" pitchFamily="2" charset="2"/>
-              </a:rPr>
-              <a:t>互联网</a:t>
-            </a:r>
-            <a:r>
-              <a:rPr lang="en-US" altLang="zh-CN" dirty="0">
-                <a:sym typeface="Wingdings" panose="05000000000000000000" pitchFamily="2" charset="2"/>
-              </a:rPr>
-              <a:t>/</a:t>
-            </a:r>
-            <a:r>
-              <a:rPr lang="zh-CN" altLang="en-US" dirty="0">
-                <a:sym typeface="Wingdings" panose="05000000000000000000" pitchFamily="2" charset="2"/>
-              </a:rPr>
-              <a:t>移动互联网 及 背后的 </a:t>
-            </a:r>
-            <a:r>
-              <a:rPr lang="en-US" altLang="zh-CN" dirty="0">
-                <a:sym typeface="Wingdings" panose="05000000000000000000" pitchFamily="2" charset="2"/>
-              </a:rPr>
-              <a:t>IDC+</a:t>
-            </a:r>
-            <a:r>
-              <a:rPr lang="zh-CN" altLang="en-US" dirty="0">
-                <a:sym typeface="Wingdings" panose="05000000000000000000" pitchFamily="2" charset="2"/>
-              </a:rPr>
-              <a:t>云计算</a:t>
-            </a:r>
-            <a:endParaRPr lang="en-US" altLang="zh-CN" dirty="0">
-              <a:sym typeface="Wingdings" panose="05000000000000000000" pitchFamily="2" charset="2"/>
-            </a:endParaRPr>
-          </a:p>
-          <a:p>
-            <a:r>
-              <a:rPr lang="en-US" altLang="zh-CN" dirty="0">
-                <a:sym typeface="Wingdings" panose="05000000000000000000" pitchFamily="2" charset="2"/>
-              </a:rPr>
-              <a:t>IBM</a:t>
-            </a:r>
-            <a:r>
-              <a:rPr lang="zh-CN" altLang="en-US" dirty="0">
-                <a:sym typeface="Wingdings" panose="05000000000000000000" pitchFamily="2" charset="2"/>
-              </a:rPr>
-              <a:t>、</a:t>
-            </a:r>
-            <a:r>
-              <a:rPr lang="en-US" altLang="zh-CN" dirty="0">
-                <a:sym typeface="Wingdings" panose="05000000000000000000" pitchFamily="2" charset="2"/>
-              </a:rPr>
-              <a:t>Intel</a:t>
-            </a:r>
-          </a:p>
-          <a:p>
-            <a:endParaRPr lang="en-US" altLang="zh-CN" dirty="0">
-              <a:sym typeface="Wingdings" panose="05000000000000000000" pitchFamily="2" charset="2"/>
-            </a:endParaRPr>
-          </a:p>
-          <a:p>
-            <a:r>
-              <a:rPr lang="zh-CN" altLang="en-US" sz="1200" b="0" i="0" kern="1200" dirty="0">
-                <a:solidFill>
-                  <a:schemeClr val="tx1"/>
-                </a:solidFill>
-                <a:effectLst/>
-                <a:latin typeface="+mn-lt"/>
-                <a:ea typeface="+mn-ea"/>
-                <a:cs typeface="+mn-cs"/>
-              </a:rPr>
-              <a:t>也许没有一种其他技术能像计算机技术一样，在过去几十年里有如此巨大的进步。据估计，自 </a:t>
-            </a:r>
-            <a:r>
-              <a:rPr lang="en-US" altLang="zh-CN" sz="1200" b="0" i="0" kern="1200" dirty="0">
-                <a:solidFill>
-                  <a:schemeClr val="tx1"/>
-                </a:solidFill>
-                <a:effectLst/>
-                <a:latin typeface="+mn-lt"/>
-                <a:ea typeface="+mn-ea"/>
-                <a:cs typeface="+mn-cs"/>
-              </a:rPr>
-              <a:t>1974 </a:t>
-            </a:r>
-            <a:r>
-              <a:rPr lang="zh-CN" altLang="en-US" sz="1200" b="0" i="0" kern="1200" dirty="0">
-                <a:solidFill>
-                  <a:schemeClr val="tx1"/>
-                </a:solidFill>
-                <a:effectLst/>
-                <a:latin typeface="+mn-lt"/>
-                <a:ea typeface="+mn-ea"/>
-                <a:cs typeface="+mn-cs"/>
-              </a:rPr>
-              <a:t>年以来，美国总生产力增长的三分之一来自信息技术，它是国家繁荣的最大贡献者之一。</a:t>
-            </a:r>
-            <a:endParaRPr lang="en-US" altLang="zh-CN" dirty="0">
-              <a:sym typeface="Wingdings" panose="05000000000000000000" pitchFamily="2" charset="2"/>
-            </a:endParaRPr>
-          </a:p>
-          <a:p>
-            <a:endParaRPr lang="en-US" altLang="zh-CN" dirty="0"/>
-          </a:p>
-          <a:p>
-            <a:r>
-              <a:rPr lang="zh-CN" altLang="en-US" sz="1200" b="0" i="0" kern="1200" dirty="0">
-                <a:solidFill>
-                  <a:schemeClr val="tx1"/>
-                </a:solidFill>
-                <a:effectLst/>
-                <a:latin typeface="+mn-lt"/>
-                <a:ea typeface="+mn-ea"/>
-                <a:cs typeface="+mn-cs"/>
-              </a:rPr>
-              <a:t>自 </a:t>
-            </a:r>
-            <a:r>
-              <a:rPr lang="en-US" altLang="zh-CN" sz="1200" b="0" i="0" kern="1200" dirty="0">
-                <a:solidFill>
-                  <a:schemeClr val="tx1"/>
-                </a:solidFill>
-                <a:effectLst/>
-                <a:latin typeface="+mn-lt"/>
-                <a:ea typeface="+mn-ea"/>
-                <a:cs typeface="+mn-cs"/>
-              </a:rPr>
-              <a:t>1971 </a:t>
-            </a:r>
-            <a:r>
-              <a:rPr lang="zh-CN" altLang="en-US" sz="1200" b="0" i="0" kern="1200" dirty="0">
-                <a:solidFill>
-                  <a:schemeClr val="tx1"/>
-                </a:solidFill>
-                <a:effectLst/>
-                <a:latin typeface="+mn-lt"/>
-                <a:ea typeface="+mn-ea"/>
-                <a:cs typeface="+mn-cs"/>
-              </a:rPr>
-              <a:t>年以来，处理器的性能提高了约 </a:t>
-            </a:r>
-            <a:r>
-              <a:rPr lang="en-US" altLang="zh-CN" sz="1200" b="0" i="0" kern="1200" dirty="0">
-                <a:solidFill>
-                  <a:schemeClr val="tx1"/>
-                </a:solidFill>
-                <a:effectLst/>
-                <a:latin typeface="+mn-lt"/>
-                <a:ea typeface="+mn-ea"/>
-                <a:cs typeface="+mn-cs"/>
-              </a:rPr>
-              <a:t>400,000 </a:t>
-            </a:r>
-            <a:r>
-              <a:rPr lang="zh-CN" altLang="en-US" sz="1200" b="0" i="0" kern="1200" dirty="0">
-                <a:solidFill>
-                  <a:schemeClr val="tx1"/>
-                </a:solidFill>
-                <a:effectLst/>
-                <a:latin typeface="+mn-lt"/>
-                <a:ea typeface="+mn-ea"/>
-                <a:cs typeface="+mn-cs"/>
-              </a:rPr>
-              <a:t>倍。</a:t>
-            </a:r>
-            <a:endParaRPr lang="en-US" altLang="zh-CN" dirty="0"/>
-          </a:p>
-        </p:txBody>
-      </p:sp>
-      <p:sp>
-        <p:nvSpPr>
-          <p:cNvPr id="4" name="灯片编号占位符 3">
-            <a:extLst>
-              <a:ext uri="{FF2B5EF4-FFF2-40B4-BE49-F238E27FC236}">
-                <a16:creationId xmlns:a16="http://schemas.microsoft.com/office/drawing/2014/main" id="{D76CE847-AA92-CC1D-1F51-3240F5CFC029}"/>
-              </a:ext>
-            </a:extLst>
-          </p:cNvPr>
-          <p:cNvSpPr>
-            <a:spLocks noGrp="1"/>
-          </p:cNvSpPr>
-          <p:nvPr>
-            <p:ph type="sldNum" sz="quarter" idx="10"/>
-          </p:nvPr>
-        </p:nvSpPr>
-        <p:spPr/>
-        <p:txBody>
-          <a:bodyPr/>
-          <a:lstStyle/>
-          <a:p>
-            <a:pPr marL="0" marR="0" lvl="0" indent="0" algn="r" defTabSz="914400" rtl="0" eaLnBrk="1" fontAlgn="auto" latinLnBrk="0" hangingPunct="1">
-              <a:lnSpc>
-                <a:spcPct val="100000"/>
-              </a:lnSpc>
-              <a:spcBef>
-                <a:spcPts val="0"/>
-              </a:spcBef>
-              <a:spcAft>
-                <a:spcPts val="0"/>
-              </a:spcAft>
-              <a:buClrTx/>
-              <a:buSzTx/>
-              <a:buFontTx/>
-              <a:buNone/>
-              <a:tabLst/>
-              <a:defRPr/>
-            </a:pPr>
-            <a:fld id="{5F81E48D-7DEE-42BB-9CCD-BCDC47BA74A6}" type="slidenum">
-              <a:rPr kumimoji="0" lang="zh-CN" altLang="en-US" sz="1200" b="0" i="0" u="none" strike="noStrike" kern="1200" cap="none" spc="0" normalizeH="0" baseline="0" noProof="0" smtClean="0">
-                <a:ln>
-                  <a:noFill/>
-                </a:ln>
-                <a:solidFill>
-                  <a:prstClr val="black"/>
-                </a:solidFill>
-                <a:effectLst/>
-                <a:uLnTx/>
-                <a:uFillTx/>
-                <a:latin typeface="Calibri" panose="020F0502020204030204"/>
-                <a:ea typeface="宋体" panose="02010600030101010101" pitchFamily="2" charset="-122"/>
-                <a:cs typeface="+mn-cs"/>
-              </a:rPr>
-              <a:pPr marL="0" marR="0" lvl="0" indent="0" algn="r" defTabSz="914400" rtl="0" eaLnBrk="1" fontAlgn="auto" latinLnBrk="0" hangingPunct="1">
-                <a:lnSpc>
-                  <a:spcPct val="100000"/>
-                </a:lnSpc>
-                <a:spcBef>
-                  <a:spcPts val="0"/>
-                </a:spcBef>
-                <a:spcAft>
-                  <a:spcPts val="0"/>
-                </a:spcAft>
-                <a:buClrTx/>
-                <a:buSzTx/>
-                <a:buFontTx/>
-                <a:buNone/>
-                <a:tabLst/>
-                <a:defRPr/>
-              </a:pPr>
-              <a:t>10</a:t>
-            </a:fld>
-            <a:endParaRPr kumimoji="0" lang="zh-CN" altLang="en-US" sz="1200" b="0" i="0" u="none" strike="noStrike" kern="1200" cap="none" spc="0" normalizeH="0" baseline="0" noProof="0">
-              <a:ln>
-                <a:noFill/>
-              </a:ln>
-              <a:solidFill>
-                <a:prstClr val="black"/>
-              </a:solidFill>
-              <a:effectLst/>
-              <a:uLnTx/>
-              <a:uFillTx/>
-              <a:latin typeface="Calibri" panose="020F0502020204030204"/>
-              <a:ea typeface="宋体" panose="02010600030101010101" pitchFamily="2" charset="-122"/>
-              <a:cs typeface="+mn-cs"/>
-            </a:endParaRPr>
-          </a:p>
-        </p:txBody>
-      </p:sp>
-    </p:spTree>
-    <p:extLst>
-      <p:ext uri="{BB962C8B-B14F-4D97-AF65-F5344CB8AC3E}">
-        <p14:creationId xmlns:p14="http://schemas.microsoft.com/office/powerpoint/2010/main" val="1355030176"/>
       </p:ext>
     </p:extLst>
   </p:cSld>
@@ -35693,211 +36875,6 @@
           </a:p>
         </p:txBody>
       </p:sp>
-      <p:sp>
-        <p:nvSpPr>
-          <p:cNvPr id="5" name="文本占位符 1">
-            <a:extLst>
-              <a:ext uri="{FF2B5EF4-FFF2-40B4-BE49-F238E27FC236}">
-                <a16:creationId xmlns:a16="http://schemas.microsoft.com/office/drawing/2014/main" id="{84F06FC8-A644-30C6-D07F-20FEFDFA57F8}"/>
-              </a:ext>
-            </a:extLst>
-          </p:cNvPr>
-          <p:cNvSpPr txBox="1">
-            <a:spLocks/>
-          </p:cNvSpPr>
-          <p:nvPr/>
-        </p:nvSpPr>
-        <p:spPr>
-          <a:xfrm>
-            <a:off x="4949502" y="5188085"/>
-            <a:ext cx="3411613" cy="979488"/>
-          </a:xfrm>
-          <a:prstGeom prst="rect">
-            <a:avLst/>
-          </a:prstGeom>
-          <a:noFill/>
-        </p:spPr>
-        <p:txBody>
-          <a:bodyPr anchor="ctr"/>
-          <a:lstStyle>
-            <a:lvl1pPr marL="0" indent="0" algn="l" defTabSz="914400" rtl="0" eaLnBrk="1" latinLnBrk="0" hangingPunct="1">
-              <a:lnSpc>
-                <a:spcPct val="100000"/>
-              </a:lnSpc>
-              <a:spcBef>
-                <a:spcPts val="0"/>
-              </a:spcBef>
-              <a:buFontTx/>
-              <a:buNone/>
-              <a:defRPr sz="1000" kern="1200">
-                <a:solidFill>
-                  <a:srgbClr val="1D1D1B"/>
-                </a:solidFill>
-                <a:latin typeface="Arial" panose="020B0604020202020204" pitchFamily="34" charset="0"/>
-                <a:ea typeface="Microsoft YaHei" panose="020B0503020204020204" pitchFamily="34" charset="-122"/>
-                <a:cs typeface="Arial" panose="020B0604020202020204" pitchFamily="34" charset="0"/>
-              </a:defRPr>
-            </a:lvl1pPr>
-            <a:lvl2pPr marL="457200" indent="0" algn="l" defTabSz="914400" rtl="0" eaLnBrk="1" latinLnBrk="0" hangingPunct="1">
-              <a:lnSpc>
-                <a:spcPct val="90000"/>
-              </a:lnSpc>
-              <a:spcBef>
-                <a:spcPts val="500"/>
-              </a:spcBef>
-              <a:buFontTx/>
-              <a:buNone/>
-              <a:defRPr sz="750" kern="1200">
-                <a:solidFill>
-                  <a:schemeClr val="tx1"/>
-                </a:solidFill>
-                <a:latin typeface="Arial" panose="020B0604020202020204" pitchFamily="34" charset="0"/>
-                <a:ea typeface="+mn-ea"/>
-                <a:cs typeface="Arial" panose="020B0604020202020204" pitchFamily="34" charset="0"/>
-              </a:defRPr>
-            </a:lvl2pPr>
-            <a:lvl3pPr marL="914400" indent="0" algn="l" defTabSz="914400" rtl="0" eaLnBrk="1" latinLnBrk="0" hangingPunct="1">
-              <a:lnSpc>
-                <a:spcPct val="90000"/>
-              </a:lnSpc>
-              <a:spcBef>
-                <a:spcPts val="500"/>
-              </a:spcBef>
-              <a:buFontTx/>
-              <a:buNone/>
-              <a:defRPr sz="750" kern="1200">
-                <a:solidFill>
-                  <a:schemeClr val="tx1"/>
-                </a:solidFill>
-                <a:latin typeface="Arial" panose="020B0604020202020204" pitchFamily="34" charset="0"/>
-                <a:ea typeface="+mn-ea"/>
-                <a:cs typeface="Arial" panose="020B0604020202020204" pitchFamily="34" charset="0"/>
-              </a:defRPr>
-            </a:lvl3pPr>
-            <a:lvl4pPr marL="1371600" indent="0" algn="l" defTabSz="914400" rtl="0" eaLnBrk="1" latinLnBrk="0" hangingPunct="1">
-              <a:lnSpc>
-                <a:spcPct val="90000"/>
-              </a:lnSpc>
-              <a:spcBef>
-                <a:spcPts val="500"/>
-              </a:spcBef>
-              <a:buFontTx/>
-              <a:buNone/>
-              <a:defRPr sz="750" kern="1200">
-                <a:solidFill>
-                  <a:schemeClr val="tx1"/>
-                </a:solidFill>
-                <a:latin typeface="Arial" panose="020B0604020202020204" pitchFamily="34" charset="0"/>
-                <a:ea typeface="+mn-ea"/>
-                <a:cs typeface="Arial" panose="020B0604020202020204" pitchFamily="34" charset="0"/>
-              </a:defRPr>
-            </a:lvl4pPr>
-            <a:lvl5pPr marL="1828800" indent="0" algn="l" defTabSz="914400" rtl="0" eaLnBrk="1" latinLnBrk="0" hangingPunct="1">
-              <a:lnSpc>
-                <a:spcPct val="90000"/>
-              </a:lnSpc>
-              <a:spcBef>
-                <a:spcPts val="500"/>
-              </a:spcBef>
-              <a:buFontTx/>
-              <a:buNone/>
-              <a:defRPr sz="750" kern="1200">
-                <a:solidFill>
-                  <a:schemeClr val="tx1"/>
-                </a:solidFill>
-                <a:latin typeface="Arial" panose="020B0604020202020204" pitchFamily="34" charset="0"/>
-                <a:ea typeface="+mn-ea"/>
-                <a:cs typeface="Arial" panose="020B0604020202020204" pitchFamily="34" charset="0"/>
-              </a:defRPr>
-            </a:lvl5pPr>
-            <a:lvl6pPr marL="2514600" indent="-228600" algn="l" defTabSz="914400" rtl="0" eaLnBrk="1" latinLnBrk="0" hangingPunct="1">
-              <a:lnSpc>
-                <a:spcPct val="90000"/>
-              </a:lnSpc>
-              <a:spcBef>
-                <a:spcPts val="500"/>
-              </a:spcBef>
-              <a:buFont typeface="Arial" panose="020B0604020202020204" pitchFamily="34" charset="0"/>
-              <a:buChar char="•"/>
-              <a:defRPr sz="1800" kern="1200">
-                <a:solidFill>
-                  <a:schemeClr val="tx1"/>
-                </a:solidFill>
-                <a:latin typeface="+mn-lt"/>
-                <a:ea typeface="+mn-ea"/>
-                <a:cs typeface="+mn-cs"/>
-              </a:defRPr>
-            </a:lvl6pPr>
-            <a:lvl7pPr marL="2971800" indent="-228600" algn="l" defTabSz="914400" rtl="0" eaLnBrk="1" latinLnBrk="0" hangingPunct="1">
-              <a:lnSpc>
-                <a:spcPct val="90000"/>
-              </a:lnSpc>
-              <a:spcBef>
-                <a:spcPts val="500"/>
-              </a:spcBef>
-              <a:buFont typeface="Arial" panose="020B0604020202020204" pitchFamily="34" charset="0"/>
-              <a:buChar char="•"/>
-              <a:defRPr sz="1800" kern="1200">
-                <a:solidFill>
-                  <a:schemeClr val="tx1"/>
-                </a:solidFill>
-                <a:latin typeface="+mn-lt"/>
-                <a:ea typeface="+mn-ea"/>
-                <a:cs typeface="+mn-cs"/>
-              </a:defRPr>
-            </a:lvl7pPr>
-            <a:lvl8pPr marL="3429000" indent="-228600" algn="l" defTabSz="914400" rtl="0" eaLnBrk="1" latinLnBrk="0" hangingPunct="1">
-              <a:lnSpc>
-                <a:spcPct val="90000"/>
-              </a:lnSpc>
-              <a:spcBef>
-                <a:spcPts val="500"/>
-              </a:spcBef>
-              <a:buFont typeface="Arial" panose="020B0604020202020204" pitchFamily="34" charset="0"/>
-              <a:buChar char="•"/>
-              <a:defRPr sz="1800" kern="1200">
-                <a:solidFill>
-                  <a:schemeClr val="tx1"/>
-                </a:solidFill>
-                <a:latin typeface="+mn-lt"/>
-                <a:ea typeface="+mn-ea"/>
-                <a:cs typeface="+mn-cs"/>
-              </a:defRPr>
-            </a:lvl8pPr>
-            <a:lvl9pPr marL="3886200" indent="-228600" algn="l" defTabSz="914400" rtl="0" eaLnBrk="1" latinLnBrk="0" hangingPunct="1">
-              <a:lnSpc>
-                <a:spcPct val="90000"/>
-              </a:lnSpc>
-              <a:spcBef>
-                <a:spcPts val="500"/>
-              </a:spcBef>
-              <a:buFont typeface="Arial" panose="020B0604020202020204" pitchFamily="34" charset="0"/>
-              <a:buChar char="•"/>
-              <a:defRPr sz="1800" kern="1200">
-                <a:solidFill>
-                  <a:schemeClr val="tx1"/>
-                </a:solidFill>
-                <a:latin typeface="+mn-lt"/>
-                <a:ea typeface="+mn-ea"/>
-                <a:cs typeface="+mn-cs"/>
-              </a:defRPr>
-            </a:lvl9pPr>
-          </a:lstStyle>
-          <a:p>
-            <a:pPr algn="ctr"/>
-            <a:r>
-              <a:rPr lang="zh-CN" altLang="en-US" sz="5400" dirty="0">
-                <a:solidFill>
-                  <a:schemeClr val="tx2"/>
-                </a:solidFill>
-                <a:latin typeface="ACGN-MiaoGB-Flash" panose="02020300000000000000" pitchFamily="18" charset="-122"/>
-                <a:ea typeface="ACGN-MiaoGB-Flash" panose="02020300000000000000" pitchFamily="18" charset="-122"/>
-              </a:rPr>
-              <a:t>侯宇博</a:t>
-            </a:r>
-          </a:p>
-        </p:txBody>
-      </p:sp>
       <p:pic>
         <p:nvPicPr>
           <p:cNvPr id="6" name="图片 5">
@@ -36201,6 +37178,471 @@
 </file>
 
 <file path=ppt/slides/slide10.xml><?xml version="1.0" encoding="utf-8"?>
+<p:sld xmlns:a="http://schemas.openxmlformats.org/drawingml/2006/main" xmlns:r="http://schemas.openxmlformats.org/officeDocument/2006/relationships" xmlns:p="http://schemas.openxmlformats.org/presentationml/2006/main">
+  <p:cSld>
+    <p:spTree>
+      <p:nvGrpSpPr>
+        <p:cNvPr id="1" name="">
+          <a:extLst>
+            <a:ext uri="{FF2B5EF4-FFF2-40B4-BE49-F238E27FC236}">
+              <a16:creationId xmlns:a16="http://schemas.microsoft.com/office/drawing/2014/main" id="{FF52D826-C5E8-645E-4CA5-19BCCE248DF6}"/>
+            </a:ext>
+          </a:extLst>
+        </p:cNvPr>
+        <p:cNvGrpSpPr/>
+        <p:nvPr/>
+      </p:nvGrpSpPr>
+      <p:grpSpPr>
+        <a:xfrm>
+          <a:off x="0" y="0"/>
+          <a:ext cx="0" cy="0"/>
+          <a:chOff x="0" y="0"/>
+          <a:chExt cx="0" cy="0"/>
+        </a:xfrm>
+      </p:grpSpPr>
+      <p:sp>
+        <p:nvSpPr>
+          <p:cNvPr id="9" name="标题 8">
+            <a:extLst>
+              <a:ext uri="{FF2B5EF4-FFF2-40B4-BE49-F238E27FC236}">
+                <a16:creationId xmlns:a16="http://schemas.microsoft.com/office/drawing/2014/main" id="{D52183FD-E6A4-75C3-1000-2E368FC78608}"/>
+              </a:ext>
+            </a:extLst>
+          </p:cNvPr>
+          <p:cNvSpPr>
+            <a:spLocks noGrp="1"/>
+          </p:cNvSpPr>
+          <p:nvPr>
+            <p:ph type="title"/>
+          </p:nvPr>
+        </p:nvSpPr>
+        <p:spPr>
+          <a:xfrm>
+            <a:off x="139931" y="144936"/>
+            <a:ext cx="10963473" cy="589190"/>
+          </a:xfrm>
+        </p:spPr>
+        <p:txBody>
+          <a:bodyPr/>
+          <a:lstStyle/>
+          <a:p>
+            <a:r>
+              <a:rPr lang="zh-CN" altLang="en-US" dirty="0"/>
+              <a:t>学习率</a:t>
+            </a:r>
+          </a:p>
+        </p:txBody>
+      </p:sp>
+      <p:sp>
+        <p:nvSpPr>
+          <p:cNvPr id="13" name="TextBox 12">
+            <a:extLst>
+              <a:ext uri="{FF2B5EF4-FFF2-40B4-BE49-F238E27FC236}">
+                <a16:creationId xmlns:a16="http://schemas.microsoft.com/office/drawing/2014/main" id="{1C23367D-0BF6-C113-C577-0A61E3222C8B}"/>
+              </a:ext>
+            </a:extLst>
+          </p:cNvPr>
+          <p:cNvSpPr txBox="1"/>
+          <p:nvPr/>
+        </p:nvSpPr>
+        <p:spPr>
+          <a:xfrm>
+            <a:off x="274320" y="4680070"/>
+            <a:ext cx="10227425" cy="707886"/>
+          </a:xfrm>
+          <a:prstGeom prst="rect">
+            <a:avLst/>
+          </a:prstGeom>
+          <a:noFill/>
+        </p:spPr>
+        <p:txBody>
+          <a:bodyPr wrap="square">
+            <a:spAutoFit/>
+          </a:bodyPr>
+          <a:lstStyle/>
+          <a:p>
+            <a:pPr marL="285750" indent="-285750">
+              <a:buFont typeface="Arial" panose="020B0604020202020204" pitchFamily="34" charset="0"/>
+              <a:buChar char="•"/>
+            </a:pPr>
+            <a:r>
+              <a:rPr lang="zh-CN" altLang="en-US" sz="2000" kern="0" dirty="0">
+                <a:solidFill>
+                  <a:srgbClr val="374154"/>
+                </a:solidFill>
+                <a:latin typeface="Lexend" pitchFamily="2" charset="0"/>
+                <a:ea typeface="微软雅黑" pitchFamily="34" charset="-122"/>
+              </a:rPr>
+              <a:t>只要</a:t>
+            </a:r>
+            <a:r>
+              <a:rPr lang="zh-CN" altLang="en-US" sz="2000" b="1" kern="0" dirty="0">
+                <a:solidFill>
+                  <a:srgbClr val="374154"/>
+                </a:solidFill>
+                <a:latin typeface="Lexend" pitchFamily="2" charset="0"/>
+                <a:ea typeface="微软雅黑" pitchFamily="34" charset="-122"/>
+              </a:rPr>
+              <a:t>学习率</a:t>
+            </a:r>
+            <a:r>
+              <a:rPr lang="zh-CN" altLang="en-US" sz="2000" kern="0" dirty="0">
+                <a:solidFill>
+                  <a:srgbClr val="374154"/>
+                </a:solidFill>
+                <a:latin typeface="Lexend" pitchFamily="2" charset="0"/>
+                <a:ea typeface="微软雅黑" pitchFamily="34" charset="-122"/>
+              </a:rPr>
+              <a:t>不是太小且衰减不要太快，学习率对性能的影响并不强</a:t>
+            </a:r>
+            <a:endParaRPr lang="en-SG" altLang="zh-CN" sz="2000" kern="0" dirty="0">
+              <a:solidFill>
+                <a:srgbClr val="374154"/>
+              </a:solidFill>
+              <a:latin typeface="Lexend" pitchFamily="2" charset="0"/>
+              <a:ea typeface="微软雅黑" pitchFamily="34" charset="-122"/>
+            </a:endParaRPr>
+          </a:p>
+          <a:p>
+            <a:pPr marL="285750" indent="-285750">
+              <a:buFont typeface="Arial" panose="020B0604020202020204" pitchFamily="34" charset="0"/>
+              <a:buChar char="•"/>
+            </a:pPr>
+            <a:r>
+              <a:rPr lang="zh-CN" altLang="en-US" sz="2000" kern="0" dirty="0">
+                <a:solidFill>
+                  <a:srgbClr val="374154"/>
+                </a:solidFill>
+                <a:latin typeface="Lexend" pitchFamily="2" charset="0"/>
+                <a:ea typeface="微软雅黑" pitchFamily="34" charset="-122"/>
+              </a:rPr>
+              <a:t>大型模型需要较小的学习率以防止发散，而小型模型可以容忍较大的学习率</a:t>
+            </a:r>
+            <a:endParaRPr lang="en-SG" altLang="zh-CN" sz="2000" kern="0" dirty="0">
+              <a:solidFill>
+                <a:srgbClr val="374154"/>
+              </a:solidFill>
+              <a:latin typeface="Lexend" pitchFamily="2" charset="0"/>
+              <a:ea typeface="微软雅黑" pitchFamily="34" charset="-122"/>
+            </a:endParaRPr>
+          </a:p>
+        </p:txBody>
+      </p:sp>
+      <p:sp>
+        <p:nvSpPr>
+          <p:cNvPr id="5" name="TextBox 4">
+            <a:extLst>
+              <a:ext uri="{FF2B5EF4-FFF2-40B4-BE49-F238E27FC236}">
+                <a16:creationId xmlns:a16="http://schemas.microsoft.com/office/drawing/2014/main" id="{3606DA6F-21E2-468E-E3D9-89722DC957C0}"/>
+              </a:ext>
+            </a:extLst>
+          </p:cNvPr>
+          <p:cNvSpPr txBox="1"/>
+          <p:nvPr/>
+        </p:nvSpPr>
+        <p:spPr>
+          <a:xfrm>
+            <a:off x="1239077" y="6405287"/>
+            <a:ext cx="2498035" cy="307777"/>
+          </a:xfrm>
+          <a:prstGeom prst="rect">
+            <a:avLst/>
+          </a:prstGeom>
+          <a:noFill/>
+        </p:spPr>
+        <p:txBody>
+          <a:bodyPr wrap="square">
+            <a:spAutoFit/>
+          </a:bodyPr>
+          <a:lstStyle/>
+          <a:p>
+            <a:r>
+              <a:rPr lang="en-SG" altLang="zh-CN" sz="1400" dirty="0"/>
+              <a:t>[Kaplan+ 2020,</a:t>
+            </a:r>
+            <a:r>
+              <a:rPr lang="zh-CN" altLang="en-US" sz="1400" dirty="0"/>
+              <a:t> </a:t>
+            </a:r>
+            <a:r>
+              <a:rPr lang="en-SG" altLang="zh-CN" sz="1400" dirty="0"/>
+              <a:t>Yang+ 2021]</a:t>
+            </a:r>
+            <a:endParaRPr lang="en-SG" sz="1400" dirty="0"/>
+          </a:p>
+        </p:txBody>
+      </p:sp>
+      <p:pic>
+        <p:nvPicPr>
+          <p:cNvPr id="4" name="Picture 3">
+            <a:extLst>
+              <a:ext uri="{FF2B5EF4-FFF2-40B4-BE49-F238E27FC236}">
+                <a16:creationId xmlns:a16="http://schemas.microsoft.com/office/drawing/2014/main" id="{A2CAAB1E-EFAE-AE47-5B6B-6EF31A472335}"/>
+              </a:ext>
+            </a:extLst>
+          </p:cNvPr>
+          <p:cNvPicPr>
+            <a:picLocks noChangeAspect="1"/>
+          </p:cNvPicPr>
+          <p:nvPr/>
+        </p:nvPicPr>
+        <p:blipFill>
+          <a:blip r:embed="rId3"/>
+          <a:stretch>
+            <a:fillRect/>
+          </a:stretch>
+        </p:blipFill>
+        <p:spPr>
+          <a:xfrm>
+            <a:off x="68912" y="1354574"/>
+            <a:ext cx="8597398" cy="2491819"/>
+          </a:xfrm>
+          <a:prstGeom prst="rect">
+            <a:avLst/>
+          </a:prstGeom>
+        </p:spPr>
+      </p:pic>
+      <p:pic>
+        <p:nvPicPr>
+          <p:cNvPr id="15" name="Picture 14">
+            <a:extLst>
+              <a:ext uri="{FF2B5EF4-FFF2-40B4-BE49-F238E27FC236}">
+                <a16:creationId xmlns:a16="http://schemas.microsoft.com/office/drawing/2014/main" id="{BB911592-B8D6-A145-B134-8234ABEAE164}"/>
+              </a:ext>
+            </a:extLst>
+          </p:cNvPr>
+          <p:cNvPicPr>
+            <a:picLocks noChangeAspect="1"/>
+          </p:cNvPicPr>
+          <p:nvPr/>
+        </p:nvPicPr>
+        <p:blipFill>
+          <a:blip r:embed="rId4"/>
+          <a:stretch>
+            <a:fillRect/>
+          </a:stretch>
+        </p:blipFill>
+        <p:spPr>
+          <a:xfrm>
+            <a:off x="8666310" y="1057299"/>
+            <a:ext cx="3330229" cy="3086367"/>
+          </a:xfrm>
+          <a:prstGeom prst="rect">
+            <a:avLst/>
+          </a:prstGeom>
+        </p:spPr>
+      </p:pic>
+    </p:spTree>
+    <p:extLst>
+      <p:ext uri="{BB962C8B-B14F-4D97-AF65-F5344CB8AC3E}">
+        <p14:creationId xmlns:p14="http://schemas.microsoft.com/office/powerpoint/2010/main" val="1942179429"/>
+      </p:ext>
+    </p:extLst>
+  </p:cSld>
+  <p:clrMapOvr>
+    <a:masterClrMapping/>
+  </p:clrMapOvr>
+  <mc:AlternateContent xmlns:mc="http://schemas.openxmlformats.org/markup-compatibility/2006" xmlns:p159="http://schemas.microsoft.com/office/powerpoint/2015/09/main">
+    <mc:Choice Requires="p159">
+      <p:transition xmlns:p14="http://schemas.microsoft.com/office/powerpoint/2010/main" spd="slow" p14:dur="2000">
+        <p159:morph option="byObject"/>
+      </p:transition>
+    </mc:Choice>
+    <mc:Fallback xmlns="">
+      <p:transition spd="slow">
+        <p:fade/>
+      </p:transition>
+    </mc:Fallback>
+  </mc:AlternateContent>
+</p:sld>
+</file>
+
+<file path=ppt/slides/slide11.xml><?xml version="1.0" encoding="utf-8"?>
+<p:sld xmlns:a="http://schemas.openxmlformats.org/drawingml/2006/main" xmlns:r="http://schemas.openxmlformats.org/officeDocument/2006/relationships" xmlns:p="http://schemas.openxmlformats.org/presentationml/2006/main">
+  <p:cSld>
+    <p:spTree>
+      <p:nvGrpSpPr>
+        <p:cNvPr id="1" name="">
+          <a:extLst>
+            <a:ext uri="{FF2B5EF4-FFF2-40B4-BE49-F238E27FC236}">
+              <a16:creationId xmlns:a16="http://schemas.microsoft.com/office/drawing/2014/main" id="{52874632-A17D-CC14-9CFE-E9583009826F}"/>
+            </a:ext>
+          </a:extLst>
+        </p:cNvPr>
+        <p:cNvGrpSpPr/>
+        <p:nvPr/>
+      </p:nvGrpSpPr>
+      <p:grpSpPr>
+        <a:xfrm>
+          <a:off x="0" y="0"/>
+          <a:ext cx="0" cy="0"/>
+          <a:chOff x="0" y="0"/>
+          <a:chExt cx="0" cy="0"/>
+        </a:xfrm>
+      </p:grpSpPr>
+      <p:sp>
+        <p:nvSpPr>
+          <p:cNvPr id="9" name="标题 8">
+            <a:extLst>
+              <a:ext uri="{FF2B5EF4-FFF2-40B4-BE49-F238E27FC236}">
+                <a16:creationId xmlns:a16="http://schemas.microsoft.com/office/drawing/2014/main" id="{86BC0DB6-2DC2-8FD0-3E17-D3867A319386}"/>
+              </a:ext>
+            </a:extLst>
+          </p:cNvPr>
+          <p:cNvSpPr>
+            <a:spLocks noGrp="1"/>
+          </p:cNvSpPr>
+          <p:nvPr>
+            <p:ph type="title"/>
+          </p:nvPr>
+        </p:nvSpPr>
+        <p:spPr>
+          <a:xfrm>
+            <a:off x="274320" y="228194"/>
+            <a:ext cx="10963473" cy="589190"/>
+          </a:xfrm>
+        </p:spPr>
+        <p:txBody>
+          <a:bodyPr/>
+          <a:lstStyle/>
+          <a:p>
+            <a:r>
+              <a:rPr lang="zh-CN" altLang="en-US" dirty="0"/>
+              <a:t>最优</a:t>
+            </a:r>
+            <a:r>
+              <a:rPr lang="en-US" altLang="zh-CN" dirty="0"/>
+              <a:t>Batch size</a:t>
+            </a:r>
+            <a:r>
+              <a:rPr lang="zh-CN" altLang="en-US" dirty="0"/>
+              <a:t>与学习率</a:t>
+            </a:r>
+          </a:p>
+        </p:txBody>
+      </p:sp>
+      <p:sp>
+        <p:nvSpPr>
+          <p:cNvPr id="5" name="TextBox 4">
+            <a:extLst>
+              <a:ext uri="{FF2B5EF4-FFF2-40B4-BE49-F238E27FC236}">
+                <a16:creationId xmlns:a16="http://schemas.microsoft.com/office/drawing/2014/main" id="{99839A6C-4CA4-DFFE-8231-4D2265924AF4}"/>
+              </a:ext>
+            </a:extLst>
+          </p:cNvPr>
+          <p:cNvSpPr txBox="1"/>
+          <p:nvPr/>
+        </p:nvSpPr>
+        <p:spPr>
+          <a:xfrm>
+            <a:off x="1239078" y="6405287"/>
+            <a:ext cx="1669774" cy="307777"/>
+          </a:xfrm>
+          <a:prstGeom prst="rect">
+            <a:avLst/>
+          </a:prstGeom>
+          <a:noFill/>
+        </p:spPr>
+        <p:txBody>
+          <a:bodyPr wrap="square">
+            <a:spAutoFit/>
+          </a:bodyPr>
+          <a:lstStyle/>
+          <a:p>
+            <a:r>
+              <a:rPr lang="en-SG" altLang="zh-CN" sz="1400" dirty="0"/>
+              <a:t>[Li + 2025]</a:t>
+            </a:r>
+            <a:endParaRPr lang="en-SG" sz="1400" dirty="0"/>
+          </a:p>
+        </p:txBody>
+      </p:sp>
+      <p:pic>
+        <p:nvPicPr>
+          <p:cNvPr id="10" name="Picture 9">
+            <a:extLst>
+              <a:ext uri="{FF2B5EF4-FFF2-40B4-BE49-F238E27FC236}">
+                <a16:creationId xmlns:a16="http://schemas.microsoft.com/office/drawing/2014/main" id="{2B479207-4209-AA0F-0A63-BFDF62149A2A}"/>
+              </a:ext>
+            </a:extLst>
+          </p:cNvPr>
+          <p:cNvPicPr>
+            <a:picLocks noChangeAspect="1"/>
+          </p:cNvPicPr>
+          <p:nvPr/>
+        </p:nvPicPr>
+        <p:blipFill>
+          <a:blip r:embed="rId3"/>
+          <a:stretch>
+            <a:fillRect/>
+          </a:stretch>
+        </p:blipFill>
+        <p:spPr>
+          <a:xfrm>
+            <a:off x="808334" y="703079"/>
+            <a:ext cx="9663426" cy="3071236"/>
+          </a:xfrm>
+          <a:prstGeom prst="rect">
+            <a:avLst/>
+          </a:prstGeom>
+        </p:spPr>
+      </p:pic>
+      <p:pic>
+        <p:nvPicPr>
+          <p:cNvPr id="6" name="Picture 5">
+            <a:extLst>
+              <a:ext uri="{FF2B5EF4-FFF2-40B4-BE49-F238E27FC236}">
+                <a16:creationId xmlns:a16="http://schemas.microsoft.com/office/drawing/2014/main" id="{4D5D0682-C1CE-BEA5-DA7C-91C06AA7FE2A}"/>
+              </a:ext>
+            </a:extLst>
+          </p:cNvPr>
+          <p:cNvPicPr>
+            <a:picLocks noChangeAspect="1"/>
+          </p:cNvPicPr>
+          <p:nvPr/>
+        </p:nvPicPr>
+        <p:blipFill>
+          <a:blip r:embed="rId4"/>
+          <a:stretch>
+            <a:fillRect/>
+          </a:stretch>
+        </p:blipFill>
+        <p:spPr>
+          <a:xfrm>
+            <a:off x="3752703" y="3822484"/>
+            <a:ext cx="4006706" cy="3035516"/>
+          </a:xfrm>
+          <a:prstGeom prst="rect">
+            <a:avLst/>
+          </a:prstGeom>
+        </p:spPr>
+      </p:pic>
+    </p:spTree>
+    <p:extLst>
+      <p:ext uri="{BB962C8B-B14F-4D97-AF65-F5344CB8AC3E}">
+        <p14:creationId xmlns:p14="http://schemas.microsoft.com/office/powerpoint/2010/main" val="4214951712"/>
+      </p:ext>
+    </p:extLst>
+  </p:cSld>
+  <p:clrMapOvr>
+    <a:masterClrMapping/>
+  </p:clrMapOvr>
+  <mc:AlternateContent xmlns:mc="http://schemas.openxmlformats.org/markup-compatibility/2006" xmlns:p159="http://schemas.microsoft.com/office/powerpoint/2015/09/main">
+    <mc:Choice Requires="p159">
+      <p:transition xmlns:p14="http://schemas.microsoft.com/office/powerpoint/2010/main" spd="slow" p14:dur="2000">
+        <p159:morph option="byObject"/>
+      </p:transition>
+    </mc:Choice>
+    <mc:Fallback xmlns="">
+      <p:transition spd="slow">
+        <p:fade/>
+      </p:transition>
+    </mc:Fallback>
+  </mc:AlternateContent>
+</p:sld>
+</file>
+
+<file path=ppt/slides/slide12.xml><?xml version="1.0" encoding="utf-8"?>
 <p:sld xmlns:a="http://schemas.openxmlformats.org/drawingml/2006/main" xmlns:r="http://schemas.openxmlformats.org/officeDocument/2006/relationships" xmlns:p="http://schemas.openxmlformats.org/presentationml/2006/main">
   <p:cSld>
     <p:spTree>
@@ -36733,7 +38175,7 @@
 </p:sld>
 </file>
 
-<file path=ppt/slides/slide11.xml><?xml version="1.0" encoding="utf-8"?>
+<file path=ppt/slides/slide13.xml><?xml version="1.0" encoding="utf-8"?>
 <p:sld xmlns:a="http://schemas.openxmlformats.org/drawingml/2006/main" xmlns:r="http://schemas.openxmlformats.org/officeDocument/2006/relationships" xmlns:p="http://schemas.openxmlformats.org/presentationml/2006/main">
   <p:cSld>
     <p:spTree>
@@ -37047,7 +38489,7 @@
 </p:sld>
 </file>
 
-<file path=ppt/slides/slide12.xml><?xml version="1.0" encoding="utf-8"?>
+<file path=ppt/slides/slide14.xml><?xml version="1.0" encoding="utf-8"?>
 <p:sld xmlns:a="http://schemas.openxmlformats.org/drawingml/2006/main" xmlns:r="http://schemas.openxmlformats.org/officeDocument/2006/relationships" xmlns:p="http://schemas.openxmlformats.org/presentationml/2006/main">
   <p:cSld>
     <p:spTree>
@@ -37452,7 +38894,7 @@
 </p:sld>
 </file>
 
-<file path=ppt/slides/slide13.xml><?xml version="1.0" encoding="utf-8"?>
+<file path=ppt/slides/slide15.xml><?xml version="1.0" encoding="utf-8"?>
 <p:sld xmlns:a="http://schemas.openxmlformats.org/drawingml/2006/main" xmlns:r="http://schemas.openxmlformats.org/officeDocument/2006/relationships" xmlns:p="http://schemas.openxmlformats.org/presentationml/2006/main">
   <p:cSld>
     <p:spTree>
@@ -37713,7 +39155,7 @@
 </p:sld>
 </file>
 
-<file path=ppt/slides/slide14.xml><?xml version="1.0" encoding="utf-8"?>
+<file path=ppt/slides/slide16.xml><?xml version="1.0" encoding="utf-8"?>
 <p:sld xmlns:a="http://schemas.openxmlformats.org/drawingml/2006/main" xmlns:r="http://schemas.openxmlformats.org/officeDocument/2006/relationships" xmlns:p="http://schemas.openxmlformats.org/presentationml/2006/main">
   <p:cSld>
     <p:spTree>
@@ -37990,7 +39432,793 @@
 </p:sld>
 </file>
 
-<file path=ppt/slides/slide15.xml><?xml version="1.0" encoding="utf-8"?>
+<file path=ppt/slides/slide17.xml><?xml version="1.0" encoding="utf-8"?>
+<p:sld xmlns:a="http://schemas.openxmlformats.org/drawingml/2006/main" xmlns:r="http://schemas.openxmlformats.org/officeDocument/2006/relationships" xmlns:p="http://schemas.openxmlformats.org/presentationml/2006/main">
+  <p:cSld>
+    <p:spTree>
+      <p:nvGrpSpPr>
+        <p:cNvPr id="1" name="">
+          <a:extLst>
+            <a:ext uri="{FF2B5EF4-FFF2-40B4-BE49-F238E27FC236}">
+              <a16:creationId xmlns:a16="http://schemas.microsoft.com/office/drawing/2014/main" id="{7CB93A96-57BA-36FD-89CE-927D0D703E7E}"/>
+            </a:ext>
+          </a:extLst>
+        </p:cNvPr>
+        <p:cNvGrpSpPr/>
+        <p:nvPr/>
+      </p:nvGrpSpPr>
+      <p:grpSpPr>
+        <a:xfrm>
+          <a:off x="0" y="0"/>
+          <a:ext cx="0" cy="0"/>
+          <a:chOff x="0" y="0"/>
+          <a:chExt cx="0" cy="0"/>
+        </a:xfrm>
+      </p:grpSpPr>
+      <p:sp>
+        <p:nvSpPr>
+          <p:cNvPr id="9" name="标题 8">
+            <a:extLst>
+              <a:ext uri="{FF2B5EF4-FFF2-40B4-BE49-F238E27FC236}">
+                <a16:creationId xmlns:a16="http://schemas.microsoft.com/office/drawing/2014/main" id="{345D16F3-9037-A63C-2A47-3BB1071F7B13}"/>
+              </a:ext>
+            </a:extLst>
+          </p:cNvPr>
+          <p:cNvSpPr>
+            <a:spLocks noGrp="1"/>
+          </p:cNvSpPr>
+          <p:nvPr>
+            <p:ph type="title"/>
+          </p:nvPr>
+        </p:nvSpPr>
+        <p:spPr>
+          <a:xfrm>
+            <a:off x="274320" y="228194"/>
+            <a:ext cx="10963473" cy="589190"/>
+          </a:xfrm>
+        </p:spPr>
+        <p:txBody>
+          <a:bodyPr/>
+          <a:lstStyle/>
+          <a:p>
+            <a:r>
+              <a:rPr lang="zh-CN" altLang="en-US" dirty="0"/>
+              <a:t>总结</a:t>
+            </a:r>
+          </a:p>
+        </p:txBody>
+      </p:sp>
+      <p:graphicFrame>
+        <p:nvGraphicFramePr>
+          <p:cNvPr id="2" name="Table 1">
+            <a:extLst>
+              <a:ext uri="{FF2B5EF4-FFF2-40B4-BE49-F238E27FC236}">
+                <a16:creationId xmlns:a16="http://schemas.microsoft.com/office/drawing/2014/main" id="{C30708C7-3400-065B-B2B6-F3950B125BCF}"/>
+              </a:ext>
+            </a:extLst>
+          </p:cNvPr>
+          <p:cNvGraphicFramePr>
+            <a:graphicFrameLocks noGrp="1"/>
+          </p:cNvGraphicFramePr>
+          <p:nvPr>
+            <p:extLst>
+              <p:ext uri="{D42A27DB-BD31-4B8C-83A1-F6EECF244321}">
+                <p14:modId xmlns:p14="http://schemas.microsoft.com/office/powerpoint/2010/main" val="2376825327"/>
+              </p:ext>
+            </p:extLst>
+          </p:nvPr>
+        </p:nvGraphicFramePr>
+        <p:xfrm>
+          <a:off x="1418374" y="1119808"/>
+          <a:ext cx="5420784" cy="4572000"/>
+        </p:xfrm>
+        <a:graphic>
+          <a:graphicData uri="http://schemas.openxmlformats.org/drawingml/2006/table">
+            <a:tbl>
+              <a:tblPr firstRow="1" bandRow="1">
+                <a:tableStyleId>{5DA37D80-6434-44D0-A028-1B22A696006F}</a:tableStyleId>
+              </a:tblPr>
+              <a:tblGrid>
+                <a:gridCol w="2710392">
+                  <a:extLst>
+                    <a:ext uri="{9D8B030D-6E8A-4147-A177-3AD203B41FA5}">
+                      <a16:colId xmlns:a16="http://schemas.microsoft.com/office/drawing/2014/main" val="1305525950"/>
+                    </a:ext>
+                  </a:extLst>
+                </a:gridCol>
+                <a:gridCol w="2710392">
+                  <a:extLst>
+                    <a:ext uri="{9D8B030D-6E8A-4147-A177-3AD203B41FA5}">
+                      <a16:colId xmlns:a16="http://schemas.microsoft.com/office/drawing/2014/main" val="3552036417"/>
+                    </a:ext>
+                  </a:extLst>
+                </a:gridCol>
+              </a:tblGrid>
+              <a:tr h="370840">
+                <a:tc>
+                  <a:txBody>
+                    <a:bodyPr/>
+                    <a:lstStyle/>
+                    <a:p>
+                      <a:r>
+                        <a:rPr lang="zh-CN" altLang="en-US" dirty="0"/>
+                        <a:t>因素</a:t>
+                      </a:r>
+                      <a:endParaRPr lang="en-SG" dirty="0"/>
+                    </a:p>
+                  </a:txBody>
+                  <a:tcPr/>
+                </a:tc>
+                <a:tc>
+                  <a:txBody>
+                    <a:bodyPr/>
+                    <a:lstStyle/>
+                    <a:p>
+                      <a:r>
+                        <a:rPr lang="zh-CN" altLang="en-US" dirty="0"/>
+                        <a:t>重要性</a:t>
+                      </a:r>
+                      <a:endParaRPr lang="en-SG" dirty="0"/>
+                    </a:p>
+                  </a:txBody>
+                  <a:tcPr/>
+                </a:tc>
+                <a:extLst>
+                  <a:ext uri="{0D108BD9-81ED-4DB2-BD59-A6C34878D82A}">
+                    <a16:rowId xmlns:a16="http://schemas.microsoft.com/office/drawing/2014/main" val="3510066707"/>
+                  </a:ext>
+                </a:extLst>
+              </a:tr>
+              <a:tr h="370840">
+                <a:tc>
+                  <a:txBody>
+                    <a:bodyPr/>
+                    <a:lstStyle/>
+                    <a:p>
+                      <a:pPr marL="0" marR="0" lvl="0" indent="0" algn="l" defTabSz="1219200" rtl="0" eaLnBrk="1" fontAlgn="auto" latinLnBrk="0" hangingPunct="1">
+                        <a:lnSpc>
+                          <a:spcPct val="100000"/>
+                        </a:lnSpc>
+                        <a:spcBef>
+                          <a:spcPts val="0"/>
+                        </a:spcBef>
+                        <a:spcAft>
+                          <a:spcPts val="0"/>
+                        </a:spcAft>
+                        <a:buClrTx/>
+                        <a:buSzTx/>
+                        <a:buFontTx/>
+                        <a:buNone/>
+                        <a:tabLst/>
+                        <a:defRPr/>
+                      </a:pPr>
+                      <a:r>
+                        <a:rPr lang="zh-CN" altLang="en-US" sz="2400" kern="0" dirty="0">
+                          <a:solidFill>
+                            <a:srgbClr val="374154"/>
+                          </a:solidFill>
+                          <a:latin typeface="Lexend" pitchFamily="2" charset="0"/>
+                          <a:ea typeface="微软雅黑" pitchFamily="34" charset="-122"/>
+                        </a:rPr>
+                        <a:t>模型规模</a:t>
+                      </a:r>
+                      <a:endParaRPr lang="en-SG" altLang="zh-CN" sz="2400" kern="0" dirty="0">
+                        <a:solidFill>
+                          <a:srgbClr val="374154"/>
+                        </a:solidFill>
+                        <a:latin typeface="Lexend" pitchFamily="2" charset="0"/>
+                        <a:ea typeface="微软雅黑" pitchFamily="34" charset="-122"/>
+                      </a:endParaRPr>
+                    </a:p>
+                  </a:txBody>
+                  <a:tcPr/>
+                </a:tc>
+                <a:tc>
+                  <a:txBody>
+                    <a:bodyPr/>
+                    <a:lstStyle/>
+                    <a:p>
+                      <a:r>
+                        <a:rPr lang="zh-CN" altLang="en-US" dirty="0"/>
+                        <a:t>高</a:t>
+                      </a:r>
+                      <a:endParaRPr lang="en-SG" dirty="0"/>
+                    </a:p>
+                  </a:txBody>
+                  <a:tcPr/>
+                </a:tc>
+                <a:extLst>
+                  <a:ext uri="{0D108BD9-81ED-4DB2-BD59-A6C34878D82A}">
+                    <a16:rowId xmlns:a16="http://schemas.microsoft.com/office/drawing/2014/main" val="3777539672"/>
+                  </a:ext>
+                </a:extLst>
+              </a:tr>
+              <a:tr h="370840">
+                <a:tc>
+                  <a:txBody>
+                    <a:bodyPr/>
+                    <a:lstStyle/>
+                    <a:p>
+                      <a:pPr marL="0" marR="0" lvl="0" indent="0" algn="l" defTabSz="1219200" rtl="0" eaLnBrk="1" fontAlgn="auto" latinLnBrk="0" hangingPunct="1">
+                        <a:lnSpc>
+                          <a:spcPct val="100000"/>
+                        </a:lnSpc>
+                        <a:spcBef>
+                          <a:spcPts val="0"/>
+                        </a:spcBef>
+                        <a:spcAft>
+                          <a:spcPts val="0"/>
+                        </a:spcAft>
+                        <a:buClrTx/>
+                        <a:buSzTx/>
+                        <a:buFontTx/>
+                        <a:buNone/>
+                        <a:tabLst/>
+                        <a:defRPr/>
+                      </a:pPr>
+                      <a:r>
+                        <a:rPr lang="zh-CN" altLang="en-US" sz="2400" kern="0" dirty="0">
+                          <a:solidFill>
+                            <a:srgbClr val="374154"/>
+                          </a:solidFill>
+                          <a:latin typeface="Lexend" pitchFamily="2" charset="0"/>
+                          <a:ea typeface="微软雅黑" pitchFamily="34" charset="-122"/>
+                        </a:rPr>
+                        <a:t>数据集规模</a:t>
+                      </a:r>
+                      <a:endParaRPr lang="en-SG" altLang="zh-CN" sz="2400" kern="0" dirty="0">
+                        <a:solidFill>
+                          <a:srgbClr val="374154"/>
+                        </a:solidFill>
+                        <a:latin typeface="Lexend" pitchFamily="2" charset="0"/>
+                        <a:ea typeface="微软雅黑" pitchFamily="34" charset="-122"/>
+                      </a:endParaRPr>
+                    </a:p>
+                  </a:txBody>
+                  <a:tcPr/>
+                </a:tc>
+                <a:tc>
+                  <a:txBody>
+                    <a:bodyPr/>
+                    <a:lstStyle/>
+                    <a:p>
+                      <a:r>
+                        <a:rPr lang="zh-CN" altLang="en-US" dirty="0"/>
+                        <a:t>高</a:t>
+                      </a:r>
+                      <a:endParaRPr lang="en-SG" dirty="0"/>
+                    </a:p>
+                  </a:txBody>
+                  <a:tcPr/>
+                </a:tc>
+                <a:extLst>
+                  <a:ext uri="{0D108BD9-81ED-4DB2-BD59-A6C34878D82A}">
+                    <a16:rowId xmlns:a16="http://schemas.microsoft.com/office/drawing/2014/main" val="1930463740"/>
+                  </a:ext>
+                </a:extLst>
+              </a:tr>
+              <a:tr h="370840">
+                <a:tc>
+                  <a:txBody>
+                    <a:bodyPr/>
+                    <a:lstStyle/>
+                    <a:p>
+                      <a:pPr marL="0" marR="0" lvl="0" indent="0" algn="l" defTabSz="1219200" rtl="0" eaLnBrk="1" fontAlgn="auto" latinLnBrk="0" hangingPunct="1">
+                        <a:lnSpc>
+                          <a:spcPct val="100000"/>
+                        </a:lnSpc>
+                        <a:spcBef>
+                          <a:spcPts val="0"/>
+                        </a:spcBef>
+                        <a:spcAft>
+                          <a:spcPts val="0"/>
+                        </a:spcAft>
+                        <a:buClrTx/>
+                        <a:buSzTx/>
+                        <a:buFontTx/>
+                        <a:buNone/>
+                        <a:tabLst/>
+                        <a:defRPr/>
+                      </a:pPr>
+                      <a:r>
+                        <a:rPr lang="zh-CN" altLang="en-US" sz="2400" kern="0" dirty="0">
+                          <a:solidFill>
+                            <a:srgbClr val="374154"/>
+                          </a:solidFill>
+                          <a:latin typeface="Lexend" pitchFamily="2" charset="0"/>
+                          <a:ea typeface="微软雅黑" pitchFamily="34" charset="-122"/>
+                        </a:rPr>
+                        <a:t>训练所用计算资源</a:t>
+                      </a:r>
+                      <a:endParaRPr lang="en-SG" altLang="zh-CN" sz="2400" kern="0" dirty="0">
+                        <a:solidFill>
+                          <a:srgbClr val="374154"/>
+                        </a:solidFill>
+                        <a:latin typeface="Lexend" pitchFamily="2" charset="0"/>
+                        <a:ea typeface="微软雅黑" pitchFamily="34" charset="-122"/>
+                      </a:endParaRPr>
+                    </a:p>
+                  </a:txBody>
+                  <a:tcPr/>
+                </a:tc>
+                <a:tc>
+                  <a:txBody>
+                    <a:bodyPr/>
+                    <a:lstStyle/>
+                    <a:p>
+                      <a:r>
+                        <a:rPr lang="zh-CN" altLang="en-US" dirty="0"/>
+                        <a:t>高</a:t>
+                      </a:r>
+                      <a:endParaRPr lang="en-SG" dirty="0"/>
+                    </a:p>
+                  </a:txBody>
+                  <a:tcPr/>
+                </a:tc>
+                <a:extLst>
+                  <a:ext uri="{0D108BD9-81ED-4DB2-BD59-A6C34878D82A}">
+                    <a16:rowId xmlns:a16="http://schemas.microsoft.com/office/drawing/2014/main" val="4073075769"/>
+                  </a:ext>
+                </a:extLst>
+              </a:tr>
+              <a:tr h="370840">
+                <a:tc>
+                  <a:txBody>
+                    <a:bodyPr/>
+                    <a:lstStyle/>
+                    <a:p>
+                      <a:pPr marL="0" marR="0" lvl="0" indent="0" algn="l" defTabSz="1219200" rtl="0" eaLnBrk="1" fontAlgn="auto" latinLnBrk="0" hangingPunct="1">
+                        <a:lnSpc>
+                          <a:spcPct val="100000"/>
+                        </a:lnSpc>
+                        <a:spcBef>
+                          <a:spcPts val="0"/>
+                        </a:spcBef>
+                        <a:spcAft>
+                          <a:spcPts val="0"/>
+                        </a:spcAft>
+                        <a:buClrTx/>
+                        <a:buSzTx/>
+                        <a:buFontTx/>
+                        <a:buNone/>
+                        <a:tabLst/>
+                        <a:defRPr/>
+                      </a:pPr>
+                      <a:r>
+                        <a:rPr lang="en-US" altLang="zh-CN" sz="2400" kern="0" dirty="0">
+                          <a:solidFill>
+                            <a:srgbClr val="374154"/>
+                          </a:solidFill>
+                          <a:latin typeface="Lexend" pitchFamily="2" charset="0"/>
+                          <a:ea typeface="微软雅黑" pitchFamily="34" charset="-122"/>
+                        </a:rPr>
+                        <a:t>Batch Size</a:t>
+                      </a:r>
+                      <a:r>
+                        <a:rPr lang="zh-CN" altLang="en-US" sz="2400" kern="0" dirty="0">
+                          <a:solidFill>
+                            <a:srgbClr val="374154"/>
+                          </a:solidFill>
+                          <a:latin typeface="Lexend" pitchFamily="2" charset="0"/>
+                          <a:ea typeface="微软雅黑" pitchFamily="34" charset="-122"/>
+                        </a:rPr>
+                        <a:t> </a:t>
+                      </a:r>
+                      <a:endParaRPr lang="en-SG" altLang="zh-CN" sz="2400" kern="0" dirty="0">
+                        <a:solidFill>
+                          <a:srgbClr val="374154"/>
+                        </a:solidFill>
+                        <a:latin typeface="Lexend" pitchFamily="2" charset="0"/>
+                        <a:ea typeface="微软雅黑" pitchFamily="34" charset="-122"/>
+                      </a:endParaRPr>
+                    </a:p>
+                  </a:txBody>
+                  <a:tcPr/>
+                </a:tc>
+                <a:tc>
+                  <a:txBody>
+                    <a:bodyPr/>
+                    <a:lstStyle/>
+                    <a:p>
+                      <a:r>
+                        <a:rPr lang="zh-CN" altLang="en-US" dirty="0"/>
+                        <a:t>中</a:t>
+                      </a:r>
+                      <a:endParaRPr lang="en-SG" dirty="0"/>
+                    </a:p>
+                  </a:txBody>
+                  <a:tcPr/>
+                </a:tc>
+                <a:extLst>
+                  <a:ext uri="{0D108BD9-81ED-4DB2-BD59-A6C34878D82A}">
+                    <a16:rowId xmlns:a16="http://schemas.microsoft.com/office/drawing/2014/main" val="2716800851"/>
+                  </a:ext>
+                </a:extLst>
+              </a:tr>
+              <a:tr h="370840">
+                <a:tc>
+                  <a:txBody>
+                    <a:bodyPr/>
+                    <a:lstStyle/>
+                    <a:p>
+                      <a:pPr marL="0" marR="0" lvl="0" indent="0" algn="l" defTabSz="1219200" rtl="0" eaLnBrk="1" fontAlgn="auto" latinLnBrk="0" hangingPunct="1">
+                        <a:lnSpc>
+                          <a:spcPct val="100000"/>
+                        </a:lnSpc>
+                        <a:spcBef>
+                          <a:spcPts val="0"/>
+                        </a:spcBef>
+                        <a:spcAft>
+                          <a:spcPts val="0"/>
+                        </a:spcAft>
+                        <a:buClrTx/>
+                        <a:buSzTx/>
+                        <a:buFontTx/>
+                        <a:buNone/>
+                        <a:tabLst/>
+                        <a:defRPr/>
+                      </a:pPr>
+                      <a:r>
+                        <a:rPr lang="zh-CN" altLang="en-US" sz="2400" kern="0" dirty="0">
+                          <a:solidFill>
+                            <a:srgbClr val="374154"/>
+                          </a:solidFill>
+                          <a:latin typeface="Lexend" pitchFamily="2" charset="0"/>
+                          <a:ea typeface="微软雅黑" pitchFamily="34" charset="-122"/>
+                        </a:rPr>
+                        <a:t>学习率</a:t>
+                      </a:r>
+                      <a:endParaRPr lang="en-SG" altLang="zh-CN" sz="2400" kern="0" dirty="0">
+                        <a:solidFill>
+                          <a:srgbClr val="374154"/>
+                        </a:solidFill>
+                        <a:latin typeface="Lexend" pitchFamily="2" charset="0"/>
+                        <a:ea typeface="微软雅黑" pitchFamily="34" charset="-122"/>
+                      </a:endParaRPr>
+                    </a:p>
+                  </a:txBody>
+                  <a:tcPr/>
+                </a:tc>
+                <a:tc>
+                  <a:txBody>
+                    <a:bodyPr/>
+                    <a:lstStyle/>
+                    <a:p>
+                      <a:r>
+                        <a:rPr lang="zh-CN" altLang="en-US"/>
+                        <a:t>中</a:t>
+                      </a:r>
+                      <a:endParaRPr lang="en-SG" dirty="0"/>
+                    </a:p>
+                  </a:txBody>
+                  <a:tcPr/>
+                </a:tc>
+                <a:extLst>
+                  <a:ext uri="{0D108BD9-81ED-4DB2-BD59-A6C34878D82A}">
+                    <a16:rowId xmlns:a16="http://schemas.microsoft.com/office/drawing/2014/main" val="2819949986"/>
+                  </a:ext>
+                </a:extLst>
+              </a:tr>
+              <a:tr h="370840">
+                <a:tc>
+                  <a:txBody>
+                    <a:bodyPr/>
+                    <a:lstStyle/>
+                    <a:p>
+                      <a:pPr marL="0" marR="0" lvl="0" indent="0" algn="l" defTabSz="1219200" rtl="0" eaLnBrk="1" fontAlgn="auto" latinLnBrk="0" hangingPunct="1">
+                        <a:lnSpc>
+                          <a:spcPct val="100000"/>
+                        </a:lnSpc>
+                        <a:spcBef>
+                          <a:spcPts val="0"/>
+                        </a:spcBef>
+                        <a:spcAft>
+                          <a:spcPts val="0"/>
+                        </a:spcAft>
+                        <a:buClrTx/>
+                        <a:buSzTx/>
+                        <a:buFontTx/>
+                        <a:buNone/>
+                        <a:tabLst/>
+                        <a:defRPr/>
+                      </a:pPr>
+                      <a:r>
+                        <a:rPr lang="zh-CN" altLang="en-US" sz="2400" kern="0" dirty="0">
+                          <a:solidFill>
+                            <a:srgbClr val="374154"/>
+                          </a:solidFill>
+                          <a:latin typeface="Lexend" pitchFamily="2" charset="0"/>
+                          <a:ea typeface="微软雅黑" pitchFamily="34" charset="-122"/>
+                        </a:rPr>
+                        <a:t>模型结构</a:t>
+                      </a:r>
+                      <a:endParaRPr lang="en-SG" altLang="zh-CN" sz="2400" kern="0" dirty="0">
+                        <a:solidFill>
+                          <a:srgbClr val="374154"/>
+                        </a:solidFill>
+                        <a:latin typeface="Lexend" pitchFamily="2" charset="0"/>
+                        <a:ea typeface="微软雅黑" pitchFamily="34" charset="-122"/>
+                      </a:endParaRPr>
+                    </a:p>
+                  </a:txBody>
+                  <a:tcPr/>
+                </a:tc>
+                <a:tc>
+                  <a:txBody>
+                    <a:bodyPr/>
+                    <a:lstStyle/>
+                    <a:p>
+                      <a:pPr marL="0" marR="0" lvl="0" indent="0" algn="l" defTabSz="1219200" rtl="0" eaLnBrk="1" fontAlgn="auto" latinLnBrk="0" hangingPunct="1">
+                        <a:lnSpc>
+                          <a:spcPct val="100000"/>
+                        </a:lnSpc>
+                        <a:spcBef>
+                          <a:spcPts val="0"/>
+                        </a:spcBef>
+                        <a:spcAft>
+                          <a:spcPts val="0"/>
+                        </a:spcAft>
+                        <a:buClrTx/>
+                        <a:buSzTx/>
+                        <a:buFontTx/>
+                        <a:buNone/>
+                        <a:tabLst/>
+                        <a:defRPr/>
+                      </a:pPr>
+                      <a:r>
+                        <a:rPr lang="zh-CN" altLang="en-US" dirty="0"/>
+                        <a:t>低</a:t>
+                      </a:r>
+                      <a:endParaRPr lang="en-SG" dirty="0"/>
+                    </a:p>
+                  </a:txBody>
+                  <a:tcPr/>
+                </a:tc>
+                <a:extLst>
+                  <a:ext uri="{0D108BD9-81ED-4DB2-BD59-A6C34878D82A}">
+                    <a16:rowId xmlns:a16="http://schemas.microsoft.com/office/drawing/2014/main" val="2858370998"/>
+                  </a:ext>
+                </a:extLst>
+              </a:tr>
+              <a:tr h="370840">
+                <a:tc>
+                  <a:txBody>
+                    <a:bodyPr/>
+                    <a:lstStyle/>
+                    <a:p>
+                      <a:pPr marL="0" marR="0" lvl="0" indent="0" algn="l" defTabSz="1219200" rtl="0" eaLnBrk="1" fontAlgn="auto" latinLnBrk="0" hangingPunct="1">
+                        <a:lnSpc>
+                          <a:spcPct val="100000"/>
+                        </a:lnSpc>
+                        <a:spcBef>
+                          <a:spcPts val="0"/>
+                        </a:spcBef>
+                        <a:spcAft>
+                          <a:spcPts val="0"/>
+                        </a:spcAft>
+                        <a:buClrTx/>
+                        <a:buSzTx/>
+                        <a:buFontTx/>
+                        <a:buNone/>
+                        <a:tabLst/>
+                        <a:defRPr/>
+                      </a:pPr>
+                      <a:r>
+                        <a:rPr lang="zh-CN" altLang="en-US" sz="2400" kern="0" dirty="0">
+                          <a:solidFill>
+                            <a:srgbClr val="374154"/>
+                          </a:solidFill>
+                          <a:latin typeface="Lexend" pitchFamily="2" charset="0"/>
+                          <a:ea typeface="微软雅黑" pitchFamily="34" charset="-122"/>
+                        </a:rPr>
+                        <a:t>上下文长度</a:t>
+                      </a:r>
+                      <a:endParaRPr lang="en-SG" altLang="zh-CN" sz="2400" kern="0" dirty="0">
+                        <a:solidFill>
+                          <a:srgbClr val="374154"/>
+                        </a:solidFill>
+                        <a:latin typeface="Lexend" pitchFamily="2" charset="0"/>
+                        <a:ea typeface="微软雅黑" pitchFamily="34" charset="-122"/>
+                      </a:endParaRPr>
+                    </a:p>
+                  </a:txBody>
+                  <a:tcPr/>
+                </a:tc>
+                <a:tc>
+                  <a:txBody>
+                    <a:bodyPr/>
+                    <a:lstStyle/>
+                    <a:p>
+                      <a:r>
+                        <a:rPr lang="zh-CN" altLang="en-US" dirty="0"/>
+                        <a:t>低</a:t>
+                      </a:r>
+                      <a:endParaRPr lang="en-SG" dirty="0"/>
+                    </a:p>
+                  </a:txBody>
+                  <a:tcPr/>
+                </a:tc>
+                <a:extLst>
+                  <a:ext uri="{0D108BD9-81ED-4DB2-BD59-A6C34878D82A}">
+                    <a16:rowId xmlns:a16="http://schemas.microsoft.com/office/drawing/2014/main" val="3968058480"/>
+                  </a:ext>
+                </a:extLst>
+              </a:tr>
+              <a:tr h="370840">
+                <a:tc>
+                  <a:txBody>
+                    <a:bodyPr/>
+                    <a:lstStyle/>
+                    <a:p>
+                      <a:pPr marL="0" marR="0" lvl="0" indent="0" algn="l" defTabSz="1219200" rtl="0" eaLnBrk="1" fontAlgn="auto" latinLnBrk="0" hangingPunct="1">
+                        <a:lnSpc>
+                          <a:spcPct val="100000"/>
+                        </a:lnSpc>
+                        <a:spcBef>
+                          <a:spcPts val="0"/>
+                        </a:spcBef>
+                        <a:spcAft>
+                          <a:spcPts val="0"/>
+                        </a:spcAft>
+                        <a:buClrTx/>
+                        <a:buSzTx/>
+                        <a:buFontTx/>
+                        <a:buNone/>
+                        <a:tabLst/>
+                        <a:defRPr/>
+                      </a:pPr>
+                      <a:r>
+                        <a:rPr lang="zh-CN" altLang="en-US" sz="2400" kern="0" dirty="0">
+                          <a:solidFill>
+                            <a:srgbClr val="374154"/>
+                          </a:solidFill>
+                          <a:latin typeface="Lexend" pitchFamily="2" charset="0"/>
+                          <a:ea typeface="微软雅黑" pitchFamily="34" charset="-122"/>
+                        </a:rPr>
+                        <a:t>数据域外分布</a:t>
+                      </a:r>
+                      <a:endParaRPr lang="en-SG" altLang="zh-CN" sz="2400" kern="0" dirty="0">
+                        <a:solidFill>
+                          <a:srgbClr val="374154"/>
+                        </a:solidFill>
+                        <a:latin typeface="Lexend" pitchFamily="2" charset="0"/>
+                        <a:ea typeface="微软雅黑" pitchFamily="34" charset="-122"/>
+                      </a:endParaRPr>
+                    </a:p>
+                  </a:txBody>
+                  <a:tcPr/>
+                </a:tc>
+                <a:tc>
+                  <a:txBody>
+                    <a:bodyPr/>
+                    <a:lstStyle/>
+                    <a:p>
+                      <a:r>
+                        <a:rPr lang="zh-CN" altLang="en-US" dirty="0"/>
+                        <a:t>低</a:t>
+                      </a:r>
+                      <a:endParaRPr lang="en-SG" dirty="0"/>
+                    </a:p>
+                  </a:txBody>
+                  <a:tcPr/>
+                </a:tc>
+                <a:extLst>
+                  <a:ext uri="{0D108BD9-81ED-4DB2-BD59-A6C34878D82A}">
+                    <a16:rowId xmlns:a16="http://schemas.microsoft.com/office/drawing/2014/main" val="3375972151"/>
+                  </a:ext>
+                </a:extLst>
+              </a:tr>
+              <a:tr h="370840">
+                <a:tc>
+                  <a:txBody>
+                    <a:bodyPr/>
+                    <a:lstStyle/>
+                    <a:p>
+                      <a:pPr marL="0" marR="0" lvl="0" indent="0" algn="l" defTabSz="1219200" rtl="0" eaLnBrk="1" fontAlgn="auto" latinLnBrk="0" hangingPunct="1">
+                        <a:lnSpc>
+                          <a:spcPct val="100000"/>
+                        </a:lnSpc>
+                        <a:spcBef>
+                          <a:spcPts val="0"/>
+                        </a:spcBef>
+                        <a:spcAft>
+                          <a:spcPts val="0"/>
+                        </a:spcAft>
+                        <a:buClrTx/>
+                        <a:buSzTx/>
+                        <a:buFontTx/>
+                        <a:buNone/>
+                        <a:tabLst/>
+                        <a:defRPr/>
+                      </a:pPr>
+                      <a:r>
+                        <a:rPr lang="zh-CN" altLang="en-US" sz="2400" kern="0" dirty="0">
+                          <a:solidFill>
+                            <a:srgbClr val="374154"/>
+                          </a:solidFill>
+                          <a:latin typeface="Lexend" pitchFamily="2" charset="0"/>
+                          <a:ea typeface="微软雅黑" pitchFamily="34" charset="-122"/>
+                        </a:rPr>
+                        <a:t>优化器</a:t>
+                      </a:r>
+                      <a:endParaRPr lang="en-SG" altLang="zh-CN" sz="2400" kern="0" dirty="0">
+                        <a:solidFill>
+                          <a:srgbClr val="374154"/>
+                        </a:solidFill>
+                        <a:latin typeface="Lexend" pitchFamily="2" charset="0"/>
+                        <a:ea typeface="微软雅黑" pitchFamily="34" charset="-122"/>
+                      </a:endParaRPr>
+                    </a:p>
+                  </a:txBody>
+                  <a:tcPr/>
+                </a:tc>
+                <a:tc>
+                  <a:txBody>
+                    <a:bodyPr/>
+                    <a:lstStyle/>
+                    <a:p>
+                      <a:pPr marL="0" marR="0" lvl="0" indent="0" algn="l" defTabSz="1219200" rtl="0" eaLnBrk="1" fontAlgn="auto" latinLnBrk="0" hangingPunct="1">
+                        <a:lnSpc>
+                          <a:spcPct val="100000"/>
+                        </a:lnSpc>
+                        <a:spcBef>
+                          <a:spcPts val="0"/>
+                        </a:spcBef>
+                        <a:spcAft>
+                          <a:spcPts val="0"/>
+                        </a:spcAft>
+                        <a:buClrTx/>
+                        <a:buSzTx/>
+                        <a:buFontTx/>
+                        <a:buNone/>
+                        <a:tabLst/>
+                        <a:defRPr/>
+                      </a:pPr>
+                      <a:r>
+                        <a:rPr lang="zh-CN" altLang="en-US"/>
+                        <a:t>低</a:t>
+                      </a:r>
+                      <a:endParaRPr lang="en-SG"/>
+                    </a:p>
+                  </a:txBody>
+                  <a:tcPr/>
+                </a:tc>
+                <a:extLst>
+                  <a:ext uri="{0D108BD9-81ED-4DB2-BD59-A6C34878D82A}">
+                    <a16:rowId xmlns:a16="http://schemas.microsoft.com/office/drawing/2014/main" val="1204388571"/>
+                  </a:ext>
+                </a:extLst>
+              </a:tr>
+            </a:tbl>
+          </a:graphicData>
+        </a:graphic>
+      </p:graphicFrame>
+    </p:spTree>
+    <p:extLst>
+      <p:ext uri="{BB962C8B-B14F-4D97-AF65-F5344CB8AC3E}">
+        <p14:creationId xmlns:p14="http://schemas.microsoft.com/office/powerpoint/2010/main" val="4037446444"/>
+      </p:ext>
+    </p:extLst>
+  </p:cSld>
+  <p:clrMapOvr>
+    <a:masterClrMapping/>
+  </p:clrMapOvr>
+  <mc:AlternateContent xmlns:mc="http://schemas.openxmlformats.org/markup-compatibility/2006" xmlns:p159="http://schemas.microsoft.com/office/powerpoint/2015/09/main">
+    <mc:Choice Requires="p159">
+      <p:transition xmlns:p14="http://schemas.microsoft.com/office/powerpoint/2010/main" spd="slow" p14:dur="2000">
+        <p159:morph option="byObject"/>
+      </p:transition>
+    </mc:Choice>
+    <mc:Fallback xmlns="">
+      <p:transition spd="slow">
+        <p:fade/>
+      </p:transition>
+    </mc:Fallback>
+  </mc:AlternateContent>
+</p:sld>
+</file>
+
+<file path=ppt/slides/slide18.xml><?xml version="1.0" encoding="utf-8"?>
 <p:sld xmlns:a="http://schemas.openxmlformats.org/drawingml/2006/main" xmlns:r="http://schemas.openxmlformats.org/officeDocument/2006/relationships" xmlns:p="http://schemas.openxmlformats.org/presentationml/2006/main">
   <p:cSld>
     <p:spTree>
@@ -38032,7 +40260,7 @@
 </p:sld>
 </file>
 
-<file path=ppt/slides/slide16.xml><?xml version="1.0" encoding="utf-8"?>
+<file path=ppt/slides/slide19.xml><?xml version="1.0" encoding="utf-8"?>
 <p:sld xmlns:a="http://schemas.openxmlformats.org/drawingml/2006/main" xmlns:r="http://schemas.openxmlformats.org/officeDocument/2006/relationships" xmlns:p="http://schemas.openxmlformats.org/presentationml/2006/main">
   <p:cSld>
     <p:spTree>
@@ -38065,7 +40293,12 @@
             <p:ph type="title"/>
           </p:nvPr>
         </p:nvSpPr>
-        <p:spPr/>
+        <p:spPr>
+          <a:xfrm>
+            <a:off x="139930" y="107082"/>
+            <a:ext cx="10963473" cy="589190"/>
+          </a:xfrm>
+        </p:spPr>
         <p:txBody>
           <a:bodyPr/>
           <a:lstStyle/>
@@ -38095,8 +40328,8 @@
         </p:nvSpPr>
         <p:spPr>
           <a:xfrm>
-            <a:off x="623635" y="1246909"/>
-            <a:ext cx="11291274" cy="5108171"/>
+            <a:off x="365218" y="466236"/>
+            <a:ext cx="11291274" cy="6392969"/>
           </a:xfrm>
         </p:spPr>
         <p:txBody>
@@ -38119,7 +40352,11 @@
             </a:endParaRPr>
           </a:p>
           <a:p>
-            <a:pPr algn="l"/>
+            <a:pPr algn="l">
+              <a:spcAft>
+                <a:spcPts val="0"/>
+              </a:spcAft>
+            </a:pPr>
             <a:r>
               <a:rPr lang="en-SG" altLang="zh-CN" dirty="0"/>
               <a:t>Kaplan, Jared, et al. "Scaling laws for neural language models." </a:t>
@@ -38134,7 +40371,30 @@
             </a:r>
           </a:p>
           <a:p>
-            <a:pPr algn="l"/>
+            <a:pPr algn="l">
+              <a:spcAft>
+                <a:spcPts val="0"/>
+              </a:spcAft>
+            </a:pPr>
+            <a:r>
+              <a:rPr lang="en-SG" altLang="zh-CN" dirty="0"/>
+              <a:t>Hoffmann, Jordan, et al. "Training compute-optimal large language models." </a:t>
+            </a:r>
+            <a:r>
+              <a:rPr lang="en-SG" altLang="zh-CN" dirty="0" err="1"/>
+              <a:t>arXiv</a:t>
+            </a:r>
+            <a:r>
+              <a:rPr lang="en-SG" altLang="zh-CN" dirty="0"/>
+              <a:t> preprint arXiv:2203.15556 (2022).</a:t>
+            </a:r>
+          </a:p>
+          <a:p>
+            <a:pPr algn="l">
+              <a:spcAft>
+                <a:spcPts val="0"/>
+              </a:spcAft>
+            </a:pPr>
             <a:r>
               <a:rPr lang="en-US" altLang="zh-CN" dirty="0" err="1"/>
               <a:t>Hestness</a:t>
@@ -38153,7 +40413,11 @@
             </a:r>
           </a:p>
           <a:p>
-            <a:pPr algn="l"/>
+            <a:pPr algn="l">
+              <a:spcAft>
+                <a:spcPts val="0"/>
+              </a:spcAft>
+            </a:pPr>
             <a:r>
               <a:rPr lang="en-US" altLang="zh-CN" dirty="0"/>
               <a:t>McCandlish, Sam, et al. "An empirical model of large-batch training." </a:t>
@@ -38168,7 +40432,11 @@
             </a:r>
           </a:p>
           <a:p>
-            <a:pPr algn="l"/>
+            <a:pPr algn="l">
+              <a:spcAft>
+                <a:spcPts val="0"/>
+              </a:spcAft>
+            </a:pPr>
             <a:r>
               <a:rPr lang="en-SG" altLang="zh-CN" dirty="0"/>
               <a:t>Li, </a:t>
@@ -38191,10 +40459,37 @@
             </a:r>
           </a:p>
           <a:p>
-            <a:pPr algn="l"/>
+            <a:pPr algn="l">
+              <a:spcAft>
+                <a:spcPts val="0"/>
+              </a:spcAft>
+            </a:pPr>
             <a:r>
               <a:rPr lang="en-SG" altLang="zh-CN" dirty="0"/>
               <a:t>Yang, Ge, et al. "Tuning large neural networks via zero-shot hyperparameter transfer." Advances in Neural Information Processing Systems 34 (2021): 17084-17097.</a:t>
+            </a:r>
+          </a:p>
+          <a:p>
+            <a:pPr algn="l">
+              <a:spcAft>
+                <a:spcPts val="0"/>
+              </a:spcAft>
+            </a:pPr>
+            <a:r>
+              <a:rPr lang="en-US" altLang="zh-CN" dirty="0"/>
+              <a:t>CS336: Language Modeling from Scratch</a:t>
+            </a:r>
+            <a:r>
+              <a:rPr lang="en-SG" altLang="zh-CN" dirty="0"/>
+              <a:t>,</a:t>
+            </a:r>
+            <a:r>
+              <a:rPr lang="zh-CN" altLang="en-US" dirty="0"/>
+              <a:t> </a:t>
+            </a:r>
+            <a:r>
+              <a:rPr lang="en-US" altLang="zh-CN" dirty="0"/>
+              <a:t>Stanford / Spring 2025</a:t>
             </a:r>
             <a:endParaRPr lang="en" altLang="zh-CN" dirty="0"/>
           </a:p>
@@ -38717,7 +41012,7 @@
                 <a:latin typeface="Lexend" pitchFamily="2" charset="0"/>
                 <a:ea typeface="微软雅黑" pitchFamily="34" charset="-122"/>
               </a:rPr>
-              <a:t>学习率</a:t>
+              <a:t>数据域外分布</a:t>
             </a:r>
             <a:endParaRPr lang="en-SG" altLang="zh-CN" sz="2000" kern="0" dirty="0">
               <a:solidFill>
@@ -38743,7 +41038,7 @@
                 <a:latin typeface="Lexend" pitchFamily="2" charset="0"/>
                 <a:ea typeface="微软雅黑" pitchFamily="34" charset="-122"/>
               </a:rPr>
-              <a:t>数据域外分布</a:t>
+              <a:t>优化器</a:t>
             </a:r>
             <a:endParaRPr lang="en-SG" altLang="zh-CN" sz="2000" kern="0" dirty="0">
               <a:solidFill>
@@ -39060,7 +41355,7 @@
                 <a:r>
                   <a:rPr lang="zh-CN" altLang="en-US" sz="1800" kern="0" dirty="0">
                     <a:solidFill>
-                      <a:srgbClr val="374154"/>
+                      <a:schemeClr val="tx1"/>
                     </a:solidFill>
                     <a:latin typeface="+mj-ea"/>
                     <a:ea typeface="+mj-ea"/>
@@ -39075,7 +41370,7 @@
                       </m:rPr>
                       <a:rPr lang="en-SG" altLang="zh-CN" sz="1800" b="0" i="0" kern="0" smtClean="0">
                         <a:solidFill>
-                          <a:srgbClr val="374154"/>
+                          <a:schemeClr val="tx1"/>
                         </a:solidFill>
                         <a:latin typeface="Cambria Math" panose="02040503050406030204" pitchFamily="18" charset="0"/>
                         <a:ea typeface="+mj-ea"/>
@@ -39085,7 +41380,7 @@
                     <m:r>
                       <a:rPr lang="en-SG" altLang="zh-CN" sz="1800" b="0" i="1" kern="0" smtClean="0">
                         <a:solidFill>
-                          <a:srgbClr val="374154"/>
+                          <a:schemeClr val="tx1"/>
                         </a:solidFill>
                         <a:latin typeface="Cambria Math" panose="02040503050406030204" pitchFamily="18" charset="0"/>
                         <a:ea typeface="Cambria Math" panose="02040503050406030204" pitchFamily="18" charset="0"/>
@@ -39095,7 +41390,7 @@
                     <m:r>
                       <a:rPr lang="en-SG" altLang="zh-CN" sz="1800" b="0" i="0" kern="0" smtClean="0">
                         <a:solidFill>
-                          <a:srgbClr val="374154"/>
+                          <a:schemeClr val="tx1"/>
                         </a:solidFill>
                         <a:latin typeface="Cambria Math" panose="02040503050406030204" pitchFamily="18" charset="0"/>
                         <a:ea typeface="+mj-ea"/>
@@ -39108,7 +41403,7 @@
                       </m:rPr>
                       <a:rPr lang="en-SG" altLang="zh-CN" sz="1800" b="0" i="0" kern="0" smtClean="0">
                         <a:solidFill>
-                          <a:srgbClr val="374154"/>
+                          <a:schemeClr val="tx1"/>
                         </a:solidFill>
                         <a:latin typeface="Cambria Math" panose="02040503050406030204" pitchFamily="18" charset="0"/>
                         <a:ea typeface="+mj-ea"/>
@@ -39118,7 +41413,7 @@
                     <m:r>
                       <a:rPr lang="zh-CN" altLang="en-US" i="1" kern="0">
                         <a:solidFill>
-                          <a:srgbClr val="374154"/>
+                          <a:schemeClr val="tx1"/>
                         </a:solidFill>
                         <a:latin typeface="Cambria Math" panose="02040503050406030204" pitchFamily="18" charset="0"/>
                         <a:ea typeface="+mj-ea"/>
@@ -39131,7 +41426,7 @@
                       </m:rPr>
                       <a:rPr lang="en-SG" altLang="zh-CN" kern="0">
                         <a:solidFill>
-                          <a:srgbClr val="374154"/>
+                          <a:schemeClr val="tx1"/>
                         </a:solidFill>
                         <a:latin typeface="Cambria Math" panose="02040503050406030204" pitchFamily="18" charset="0"/>
                       </a:rPr>
@@ -39142,7 +41437,7 @@
                 <a:r>
                   <a:rPr lang="zh-CN" altLang="en-US" sz="1800" kern="0" dirty="0">
                     <a:solidFill>
-                      <a:srgbClr val="374154"/>
+                      <a:schemeClr val="tx1"/>
                     </a:solidFill>
                     <a:latin typeface="+mj-ea"/>
                     <a:ea typeface="+mj-ea"/>
@@ -39152,7 +41447,7 @@
                 <a:r>
                   <a:rPr lang="zh-CN" altLang="en-US" dirty="0">
                     <a:solidFill>
-                      <a:srgbClr val="292929"/>
+                      <a:schemeClr val="tx1"/>
                     </a:solidFill>
                     <a:latin typeface="+mj-ea"/>
                     <a:ea typeface="+mj-ea"/>
@@ -39164,7 +41459,7 @@
                     <m:r>
                       <a:rPr lang="en-SG" altLang="zh-CN" b="0" i="1" smtClean="0">
                         <a:solidFill>
-                          <a:srgbClr val="292929"/>
+                          <a:schemeClr val="tx1"/>
                         </a:solidFill>
                         <a:latin typeface="Cambria Math" panose="02040503050406030204" pitchFamily="18" charset="0"/>
                         <a:ea typeface="+mj-ea"/>
@@ -39176,7 +41471,7 @@
                 <a:r>
                   <a:rPr lang="zh-CN" altLang="en-US" dirty="0">
                     <a:solidFill>
-                      <a:srgbClr val="292929"/>
+                      <a:schemeClr val="tx1"/>
                     </a:solidFill>
                     <a:latin typeface="+mj-ea"/>
                     <a:ea typeface="+mj-ea"/>
@@ -39185,7 +41480,7 @@
                 </a:r>
                 <a:endParaRPr lang="en-SG" altLang="zh-CN" dirty="0">
                   <a:solidFill>
-                    <a:srgbClr val="292929"/>
+                    <a:schemeClr val="tx1"/>
                   </a:solidFill>
                   <a:latin typeface="+mj-ea"/>
                   <a:ea typeface="+mj-ea"/>
@@ -39432,6 +41727,42 @@
           </a:prstGeom>
         </p:spPr>
       </p:pic>
+      <p:sp>
+        <p:nvSpPr>
+          <p:cNvPr id="2" name="TextBox 1">
+            <a:extLst>
+              <a:ext uri="{FF2B5EF4-FFF2-40B4-BE49-F238E27FC236}">
+                <a16:creationId xmlns:a16="http://schemas.microsoft.com/office/drawing/2014/main" id="{6DF11F8F-5F44-A948-EB28-AB01637F8859}"/>
+              </a:ext>
+            </a:extLst>
+          </p:cNvPr>
+          <p:cNvSpPr txBox="1"/>
+          <p:nvPr/>
+        </p:nvSpPr>
+        <p:spPr>
+          <a:xfrm>
+            <a:off x="1239078" y="6405287"/>
+            <a:ext cx="1669774" cy="307777"/>
+          </a:xfrm>
+          <a:prstGeom prst="rect">
+            <a:avLst/>
+          </a:prstGeom>
+          <a:noFill/>
+        </p:spPr>
+        <p:txBody>
+          <a:bodyPr wrap="square">
+            <a:spAutoFit/>
+          </a:bodyPr>
+          <a:lstStyle/>
+          <a:p>
+            <a:r>
+              <a:rPr lang="en-SG" altLang="zh-CN" sz="1400" dirty="0"/>
+              <a:t>[Kaplan+ 2020]</a:t>
+            </a:r>
+            <a:endParaRPr lang="en-SG" sz="1400" dirty="0"/>
+          </a:p>
+        </p:txBody>
+      </p:sp>
     </p:spTree>
     <p:extLst>
       <p:ext uri="{BB962C8B-B14F-4D97-AF65-F5344CB8AC3E}">
@@ -39458,7 +41789,959 @@
 </file>
 
 <file path=ppt/slides/slide6.xml><?xml version="1.0" encoding="utf-8"?>
-<p:sld xmlns:a="http://schemas.openxmlformats.org/drawingml/2006/main" xmlns:r="http://schemas.openxmlformats.org/officeDocument/2006/relationships" xmlns:p="http://schemas.openxmlformats.org/presentationml/2006/main" show="0">
+<p:sld xmlns:a="http://schemas.openxmlformats.org/drawingml/2006/main" xmlns:r="http://schemas.openxmlformats.org/officeDocument/2006/relationships" xmlns:p="http://schemas.openxmlformats.org/presentationml/2006/main">
+  <p:cSld>
+    <p:spTree>
+      <p:nvGrpSpPr>
+        <p:cNvPr id="1" name="">
+          <a:extLst>
+            <a:ext uri="{FF2B5EF4-FFF2-40B4-BE49-F238E27FC236}">
+              <a16:creationId xmlns:a16="http://schemas.microsoft.com/office/drawing/2014/main" id="{39F28D81-D85F-F00D-4D46-756395780C06}"/>
+            </a:ext>
+          </a:extLst>
+        </p:cNvPr>
+        <p:cNvGrpSpPr/>
+        <p:nvPr/>
+      </p:nvGrpSpPr>
+      <p:grpSpPr>
+        <a:xfrm>
+          <a:off x="0" y="0"/>
+          <a:ext cx="0" cy="0"/>
+          <a:chOff x="0" y="0"/>
+          <a:chExt cx="0" cy="0"/>
+        </a:xfrm>
+      </p:grpSpPr>
+      <p:sp>
+        <p:nvSpPr>
+          <p:cNvPr id="9" name="标题 8">
+            <a:extLst>
+              <a:ext uri="{FF2B5EF4-FFF2-40B4-BE49-F238E27FC236}">
+                <a16:creationId xmlns:a16="http://schemas.microsoft.com/office/drawing/2014/main" id="{698EF693-36C4-78A4-AF15-A0E62BE57975}"/>
+              </a:ext>
+            </a:extLst>
+          </p:cNvPr>
+          <p:cNvSpPr>
+            <a:spLocks noGrp="1"/>
+          </p:cNvSpPr>
+          <p:nvPr>
+            <p:ph type="title"/>
+          </p:nvPr>
+        </p:nvSpPr>
+        <p:spPr>
+          <a:xfrm>
+            <a:off x="274320" y="228194"/>
+            <a:ext cx="10963473" cy="589190"/>
+          </a:xfrm>
+        </p:spPr>
+        <p:txBody>
+          <a:bodyPr/>
+          <a:lstStyle/>
+          <a:p>
+            <a:r>
+              <a:rPr lang="zh-CN" altLang="en-US" dirty="0"/>
+              <a:t>更多数据 </a:t>
+            </a:r>
+            <a:r>
+              <a:rPr lang="en-US" altLang="zh-CN" dirty="0"/>
+              <a:t>VS </a:t>
+            </a:r>
+            <a:r>
+              <a:rPr lang="zh-CN" altLang="en-US" dirty="0"/>
+              <a:t>更大模型？</a:t>
+            </a:r>
+          </a:p>
+        </p:txBody>
+      </p:sp>
+      <p:sp>
+        <p:nvSpPr>
+          <p:cNvPr id="5" name="TextBox 4">
+            <a:extLst>
+              <a:ext uri="{FF2B5EF4-FFF2-40B4-BE49-F238E27FC236}">
+                <a16:creationId xmlns:a16="http://schemas.microsoft.com/office/drawing/2014/main" id="{CC27D978-66BB-7412-726E-087E8AB47A52}"/>
+              </a:ext>
+            </a:extLst>
+          </p:cNvPr>
+          <p:cNvSpPr txBox="1"/>
+          <p:nvPr/>
+        </p:nvSpPr>
+        <p:spPr>
+          <a:xfrm>
+            <a:off x="338217" y="4324924"/>
+            <a:ext cx="10398080" cy="1938992"/>
+          </a:xfrm>
+          <a:prstGeom prst="rect">
+            <a:avLst/>
+          </a:prstGeom>
+          <a:noFill/>
+        </p:spPr>
+        <p:txBody>
+          <a:bodyPr wrap="square">
+            <a:spAutoFit/>
+          </a:bodyPr>
+          <a:lstStyle/>
+          <a:p>
+            <a:pPr>
+              <a:spcAft>
+                <a:spcPts val="600"/>
+              </a:spcAft>
+            </a:pPr>
+            <a:endParaRPr lang="en-SG" sz="2000" kern="0" dirty="0">
+              <a:solidFill>
+                <a:srgbClr val="374154"/>
+              </a:solidFill>
+              <a:latin typeface="Lexend" pitchFamily="2" charset="0"/>
+              <a:ea typeface="微软雅黑" pitchFamily="34" charset="-122"/>
+            </a:endParaRPr>
+          </a:p>
+          <a:p>
+            <a:pPr marL="342900" indent="-342900">
+              <a:spcAft>
+                <a:spcPts val="600"/>
+              </a:spcAft>
+              <a:buFont typeface="Arial" panose="020B0604020202020204" pitchFamily="34" charset="0"/>
+              <a:buChar char="•"/>
+            </a:pPr>
+            <a:r>
+              <a:rPr lang="zh-CN" altLang="en-US" sz="2000" kern="0" dirty="0">
+                <a:solidFill>
+                  <a:srgbClr val="374154"/>
+                </a:solidFill>
+                <a:latin typeface="Lexend" pitchFamily="2" charset="0"/>
+                <a:ea typeface="微软雅黑" pitchFamily="34" charset="-122"/>
+              </a:rPr>
+              <a:t>数据规模要与模型规模匹配</a:t>
+            </a:r>
+            <a:endParaRPr lang="en-SG" altLang="zh-CN" sz="2000" kern="0" dirty="0">
+              <a:solidFill>
+                <a:srgbClr val="374154"/>
+              </a:solidFill>
+              <a:latin typeface="Lexend" pitchFamily="2" charset="0"/>
+              <a:ea typeface="微软雅黑" pitchFamily="34" charset="-122"/>
+            </a:endParaRPr>
+          </a:p>
+          <a:p>
+            <a:pPr marL="342900" indent="-342900">
+              <a:spcAft>
+                <a:spcPts val="600"/>
+              </a:spcAft>
+              <a:buFont typeface="Arial" panose="020B0604020202020204" pitchFamily="34" charset="0"/>
+              <a:buChar char="•"/>
+            </a:pPr>
+            <a:r>
+              <a:rPr lang="zh-CN" altLang="en-US" sz="2000" kern="0" dirty="0">
+                <a:solidFill>
+                  <a:srgbClr val="374154"/>
+                </a:solidFill>
+                <a:latin typeface="Lexend" pitchFamily="2" charset="0"/>
+                <a:ea typeface="微软雅黑" pitchFamily="34" charset="-122"/>
+              </a:rPr>
+              <a:t>用大数据训练小模型会造成浪费 </a:t>
+            </a:r>
+            <a:endParaRPr lang="en-SG" altLang="zh-CN" sz="2000" kern="0" dirty="0">
+              <a:solidFill>
+                <a:srgbClr val="374154"/>
+              </a:solidFill>
+              <a:latin typeface="Lexend" pitchFamily="2" charset="0"/>
+              <a:ea typeface="微软雅黑" pitchFamily="34" charset="-122"/>
+            </a:endParaRPr>
+          </a:p>
+          <a:p>
+            <a:pPr algn="ctr">
+              <a:spcAft>
+                <a:spcPts val="600"/>
+              </a:spcAft>
+            </a:pPr>
+            <a:endParaRPr lang="en-SG" sz="2000" kern="0" dirty="0">
+              <a:solidFill>
+                <a:srgbClr val="374154"/>
+              </a:solidFill>
+              <a:latin typeface="Lexend" pitchFamily="2" charset="0"/>
+              <a:ea typeface="微软雅黑" pitchFamily="34" charset="-122"/>
+            </a:endParaRPr>
+          </a:p>
+          <a:p>
+            <a:pPr algn="ctr"/>
+            <a:endParaRPr lang="en-SG" sz="2000" kern="0" dirty="0">
+              <a:solidFill>
+                <a:srgbClr val="374154"/>
+              </a:solidFill>
+              <a:latin typeface="Lexend" pitchFamily="2" charset="0"/>
+              <a:ea typeface="微软雅黑" pitchFamily="34" charset="-122"/>
+            </a:endParaRPr>
+          </a:p>
+        </p:txBody>
+      </p:sp>
+      <p:pic>
+        <p:nvPicPr>
+          <p:cNvPr id="4" name="Picture 3">
+            <a:extLst>
+              <a:ext uri="{FF2B5EF4-FFF2-40B4-BE49-F238E27FC236}">
+                <a16:creationId xmlns:a16="http://schemas.microsoft.com/office/drawing/2014/main" id="{D308D700-4C0B-345B-2EA7-1E8C80E5C79B}"/>
+              </a:ext>
+            </a:extLst>
+          </p:cNvPr>
+          <p:cNvPicPr>
+            <a:picLocks noChangeAspect="1"/>
+          </p:cNvPicPr>
+          <p:nvPr/>
+        </p:nvPicPr>
+        <p:blipFill>
+          <a:blip r:embed="rId3"/>
+          <a:srcRect r="50671"/>
+          <a:stretch>
+            <a:fillRect/>
+          </a:stretch>
+        </p:blipFill>
+        <p:spPr>
+          <a:xfrm>
+            <a:off x="464219" y="1066985"/>
+            <a:ext cx="5715663" cy="3257939"/>
+          </a:xfrm>
+          <a:prstGeom prst="rect">
+            <a:avLst/>
+          </a:prstGeom>
+        </p:spPr>
+      </p:pic>
+      <mc:AlternateContent xmlns:mc="http://schemas.openxmlformats.org/markup-compatibility/2006" xmlns:a14="http://schemas.microsoft.com/office/drawing/2010/main">
+        <mc:Choice Requires="a14">
+          <p:sp>
+            <p:nvSpPr>
+              <p:cNvPr id="3" name="TextBox 2">
+                <a:extLst>
+                  <a:ext uri="{FF2B5EF4-FFF2-40B4-BE49-F238E27FC236}">
+                    <a16:creationId xmlns:a16="http://schemas.microsoft.com/office/drawing/2014/main" id="{DB9BFE46-449F-84C3-9513-D75AD6CDE97D}"/>
+                  </a:ext>
+                </a:extLst>
+              </p:cNvPr>
+              <p:cNvSpPr txBox="1"/>
+              <p:nvPr/>
+            </p:nvSpPr>
+            <p:spPr>
+              <a:xfrm>
+                <a:off x="4817165" y="1951612"/>
+                <a:ext cx="8269356" cy="1031308"/>
+              </a:xfrm>
+              <a:prstGeom prst="rect">
+                <a:avLst/>
+              </a:prstGeom>
+              <a:noFill/>
+            </p:spPr>
+            <p:txBody>
+              <a:bodyPr wrap="square">
+                <a:spAutoFit/>
+              </a:bodyPr>
+              <a:lstStyle/>
+              <a:p>
+                <a:pPr/>
+                <a14:m>
+                  <m:oMathPara xmlns:m="http://schemas.openxmlformats.org/officeDocument/2006/math">
+                    <m:oMathParaPr>
+                      <m:jc m:val="centerGroup"/>
+                    </m:oMathParaPr>
+                    <m:oMath xmlns:m="http://schemas.openxmlformats.org/officeDocument/2006/math">
+                      <m:r>
+                        <a:rPr lang="en-SG" altLang="zh-CN" sz="1800" kern="0" smtClean="0">
+                          <a:solidFill>
+                            <a:srgbClr val="374154"/>
+                          </a:solidFill>
+                          <a:latin typeface="Cambria Math" panose="02040503050406030204" pitchFamily="18" charset="0"/>
+                        </a:rPr>
+                        <m:t>𝐿</m:t>
+                      </m:r>
+                      <m:r>
+                        <a:rPr lang="en-SG" altLang="zh-CN" sz="1800" kern="0" smtClean="0">
+                          <a:solidFill>
+                            <a:srgbClr val="374154"/>
+                          </a:solidFill>
+                          <a:latin typeface="Cambria Math" panose="02040503050406030204" pitchFamily="18" charset="0"/>
+                        </a:rPr>
+                        <m:t> </m:t>
+                      </m:r>
+                      <m:d>
+                        <m:dPr>
+                          <m:ctrlPr>
+                            <a:rPr lang="en-SG" altLang="zh-CN" sz="1800" i="1" kern="0">
+                              <a:solidFill>
+                                <a:srgbClr val="374154"/>
+                              </a:solidFill>
+                              <a:latin typeface="Cambria Math" panose="02040503050406030204" pitchFamily="18" charset="0"/>
+                            </a:rPr>
+                          </m:ctrlPr>
+                        </m:dPr>
+                        <m:e>
+                          <m:r>
+                            <a:rPr lang="en-SG" altLang="zh-CN" sz="1800" kern="0">
+                              <a:solidFill>
+                                <a:srgbClr val="374154"/>
+                              </a:solidFill>
+                              <a:latin typeface="Cambria Math" panose="02040503050406030204" pitchFamily="18" charset="0"/>
+                            </a:rPr>
+                            <m:t>𝑁</m:t>
+                          </m:r>
+                          <m:r>
+                            <a:rPr lang="en-SG" altLang="zh-CN" sz="1800" b="0" i="0" kern="0" smtClean="0">
+                              <a:solidFill>
+                                <a:srgbClr val="374154"/>
+                              </a:solidFill>
+                              <a:latin typeface="Cambria Math" panose="02040503050406030204" pitchFamily="18" charset="0"/>
+                            </a:rPr>
+                            <m:t>, </m:t>
+                          </m:r>
+                          <m:r>
+                            <a:rPr lang="en-SG" altLang="zh-CN" sz="1800" b="0" i="1" kern="0" smtClean="0">
+                              <a:solidFill>
+                                <a:srgbClr val="374154"/>
+                              </a:solidFill>
+                              <a:latin typeface="Cambria Math" panose="02040503050406030204" pitchFamily="18" charset="0"/>
+                            </a:rPr>
+                            <m:t>𝐷</m:t>
+                          </m:r>
+                        </m:e>
+                      </m:d>
+                      <m:r>
+                        <a:rPr lang="en-SG" altLang="zh-CN" sz="1800" kern="0">
+                          <a:solidFill>
+                            <a:srgbClr val="374154"/>
+                          </a:solidFill>
+                          <a:latin typeface="Cambria Math" panose="02040503050406030204" pitchFamily="18" charset="0"/>
+                        </a:rPr>
+                        <m:t>=</m:t>
+                      </m:r>
+                      <m:sSup>
+                        <m:sSupPr>
+                          <m:ctrlPr>
+                            <a:rPr lang="en-SG" altLang="zh-CN" sz="1800" i="1" kern="0" smtClean="0">
+                              <a:solidFill>
+                                <a:srgbClr val="374154"/>
+                              </a:solidFill>
+                              <a:latin typeface="Cambria Math" panose="02040503050406030204" pitchFamily="18" charset="0"/>
+                            </a:rPr>
+                          </m:ctrlPr>
+                        </m:sSupPr>
+                        <m:e>
+                          <m:d>
+                            <m:dPr>
+                              <m:begChr m:val="["/>
+                              <m:endChr m:val="]"/>
+                              <m:ctrlPr>
+                                <a:rPr lang="en-SG" altLang="zh-CN" sz="1800" i="1" kern="0" smtClean="0">
+                                  <a:solidFill>
+                                    <a:srgbClr val="374154"/>
+                                  </a:solidFill>
+                                  <a:latin typeface="Cambria Math" panose="02040503050406030204" pitchFamily="18" charset="0"/>
+                                </a:rPr>
+                              </m:ctrlPr>
+                            </m:dPr>
+                            <m:e>
+                              <m:sSup>
+                                <m:sSupPr>
+                                  <m:ctrlPr>
+                                    <a:rPr lang="en-SG" altLang="zh-CN" sz="1800" i="1" kern="0">
+                                      <a:solidFill>
+                                        <a:srgbClr val="374154"/>
+                                      </a:solidFill>
+                                      <a:latin typeface="Cambria Math" panose="02040503050406030204" pitchFamily="18" charset="0"/>
+                                    </a:rPr>
+                                  </m:ctrlPr>
+                                </m:sSupPr>
+                                <m:e>
+                                  <m:d>
+                                    <m:dPr>
+                                      <m:ctrlPr>
+                                        <a:rPr lang="en-SG" altLang="zh-CN" sz="1800" i="1" kern="0">
+                                          <a:solidFill>
+                                            <a:srgbClr val="374154"/>
+                                          </a:solidFill>
+                                          <a:latin typeface="Cambria Math" panose="02040503050406030204" pitchFamily="18" charset="0"/>
+                                        </a:rPr>
+                                      </m:ctrlPr>
+                                    </m:dPr>
+                                    <m:e>
+                                      <m:f>
+                                        <m:fPr>
+                                          <m:ctrlPr>
+                                            <a:rPr lang="en-SG" altLang="zh-CN" sz="1800" i="1" kern="0">
+                                              <a:solidFill>
+                                                <a:srgbClr val="374154"/>
+                                              </a:solidFill>
+                                              <a:latin typeface="Cambria Math" panose="02040503050406030204" pitchFamily="18" charset="0"/>
+                                            </a:rPr>
+                                          </m:ctrlPr>
+                                        </m:fPr>
+                                        <m:num>
+                                          <m:r>
+                                            <a:rPr lang="en-SG" altLang="zh-CN" sz="1800" kern="0">
+                                              <a:solidFill>
+                                                <a:srgbClr val="374154"/>
+                                              </a:solidFill>
+                                              <a:latin typeface="Cambria Math" panose="02040503050406030204" pitchFamily="18" charset="0"/>
+                                            </a:rPr>
+                                            <m:t>8.8∗</m:t>
+                                          </m:r>
+                                          <m:sSup>
+                                            <m:sSupPr>
+                                              <m:ctrlPr>
+                                                <a:rPr lang="en-SG" altLang="zh-CN" sz="1800" i="1" kern="0">
+                                                  <a:solidFill>
+                                                    <a:srgbClr val="374154"/>
+                                                  </a:solidFill>
+                                                  <a:latin typeface="Cambria Math" panose="02040503050406030204" pitchFamily="18" charset="0"/>
+                                                </a:rPr>
+                                              </m:ctrlPr>
+                                            </m:sSupPr>
+                                            <m:e>
+                                              <m:r>
+                                                <a:rPr lang="en-SG" altLang="zh-CN" sz="1800" kern="0">
+                                                  <a:solidFill>
+                                                    <a:srgbClr val="374154"/>
+                                                  </a:solidFill>
+                                                  <a:latin typeface="Cambria Math" panose="02040503050406030204" pitchFamily="18" charset="0"/>
+                                                </a:rPr>
+                                                <m:t>10</m:t>
+                                              </m:r>
+                                            </m:e>
+                                            <m:sup>
+                                              <m:r>
+                                                <a:rPr lang="en-SG" altLang="zh-CN" sz="1800" kern="0">
+                                                  <a:solidFill>
+                                                    <a:srgbClr val="374154"/>
+                                                  </a:solidFill>
+                                                  <a:latin typeface="Cambria Math" panose="02040503050406030204" pitchFamily="18" charset="0"/>
+                                                </a:rPr>
+                                                <m:t>13</m:t>
+                                              </m:r>
+                                            </m:sup>
+                                          </m:sSup>
+                                        </m:num>
+                                        <m:den>
+                                          <m:r>
+                                            <a:rPr lang="en-SG" altLang="zh-CN" sz="1800" i="1" kern="0">
+                                              <a:solidFill>
+                                                <a:srgbClr val="374154"/>
+                                              </a:solidFill>
+                                              <a:latin typeface="Cambria Math" panose="02040503050406030204" pitchFamily="18" charset="0"/>
+                                            </a:rPr>
+                                            <m:t>𝑁</m:t>
+                                          </m:r>
+                                        </m:den>
+                                      </m:f>
+                                    </m:e>
+                                  </m:d>
+                                </m:e>
+                                <m:sup>
+                                  <m:f>
+                                    <m:fPr>
+                                      <m:ctrlPr>
+                                        <a:rPr lang="en-SG" altLang="zh-CN" sz="1800" i="1" kern="0">
+                                          <a:solidFill>
+                                            <a:srgbClr val="374154"/>
+                                          </a:solidFill>
+                                          <a:latin typeface="Cambria Math" panose="02040503050406030204" pitchFamily="18" charset="0"/>
+                                        </a:rPr>
+                                      </m:ctrlPr>
+                                    </m:fPr>
+                                    <m:num>
+                                      <m:r>
+                                        <a:rPr lang="en-SG" altLang="zh-CN" sz="1800" kern="0">
+                                          <a:solidFill>
+                                            <a:srgbClr val="374154"/>
+                                          </a:solidFill>
+                                          <a:latin typeface="Cambria Math" panose="02040503050406030204" pitchFamily="18" charset="0"/>
+                                        </a:rPr>
+                                        <m:t>0.076</m:t>
+                                      </m:r>
+                                    </m:num>
+                                    <m:den>
+                                      <m:r>
+                                        <a:rPr lang="en-SG" altLang="zh-CN" sz="1800" kern="0">
+                                          <a:solidFill>
+                                            <a:srgbClr val="374154"/>
+                                          </a:solidFill>
+                                          <a:latin typeface="Cambria Math" panose="02040503050406030204" pitchFamily="18" charset="0"/>
+                                        </a:rPr>
+                                        <m:t>0.09</m:t>
+                                      </m:r>
+                                      <m:r>
+                                        <a:rPr lang="en-SG" altLang="zh-CN" sz="1800" i="1" kern="0">
+                                          <a:solidFill>
+                                            <a:srgbClr val="374154"/>
+                                          </a:solidFill>
+                                          <a:latin typeface="Cambria Math" panose="02040503050406030204" pitchFamily="18" charset="0"/>
+                                        </a:rPr>
+                                        <m:t>5</m:t>
+                                      </m:r>
+                                    </m:den>
+                                  </m:f>
+                                </m:sup>
+                              </m:sSup>
+                              <m:r>
+                                <a:rPr lang="en-SG" altLang="zh-CN" sz="1800" i="1" kern="0">
+                                  <a:solidFill>
+                                    <a:srgbClr val="374154"/>
+                                  </a:solidFill>
+                                  <a:latin typeface="Cambria Math" panose="02040503050406030204" pitchFamily="18" charset="0"/>
+                                </a:rPr>
+                                <m:t>+</m:t>
+                              </m:r>
+                              <m:f>
+                                <m:fPr>
+                                  <m:ctrlPr>
+                                    <a:rPr lang="en-SG" altLang="zh-CN" sz="1800" i="1" kern="0">
+                                      <a:solidFill>
+                                        <a:srgbClr val="374154"/>
+                                      </a:solidFill>
+                                      <a:latin typeface="Cambria Math" panose="02040503050406030204" pitchFamily="18" charset="0"/>
+                                    </a:rPr>
+                                  </m:ctrlPr>
+                                </m:fPr>
+                                <m:num>
+                                  <m:r>
+                                    <a:rPr lang="en-SG" altLang="zh-CN" sz="1800" kern="0">
+                                      <a:solidFill>
+                                        <a:srgbClr val="374154"/>
+                                      </a:solidFill>
+                                      <a:latin typeface="Cambria Math" panose="02040503050406030204" pitchFamily="18" charset="0"/>
+                                    </a:rPr>
+                                    <m:t>5.4∗</m:t>
+                                  </m:r>
+                                  <m:sSup>
+                                    <m:sSupPr>
+                                      <m:ctrlPr>
+                                        <a:rPr lang="en-SG" altLang="zh-CN" sz="1800" i="1" kern="0">
+                                          <a:solidFill>
+                                            <a:srgbClr val="374154"/>
+                                          </a:solidFill>
+                                          <a:latin typeface="Cambria Math" panose="02040503050406030204" pitchFamily="18" charset="0"/>
+                                        </a:rPr>
+                                      </m:ctrlPr>
+                                    </m:sSupPr>
+                                    <m:e>
+                                      <m:r>
+                                        <a:rPr lang="en-SG" altLang="zh-CN" sz="1800" kern="0">
+                                          <a:solidFill>
+                                            <a:srgbClr val="374154"/>
+                                          </a:solidFill>
+                                          <a:latin typeface="Cambria Math" panose="02040503050406030204" pitchFamily="18" charset="0"/>
+                                        </a:rPr>
+                                        <m:t>10</m:t>
+                                      </m:r>
+                                    </m:e>
+                                    <m:sup>
+                                      <m:r>
+                                        <a:rPr lang="en-SG" altLang="zh-CN" sz="1800" kern="0">
+                                          <a:solidFill>
+                                            <a:srgbClr val="374154"/>
+                                          </a:solidFill>
+                                          <a:latin typeface="Cambria Math" panose="02040503050406030204" pitchFamily="18" charset="0"/>
+                                        </a:rPr>
+                                        <m:t>13</m:t>
+                                      </m:r>
+                                    </m:sup>
+                                  </m:sSup>
+                                </m:num>
+                                <m:den>
+                                  <m:r>
+                                    <a:rPr lang="en-SG" altLang="zh-CN" sz="1800" i="1" kern="0">
+                                      <a:solidFill>
+                                        <a:srgbClr val="374154"/>
+                                      </a:solidFill>
+                                      <a:latin typeface="Cambria Math" panose="02040503050406030204" pitchFamily="18" charset="0"/>
+                                    </a:rPr>
+                                    <m:t>𝐷</m:t>
+                                  </m:r>
+                                </m:den>
+                              </m:f>
+                            </m:e>
+                          </m:d>
+                        </m:e>
+                        <m:sup>
+                          <m:r>
+                            <a:rPr lang="en-SG" altLang="zh-CN" sz="1800" b="0" i="1" kern="0" smtClean="0">
+                              <a:solidFill>
+                                <a:srgbClr val="374154"/>
+                              </a:solidFill>
+                              <a:latin typeface="Cambria Math" panose="02040503050406030204" pitchFamily="18" charset="0"/>
+                            </a:rPr>
+                            <m:t>0.095</m:t>
+                          </m:r>
+                        </m:sup>
+                      </m:sSup>
+                    </m:oMath>
+                  </m:oMathPara>
+                </a14:m>
+                <a:endParaRPr lang="en-SG" dirty="0"/>
+              </a:p>
+            </p:txBody>
+          </p:sp>
+        </mc:Choice>
+        <mc:Fallback xmlns="">
+          <p:sp>
+            <p:nvSpPr>
+              <p:cNvPr id="3" name="TextBox 2">
+                <a:extLst>
+                  <a:ext uri="{FF2B5EF4-FFF2-40B4-BE49-F238E27FC236}">
+                    <a16:creationId xmlns:a16="http://schemas.microsoft.com/office/drawing/2014/main" id="{DB9BFE46-449F-84C3-9513-D75AD6CDE97D}"/>
+                  </a:ext>
+                </a:extLst>
+              </p:cNvPr>
+              <p:cNvSpPr txBox="1">
+                <a:spLocks noRot="1" noChangeAspect="1" noMove="1" noResize="1" noEditPoints="1" noAdjustHandles="1" noChangeArrowheads="1" noChangeShapeType="1" noTextEdit="1"/>
+              </p:cNvSpPr>
+              <p:nvPr/>
+            </p:nvSpPr>
+            <p:spPr>
+              <a:xfrm>
+                <a:off x="4817165" y="1951612"/>
+                <a:ext cx="8269356" cy="1031308"/>
+              </a:xfrm>
+              <a:prstGeom prst="rect">
+                <a:avLst/>
+              </a:prstGeom>
+              <a:blipFill>
+                <a:blip r:embed="rId4"/>
+                <a:stretch>
+                  <a:fillRect/>
+                </a:stretch>
+              </a:blipFill>
+            </p:spPr>
+            <p:txBody>
+              <a:bodyPr/>
+              <a:lstStyle/>
+              <a:p>
+                <a:r>
+                  <a:rPr lang="en-SG">
+                    <a:noFill/>
+                  </a:rPr>
+                  <a:t> </a:t>
+                </a:r>
+              </a:p>
+            </p:txBody>
+          </p:sp>
+        </mc:Fallback>
+      </mc:AlternateContent>
+      <p:sp>
+        <p:nvSpPr>
+          <p:cNvPr id="6" name="TextBox 5">
+            <a:extLst>
+              <a:ext uri="{FF2B5EF4-FFF2-40B4-BE49-F238E27FC236}">
+                <a16:creationId xmlns:a16="http://schemas.microsoft.com/office/drawing/2014/main" id="{5E358811-9409-C685-E76C-7B32ADD84512}"/>
+              </a:ext>
+            </a:extLst>
+          </p:cNvPr>
+          <p:cNvSpPr txBox="1"/>
+          <p:nvPr/>
+        </p:nvSpPr>
+        <p:spPr>
+          <a:xfrm>
+            <a:off x="1239078" y="6405287"/>
+            <a:ext cx="1669774" cy="307777"/>
+          </a:xfrm>
+          <a:prstGeom prst="rect">
+            <a:avLst/>
+          </a:prstGeom>
+          <a:noFill/>
+        </p:spPr>
+        <p:txBody>
+          <a:bodyPr wrap="square">
+            <a:spAutoFit/>
+          </a:bodyPr>
+          <a:lstStyle/>
+          <a:p>
+            <a:r>
+              <a:rPr lang="en-SG" altLang="zh-CN" sz="1400" dirty="0"/>
+              <a:t>[Kaplan+ 2020]</a:t>
+            </a:r>
+            <a:endParaRPr lang="en-SG" sz="1400" dirty="0"/>
+          </a:p>
+        </p:txBody>
+      </p:sp>
+    </p:spTree>
+    <p:extLst>
+      <p:ext uri="{BB962C8B-B14F-4D97-AF65-F5344CB8AC3E}">
+        <p14:creationId xmlns:p14="http://schemas.microsoft.com/office/powerpoint/2010/main" val="1476530098"/>
+      </p:ext>
+    </p:extLst>
+  </p:cSld>
+  <p:clrMapOvr>
+    <a:masterClrMapping/>
+  </p:clrMapOvr>
+  <mc:AlternateContent xmlns:mc="http://schemas.openxmlformats.org/markup-compatibility/2006" xmlns:p159="http://schemas.microsoft.com/office/powerpoint/2015/09/main">
+    <mc:Choice Requires="p159">
+      <p:transition xmlns:p14="http://schemas.microsoft.com/office/powerpoint/2010/main" spd="slow" p14:dur="2000">
+        <p159:morph option="byObject"/>
+      </p:transition>
+    </mc:Choice>
+    <mc:Fallback xmlns="">
+      <p:transition spd="slow">
+        <p:fade/>
+      </p:transition>
+    </mc:Fallback>
+  </mc:AlternateContent>
+</p:sld>
+</file>
+
+<file path=ppt/slides/slide7.xml><?xml version="1.0" encoding="utf-8"?>
+<p:sld xmlns:a="http://schemas.openxmlformats.org/drawingml/2006/main" xmlns:r="http://schemas.openxmlformats.org/officeDocument/2006/relationships" xmlns:p="http://schemas.openxmlformats.org/presentationml/2006/main">
+  <p:cSld>
+    <p:spTree>
+      <p:nvGrpSpPr>
+        <p:cNvPr id="1" name="">
+          <a:extLst>
+            <a:ext uri="{FF2B5EF4-FFF2-40B4-BE49-F238E27FC236}">
+              <a16:creationId xmlns:a16="http://schemas.microsoft.com/office/drawing/2014/main" id="{4D31E96B-47B0-8162-558E-737CEB56050E}"/>
+            </a:ext>
+          </a:extLst>
+        </p:cNvPr>
+        <p:cNvGrpSpPr/>
+        <p:nvPr/>
+      </p:nvGrpSpPr>
+      <p:grpSpPr>
+        <a:xfrm>
+          <a:off x="0" y="0"/>
+          <a:ext cx="0" cy="0"/>
+          <a:chOff x="0" y="0"/>
+          <a:chExt cx="0" cy="0"/>
+        </a:xfrm>
+      </p:grpSpPr>
+      <p:sp>
+        <p:nvSpPr>
+          <p:cNvPr id="9" name="标题 8">
+            <a:extLst>
+              <a:ext uri="{FF2B5EF4-FFF2-40B4-BE49-F238E27FC236}">
+                <a16:creationId xmlns:a16="http://schemas.microsoft.com/office/drawing/2014/main" id="{419FB691-FEB2-38BE-8B6B-E8913FFB3119}"/>
+              </a:ext>
+            </a:extLst>
+          </p:cNvPr>
+          <p:cNvSpPr>
+            <a:spLocks noGrp="1"/>
+          </p:cNvSpPr>
+          <p:nvPr>
+            <p:ph type="title"/>
+          </p:nvPr>
+        </p:nvSpPr>
+        <p:spPr>
+          <a:xfrm>
+            <a:off x="274320" y="228194"/>
+            <a:ext cx="10963473" cy="589190"/>
+          </a:xfrm>
+        </p:spPr>
+        <p:txBody>
+          <a:bodyPr/>
+          <a:lstStyle/>
+          <a:p>
+            <a:r>
+              <a:rPr lang="zh-CN" altLang="en-US" dirty="0"/>
+              <a:t>更多数据 </a:t>
+            </a:r>
+            <a:r>
+              <a:rPr lang="en-US" altLang="zh-CN" dirty="0"/>
+              <a:t>VS </a:t>
+            </a:r>
+            <a:r>
+              <a:rPr lang="zh-CN" altLang="en-US" dirty="0"/>
+              <a:t>更大模型？</a:t>
+            </a:r>
+          </a:p>
+        </p:txBody>
+      </p:sp>
+      <p:sp>
+        <p:nvSpPr>
+          <p:cNvPr id="5" name="TextBox 4">
+            <a:extLst>
+              <a:ext uri="{FF2B5EF4-FFF2-40B4-BE49-F238E27FC236}">
+                <a16:creationId xmlns:a16="http://schemas.microsoft.com/office/drawing/2014/main" id="{407AFF64-D82D-7B52-A1AD-97D9A06BBD38}"/>
+              </a:ext>
+            </a:extLst>
+          </p:cNvPr>
+          <p:cNvSpPr txBox="1"/>
+          <p:nvPr/>
+        </p:nvSpPr>
+        <p:spPr>
+          <a:xfrm>
+            <a:off x="338217" y="4324924"/>
+            <a:ext cx="11138166" cy="784830"/>
+          </a:xfrm>
+          <a:prstGeom prst="rect">
+            <a:avLst/>
+          </a:prstGeom>
+          <a:noFill/>
+        </p:spPr>
+        <p:txBody>
+          <a:bodyPr wrap="square">
+            <a:spAutoFit/>
+          </a:bodyPr>
+          <a:lstStyle/>
+          <a:p>
+            <a:pPr marL="342900" indent="-342900">
+              <a:spcAft>
+                <a:spcPts val="600"/>
+              </a:spcAft>
+              <a:buFont typeface="Arial" panose="020B0604020202020204" pitchFamily="34" charset="0"/>
+              <a:buChar char="•"/>
+            </a:pPr>
+            <a:r>
+              <a:rPr lang="zh-CN" altLang="en-US" sz="2000" kern="0" dirty="0">
+                <a:solidFill>
+                  <a:srgbClr val="374154"/>
+                </a:solidFill>
+                <a:latin typeface="Lexend" pitchFamily="2" charset="0"/>
+                <a:ea typeface="微软雅黑" pitchFamily="34" charset="-122"/>
+              </a:rPr>
+              <a:t>与</a:t>
+            </a:r>
+            <a:r>
+              <a:rPr lang="en-US" altLang="zh-CN" sz="2000" kern="0" dirty="0">
+                <a:solidFill>
+                  <a:srgbClr val="374154"/>
+                </a:solidFill>
+                <a:latin typeface="Lexend" pitchFamily="2" charset="0"/>
+                <a:ea typeface="微软雅黑" pitchFamily="34" charset="-122"/>
+              </a:rPr>
+              <a:t>[Kaplan+2020]</a:t>
+            </a:r>
+            <a:r>
+              <a:rPr lang="zh-CN" altLang="en-US" sz="2000" kern="0" dirty="0">
+                <a:solidFill>
+                  <a:srgbClr val="374154"/>
+                </a:solidFill>
+                <a:latin typeface="Lexend" pitchFamily="2" charset="0"/>
+                <a:ea typeface="微软雅黑" pitchFamily="34" charset="-122"/>
+              </a:rPr>
+              <a:t>的结论不同，</a:t>
+            </a:r>
+            <a:r>
+              <a:rPr lang="en-SG" altLang="zh-CN" sz="2000" kern="0" dirty="0">
+                <a:solidFill>
+                  <a:srgbClr val="374154"/>
+                </a:solidFill>
+                <a:latin typeface="Lexend" pitchFamily="2" charset="0"/>
+                <a:ea typeface="微软雅黑" pitchFamily="34" charset="-122"/>
+              </a:rPr>
+              <a:t>[Hoffmann + 2022]</a:t>
+            </a:r>
+            <a:r>
+              <a:rPr lang="zh-CN" altLang="en-US" sz="2000" kern="0" dirty="0">
+                <a:solidFill>
+                  <a:srgbClr val="374154"/>
+                </a:solidFill>
+                <a:latin typeface="Lexend" pitchFamily="2" charset="0"/>
+                <a:ea typeface="微软雅黑" pitchFamily="34" charset="-122"/>
+              </a:rPr>
+              <a:t>建议模型大小和训练数据量应该等比例扩大</a:t>
+            </a:r>
+            <a:endParaRPr lang="en-SG" sz="2000" kern="0" dirty="0">
+              <a:solidFill>
+                <a:srgbClr val="374154"/>
+              </a:solidFill>
+              <a:latin typeface="Lexend" pitchFamily="2" charset="0"/>
+              <a:ea typeface="微软雅黑" pitchFamily="34" charset="-122"/>
+            </a:endParaRPr>
+          </a:p>
+          <a:p>
+            <a:pPr algn="ctr"/>
+            <a:endParaRPr lang="en-SG" sz="2000" kern="0" dirty="0">
+              <a:solidFill>
+                <a:srgbClr val="374154"/>
+              </a:solidFill>
+              <a:latin typeface="Lexend" pitchFamily="2" charset="0"/>
+              <a:ea typeface="微软雅黑" pitchFamily="34" charset="-122"/>
+            </a:endParaRPr>
+          </a:p>
+        </p:txBody>
+      </p:sp>
+      <p:sp>
+        <p:nvSpPr>
+          <p:cNvPr id="6" name="TextBox 5">
+            <a:extLst>
+              <a:ext uri="{FF2B5EF4-FFF2-40B4-BE49-F238E27FC236}">
+                <a16:creationId xmlns:a16="http://schemas.microsoft.com/office/drawing/2014/main" id="{426C45DF-0659-D7D8-CFAF-C97954E08FF8}"/>
+              </a:ext>
+            </a:extLst>
+          </p:cNvPr>
+          <p:cNvSpPr txBox="1"/>
+          <p:nvPr/>
+        </p:nvSpPr>
+        <p:spPr>
+          <a:xfrm>
+            <a:off x="1239078" y="6405287"/>
+            <a:ext cx="1669774" cy="307777"/>
+          </a:xfrm>
+          <a:prstGeom prst="rect">
+            <a:avLst/>
+          </a:prstGeom>
+          <a:noFill/>
+        </p:spPr>
+        <p:txBody>
+          <a:bodyPr wrap="square">
+            <a:spAutoFit/>
+          </a:bodyPr>
+          <a:lstStyle/>
+          <a:p>
+            <a:r>
+              <a:rPr lang="en-SG" altLang="zh-CN" sz="1400" dirty="0"/>
+              <a:t>[Hoffmann + 2022]</a:t>
+            </a:r>
+            <a:endParaRPr lang="en-SG" sz="1400" dirty="0"/>
+          </a:p>
+        </p:txBody>
+      </p:sp>
+      <p:pic>
+        <p:nvPicPr>
+          <p:cNvPr id="7" name="Picture 6">
+            <a:extLst>
+              <a:ext uri="{FF2B5EF4-FFF2-40B4-BE49-F238E27FC236}">
+                <a16:creationId xmlns:a16="http://schemas.microsoft.com/office/drawing/2014/main" id="{D6068AE0-98C6-68CC-68B7-64ECE07327FC}"/>
+              </a:ext>
+            </a:extLst>
+          </p:cNvPr>
+          <p:cNvPicPr>
+            <a:picLocks noChangeAspect="1"/>
+          </p:cNvPicPr>
+          <p:nvPr/>
+        </p:nvPicPr>
+        <p:blipFill>
+          <a:blip r:embed="rId3"/>
+          <a:stretch>
+            <a:fillRect/>
+          </a:stretch>
+        </p:blipFill>
+        <p:spPr>
+          <a:xfrm>
+            <a:off x="781828" y="1433949"/>
+            <a:ext cx="10455965" cy="2274410"/>
+          </a:xfrm>
+          <a:prstGeom prst="rect">
+            <a:avLst/>
+          </a:prstGeom>
+        </p:spPr>
+      </p:pic>
+    </p:spTree>
+    <p:extLst>
+      <p:ext uri="{BB962C8B-B14F-4D97-AF65-F5344CB8AC3E}">
+        <p14:creationId xmlns:p14="http://schemas.microsoft.com/office/powerpoint/2010/main" val="713105428"/>
+      </p:ext>
+    </p:extLst>
+  </p:cSld>
+  <p:clrMapOvr>
+    <a:masterClrMapping/>
+  </p:clrMapOvr>
+  <mc:AlternateContent xmlns:mc="http://schemas.openxmlformats.org/markup-compatibility/2006" xmlns:p159="http://schemas.microsoft.com/office/powerpoint/2015/09/main">
+    <mc:Choice Requires="p159">
+      <p:transition xmlns:p14="http://schemas.microsoft.com/office/powerpoint/2010/main" spd="slow" p14:dur="2000">
+        <p159:morph option="byObject"/>
+      </p:transition>
+    </mc:Choice>
+    <mc:Fallback xmlns="">
+      <p:transition spd="slow">
+        <p:fade/>
+      </p:transition>
+    </mc:Fallback>
+  </mc:AlternateContent>
+</p:sld>
+</file>
+
+<file path=ppt/slides/slide8.xml><?xml version="1.0" encoding="utf-8"?>
+<p:sld xmlns:a="http://schemas.openxmlformats.org/drawingml/2006/main" xmlns:r="http://schemas.openxmlformats.org/officeDocument/2006/relationships" xmlns:p="http://schemas.openxmlformats.org/presentationml/2006/main">
   <p:cSld>
     <p:spTree>
       <p:nvGrpSpPr>
@@ -39508,19 +42791,149 @@
           <a:p>
             <a:r>
               <a:rPr lang="zh-CN" altLang="en-US" dirty="0"/>
-              <a:t>哪些因素影响语言模型性能？</a:t>
+              <a:t>训练步数</a:t>
             </a:r>
           </a:p>
         </p:txBody>
       </p:sp>
+      <p:sp>
+        <p:nvSpPr>
+          <p:cNvPr id="5" name="TextBox 4">
+            <a:extLst>
+              <a:ext uri="{FF2B5EF4-FFF2-40B4-BE49-F238E27FC236}">
+                <a16:creationId xmlns:a16="http://schemas.microsoft.com/office/drawing/2014/main" id="{103AEF74-D447-E7BA-6B52-5228E297F2D5}"/>
+              </a:ext>
+            </a:extLst>
+          </p:cNvPr>
+          <p:cNvSpPr txBox="1"/>
+          <p:nvPr/>
+        </p:nvSpPr>
+        <p:spPr>
+          <a:xfrm>
+            <a:off x="274320" y="4702610"/>
+            <a:ext cx="10398080" cy="1169551"/>
+          </a:xfrm>
+          <a:prstGeom prst="rect">
+            <a:avLst/>
+          </a:prstGeom>
+          <a:noFill/>
+        </p:spPr>
+        <p:txBody>
+          <a:bodyPr wrap="square">
+            <a:spAutoFit/>
+          </a:bodyPr>
+          <a:lstStyle/>
+          <a:p>
+            <a:pPr>
+              <a:spcAft>
+                <a:spcPts val="600"/>
+              </a:spcAft>
+            </a:pPr>
+            <a:endParaRPr lang="en-SG" sz="2000" kern="0" dirty="0">
+              <a:solidFill>
+                <a:srgbClr val="374154"/>
+              </a:solidFill>
+              <a:latin typeface="Lexend" pitchFamily="2" charset="0"/>
+              <a:ea typeface="微软雅黑" pitchFamily="34" charset="-122"/>
+            </a:endParaRPr>
+          </a:p>
+          <a:p>
+            <a:pPr marL="342900" indent="-342900">
+              <a:spcAft>
+                <a:spcPts val="600"/>
+              </a:spcAft>
+              <a:buFont typeface="Arial" panose="020B0604020202020204" pitchFamily="34" charset="0"/>
+              <a:buChar char="•"/>
+            </a:pPr>
+            <a:r>
+              <a:rPr lang="zh-CN" altLang="en-US" sz="2000" kern="0" dirty="0">
+                <a:solidFill>
+                  <a:srgbClr val="374154"/>
+                </a:solidFill>
+                <a:latin typeface="Lexend" pitchFamily="2" charset="0"/>
+                <a:ea typeface="微软雅黑" pitchFamily="34" charset="-122"/>
+              </a:rPr>
+              <a:t>模型越大，到达相同</a:t>
+            </a:r>
+            <a:r>
+              <a:rPr lang="en-US" altLang="zh-CN" sz="2000" kern="0" dirty="0">
+                <a:solidFill>
+                  <a:srgbClr val="374154"/>
+                </a:solidFill>
+                <a:latin typeface="Lexend" pitchFamily="2" charset="0"/>
+                <a:ea typeface="微软雅黑" pitchFamily="34" charset="-122"/>
+              </a:rPr>
+              <a:t>loss</a:t>
+            </a:r>
+            <a:r>
+              <a:rPr lang="zh-CN" altLang="en-US" sz="2000" kern="0" dirty="0">
+                <a:solidFill>
+                  <a:srgbClr val="374154"/>
+                </a:solidFill>
+                <a:latin typeface="Lexend" pitchFamily="2" charset="0"/>
+                <a:ea typeface="微软雅黑" pitchFamily="34" charset="-122"/>
+              </a:rPr>
+              <a:t>所需训练步数越少</a:t>
+            </a:r>
+            <a:endParaRPr lang="en-SG" sz="2000" kern="0" dirty="0">
+              <a:solidFill>
+                <a:srgbClr val="374154"/>
+              </a:solidFill>
+              <a:latin typeface="Lexend" pitchFamily="2" charset="0"/>
+              <a:ea typeface="微软雅黑" pitchFamily="34" charset="-122"/>
+            </a:endParaRPr>
+          </a:p>
+          <a:p>
+            <a:pPr algn="ctr"/>
+            <a:endParaRPr lang="en-SG" sz="2000" kern="0" dirty="0">
+              <a:solidFill>
+                <a:srgbClr val="374154"/>
+              </a:solidFill>
+              <a:latin typeface="Lexend" pitchFamily="2" charset="0"/>
+              <a:ea typeface="微软雅黑" pitchFamily="34" charset="-122"/>
+            </a:endParaRPr>
+          </a:p>
+        </p:txBody>
+      </p:sp>
+      <p:pic>
+        <p:nvPicPr>
+          <p:cNvPr id="4" name="Picture 3">
+            <a:extLst>
+              <a:ext uri="{FF2B5EF4-FFF2-40B4-BE49-F238E27FC236}">
+                <a16:creationId xmlns:a16="http://schemas.microsoft.com/office/drawing/2014/main" id="{11FE9412-7037-180E-2EEC-590C97790179}"/>
+              </a:ext>
+            </a:extLst>
+          </p:cNvPr>
+          <p:cNvPicPr>
+            <a:picLocks noChangeAspect="1"/>
+          </p:cNvPicPr>
+          <p:nvPr/>
+        </p:nvPicPr>
+        <p:blipFill>
+          <a:blip r:embed="rId3"/>
+          <a:srcRect l="49444"/>
+          <a:stretch>
+            <a:fillRect/>
+          </a:stretch>
+        </p:blipFill>
+        <p:spPr>
+          <a:xfrm>
+            <a:off x="623454" y="1288547"/>
+            <a:ext cx="5857839" cy="3257939"/>
+          </a:xfrm>
+          <a:prstGeom prst="rect">
+            <a:avLst/>
+          </a:prstGeom>
+        </p:spPr>
+      </p:pic>
       <mc:AlternateContent xmlns:mc="http://schemas.openxmlformats.org/markup-compatibility/2006" xmlns:a14="http://schemas.microsoft.com/office/drawing/2010/main">
         <mc:Choice Requires="a14">
           <p:sp>
             <p:nvSpPr>
-              <p:cNvPr id="5" name="TextBox 4">
+              <p:cNvPr id="7" name="TextBox 6">
                 <a:extLst>
                   <a:ext uri="{FF2B5EF4-FFF2-40B4-BE49-F238E27FC236}">
-                    <a16:creationId xmlns:a16="http://schemas.microsoft.com/office/drawing/2014/main" id="{103AEF74-D447-E7BA-6B52-5228E297F2D5}"/>
+                    <a16:creationId xmlns:a16="http://schemas.microsoft.com/office/drawing/2014/main" id="{E45547B2-C2B4-6FD9-121E-9C7B4A40959E}"/>
                   </a:ext>
                 </a:extLst>
               </p:cNvPr>
@@ -39529,8 +42942,8 @@
             </p:nvSpPr>
             <p:spPr>
               <a:xfrm>
-                <a:off x="338217" y="4324924"/>
-                <a:ext cx="10398080" cy="1953035"/>
+                <a:off x="6481292" y="2530006"/>
+                <a:ext cx="5388081" cy="775020"/>
               </a:xfrm>
               <a:prstGeom prst="rect">
                 <a:avLst/>
@@ -39543,680 +42956,335 @@
               </a:bodyPr>
               <a:lstStyle/>
               <a:p>
-                <a:pPr marL="342900" indent="-342900">
-                  <a:spcAft>
-                    <a:spcPts val="600"/>
-                  </a:spcAft>
-                  <a:buFont typeface="Arial" panose="020B0604020202020204" pitchFamily="34" charset="0"/>
-                  <a:buChar char="•"/>
-                </a:pPr>
-                <a:r>
-                  <a:rPr lang="zh-CN" altLang="en-US" sz="2000" kern="0" dirty="0">
-                    <a:solidFill>
-                      <a:srgbClr val="374154"/>
-                    </a:solidFill>
-                    <a:latin typeface="Lexend" pitchFamily="2" charset="0"/>
-                    <a:ea typeface="微软雅黑" pitchFamily="34" charset="-122"/>
-                  </a:rPr>
-                  <a:t>参数数量</a:t>
-                </a:r>
+                <a:pPr/>
                 <a14:m>
-                  <m:oMath xmlns:m="http://schemas.openxmlformats.org/officeDocument/2006/math">
-                    <m:r>
-                      <a:rPr lang="en-SG" altLang="zh-CN" sz="2000" kern="0">
-                        <a:solidFill>
-                          <a:srgbClr val="374154"/>
-                        </a:solidFill>
-                        <a:latin typeface="Cambria Math" panose="02040503050406030204" pitchFamily="18" charset="0"/>
-                      </a:rPr>
-                      <m:t>𝑁</m:t>
-                    </m:r>
-                  </m:oMath>
+                  <m:oMathPara xmlns:m="http://schemas.openxmlformats.org/officeDocument/2006/math">
+                    <m:oMathParaPr>
+                      <m:jc m:val="centerGroup"/>
+                    </m:oMathParaPr>
+                    <m:oMath xmlns:m="http://schemas.openxmlformats.org/officeDocument/2006/math">
+                      <m:r>
+                        <a:rPr lang="en-SG" altLang="zh-CN" sz="1800" kern="0" smtClean="0">
+                          <a:solidFill>
+                            <a:srgbClr val="374154"/>
+                          </a:solidFill>
+                          <a:latin typeface="Cambria Math" panose="02040503050406030204" pitchFamily="18" charset="0"/>
+                        </a:rPr>
+                        <m:t>𝐿</m:t>
+                      </m:r>
+                      <m:r>
+                        <a:rPr lang="en-SG" altLang="zh-CN" sz="1800" kern="0" smtClean="0">
+                          <a:solidFill>
+                            <a:srgbClr val="374154"/>
+                          </a:solidFill>
+                          <a:latin typeface="Cambria Math" panose="02040503050406030204" pitchFamily="18" charset="0"/>
+                        </a:rPr>
+                        <m:t> </m:t>
+                      </m:r>
+                      <m:d>
+                        <m:dPr>
+                          <m:ctrlPr>
+                            <a:rPr lang="en-SG" altLang="zh-CN" sz="1800" i="1" kern="0">
+                              <a:solidFill>
+                                <a:srgbClr val="374154"/>
+                              </a:solidFill>
+                              <a:latin typeface="Cambria Math" panose="02040503050406030204" pitchFamily="18" charset="0"/>
+                            </a:rPr>
+                          </m:ctrlPr>
+                        </m:dPr>
+                        <m:e>
+                          <m:r>
+                            <a:rPr lang="en-SG" altLang="zh-CN" sz="1800" kern="0">
+                              <a:solidFill>
+                                <a:srgbClr val="374154"/>
+                              </a:solidFill>
+                              <a:latin typeface="Cambria Math" panose="02040503050406030204" pitchFamily="18" charset="0"/>
+                            </a:rPr>
+                            <m:t>𝑁</m:t>
+                          </m:r>
+                          <m:r>
+                            <a:rPr lang="en-SG" altLang="zh-CN" sz="1800" b="0" i="0" kern="0" smtClean="0">
+                              <a:solidFill>
+                                <a:srgbClr val="374154"/>
+                              </a:solidFill>
+                              <a:latin typeface="Cambria Math" panose="02040503050406030204" pitchFamily="18" charset="0"/>
+                            </a:rPr>
+                            <m:t>, </m:t>
+                          </m:r>
+                          <m:r>
+                            <a:rPr lang="en-US" altLang="zh-CN" sz="1800" i="1" kern="0">
+                              <a:solidFill>
+                                <a:srgbClr val="374154"/>
+                              </a:solidFill>
+                              <a:latin typeface="Cambria Math" panose="02040503050406030204" pitchFamily="18" charset="0"/>
+                            </a:rPr>
+                            <m:t>𝑆</m:t>
+                          </m:r>
+                        </m:e>
+                      </m:d>
+                      <m:r>
+                        <a:rPr lang="en-SG" altLang="zh-CN" sz="1800" kern="0">
+                          <a:solidFill>
+                            <a:srgbClr val="374154"/>
+                          </a:solidFill>
+                          <a:latin typeface="Cambria Math" panose="02040503050406030204" pitchFamily="18" charset="0"/>
+                        </a:rPr>
+                        <m:t>=</m:t>
+                      </m:r>
+                      <m:sSup>
+                        <m:sSupPr>
+                          <m:ctrlPr>
+                            <a:rPr lang="en-SG" altLang="zh-CN" sz="1800" i="1" kern="0">
+                              <a:solidFill>
+                                <a:srgbClr val="374154"/>
+                              </a:solidFill>
+                              <a:latin typeface="Cambria Math" panose="02040503050406030204" pitchFamily="18" charset="0"/>
+                            </a:rPr>
+                          </m:ctrlPr>
+                        </m:sSupPr>
+                        <m:e>
+                          <m:d>
+                            <m:dPr>
+                              <m:ctrlPr>
+                                <a:rPr lang="en-SG" altLang="zh-CN" sz="1800" i="1" kern="0">
+                                  <a:solidFill>
+                                    <a:srgbClr val="374154"/>
+                                  </a:solidFill>
+                                  <a:latin typeface="Cambria Math" panose="02040503050406030204" pitchFamily="18" charset="0"/>
+                                </a:rPr>
+                              </m:ctrlPr>
+                            </m:dPr>
+                            <m:e>
+                              <m:f>
+                                <m:fPr>
+                                  <m:ctrlPr>
+                                    <a:rPr lang="en-SG" altLang="zh-CN" sz="1800" i="1" kern="0">
+                                      <a:solidFill>
+                                        <a:srgbClr val="374154"/>
+                                      </a:solidFill>
+                                      <a:latin typeface="Cambria Math" panose="02040503050406030204" pitchFamily="18" charset="0"/>
+                                    </a:rPr>
+                                  </m:ctrlPr>
+                                </m:fPr>
+                                <m:num>
+                                  <m:r>
+                                    <a:rPr lang="en-SG" altLang="zh-CN" sz="1800" kern="0">
+                                      <a:solidFill>
+                                        <a:srgbClr val="374154"/>
+                                      </a:solidFill>
+                                      <a:latin typeface="Cambria Math" panose="02040503050406030204" pitchFamily="18" charset="0"/>
+                                    </a:rPr>
+                                    <m:t>8.8∗</m:t>
+                                  </m:r>
+                                  <m:sSup>
+                                    <m:sSupPr>
+                                      <m:ctrlPr>
+                                        <a:rPr lang="en-SG" altLang="zh-CN" sz="1800" i="1" kern="0">
+                                          <a:solidFill>
+                                            <a:srgbClr val="374154"/>
+                                          </a:solidFill>
+                                          <a:latin typeface="Cambria Math" panose="02040503050406030204" pitchFamily="18" charset="0"/>
+                                        </a:rPr>
+                                      </m:ctrlPr>
+                                    </m:sSupPr>
+                                    <m:e>
+                                      <m:r>
+                                        <a:rPr lang="en-SG" altLang="zh-CN" sz="1800" kern="0">
+                                          <a:solidFill>
+                                            <a:srgbClr val="374154"/>
+                                          </a:solidFill>
+                                          <a:latin typeface="Cambria Math" panose="02040503050406030204" pitchFamily="18" charset="0"/>
+                                        </a:rPr>
+                                        <m:t>10</m:t>
+                                      </m:r>
+                                    </m:e>
+                                    <m:sup>
+                                      <m:r>
+                                        <a:rPr lang="en-SG" altLang="zh-CN" sz="1800" kern="0">
+                                          <a:solidFill>
+                                            <a:srgbClr val="374154"/>
+                                          </a:solidFill>
+                                          <a:latin typeface="Cambria Math" panose="02040503050406030204" pitchFamily="18" charset="0"/>
+                                        </a:rPr>
+                                        <m:t>13</m:t>
+                                      </m:r>
+                                    </m:sup>
+                                  </m:sSup>
+                                </m:num>
+                                <m:den>
+                                  <m:r>
+                                    <a:rPr lang="en-SG" altLang="zh-CN" sz="1800" i="1" kern="0">
+                                      <a:solidFill>
+                                        <a:srgbClr val="374154"/>
+                                      </a:solidFill>
+                                      <a:latin typeface="Cambria Math" panose="02040503050406030204" pitchFamily="18" charset="0"/>
+                                    </a:rPr>
+                                    <m:t>𝑁</m:t>
+                                  </m:r>
+                                </m:den>
+                              </m:f>
+                            </m:e>
+                          </m:d>
+                        </m:e>
+                        <m:sup>
+                          <m:r>
+                            <a:rPr lang="en-SG" altLang="zh-CN" sz="1800" b="0" i="1" kern="0" smtClean="0">
+                              <a:solidFill>
+                                <a:srgbClr val="374154"/>
+                              </a:solidFill>
+                              <a:latin typeface="Cambria Math" panose="02040503050406030204" pitchFamily="18" charset="0"/>
+                            </a:rPr>
+                            <m:t>0.076</m:t>
+                          </m:r>
+                        </m:sup>
+                      </m:sSup>
+                      <m:r>
+                        <a:rPr lang="en-SG" altLang="zh-CN" sz="1800" b="0" i="1" kern="0" smtClean="0">
+                          <a:solidFill>
+                            <a:srgbClr val="374154"/>
+                          </a:solidFill>
+                          <a:latin typeface="Cambria Math" panose="02040503050406030204" pitchFamily="18" charset="0"/>
+                        </a:rPr>
+                        <m:t>+</m:t>
+                      </m:r>
+                      <m:sSup>
+                        <m:sSupPr>
+                          <m:ctrlPr>
+                            <a:rPr lang="en-SG" altLang="zh-CN" sz="1800" i="1" kern="0">
+                              <a:solidFill>
+                                <a:srgbClr val="374154"/>
+                              </a:solidFill>
+                              <a:latin typeface="Cambria Math" panose="02040503050406030204" pitchFamily="18" charset="0"/>
+                            </a:rPr>
+                          </m:ctrlPr>
+                        </m:sSupPr>
+                        <m:e>
+                          <m:d>
+                            <m:dPr>
+                              <m:ctrlPr>
+                                <a:rPr lang="en-SG" altLang="zh-CN" sz="1800" i="1" kern="0">
+                                  <a:solidFill>
+                                    <a:srgbClr val="374154"/>
+                                  </a:solidFill>
+                                  <a:latin typeface="Cambria Math" panose="02040503050406030204" pitchFamily="18" charset="0"/>
+                                </a:rPr>
+                              </m:ctrlPr>
+                            </m:dPr>
+                            <m:e>
+                              <m:f>
+                                <m:fPr>
+                                  <m:ctrlPr>
+                                    <a:rPr lang="en-SG" altLang="zh-CN" sz="1800" i="1" kern="0">
+                                      <a:solidFill>
+                                        <a:srgbClr val="374154"/>
+                                      </a:solidFill>
+                                      <a:latin typeface="Cambria Math" panose="02040503050406030204" pitchFamily="18" charset="0"/>
+                                    </a:rPr>
+                                  </m:ctrlPr>
+                                </m:fPr>
+                                <m:num>
+                                  <m:r>
+                                    <a:rPr lang="en-SG" altLang="zh-CN" sz="1800" b="0" i="0" kern="0" smtClean="0">
+                                      <a:solidFill>
+                                        <a:srgbClr val="374154"/>
+                                      </a:solidFill>
+                                      <a:latin typeface="Cambria Math" panose="02040503050406030204" pitchFamily="18" charset="0"/>
+                                    </a:rPr>
+                                    <m:t>2</m:t>
+                                  </m:r>
+                                  <m:r>
+                                    <a:rPr lang="en-SG" altLang="zh-CN" sz="1800" kern="0">
+                                      <a:solidFill>
+                                        <a:srgbClr val="374154"/>
+                                      </a:solidFill>
+                                      <a:latin typeface="Cambria Math" panose="02040503050406030204" pitchFamily="18" charset="0"/>
+                                    </a:rPr>
+                                    <m:t>.</m:t>
+                                  </m:r>
+                                  <m:r>
+                                    <a:rPr lang="en-SG" altLang="zh-CN" sz="1800" b="0" i="0" kern="0" smtClean="0">
+                                      <a:solidFill>
+                                        <a:srgbClr val="374154"/>
+                                      </a:solidFill>
+                                      <a:latin typeface="Cambria Math" panose="02040503050406030204" pitchFamily="18" charset="0"/>
+                                    </a:rPr>
+                                    <m:t>1</m:t>
+                                  </m:r>
+                                  <m:r>
+                                    <a:rPr lang="en-SG" altLang="zh-CN" sz="1800" kern="0">
+                                      <a:solidFill>
+                                        <a:srgbClr val="374154"/>
+                                      </a:solidFill>
+                                      <a:latin typeface="Cambria Math" panose="02040503050406030204" pitchFamily="18" charset="0"/>
+                                    </a:rPr>
+                                    <m:t>∗</m:t>
+                                  </m:r>
+                                  <m:sSup>
+                                    <m:sSupPr>
+                                      <m:ctrlPr>
+                                        <a:rPr lang="en-SG" altLang="zh-CN" sz="1800" i="1" kern="0">
+                                          <a:solidFill>
+                                            <a:srgbClr val="374154"/>
+                                          </a:solidFill>
+                                          <a:latin typeface="Cambria Math" panose="02040503050406030204" pitchFamily="18" charset="0"/>
+                                        </a:rPr>
+                                      </m:ctrlPr>
+                                    </m:sSupPr>
+                                    <m:e>
+                                      <m:r>
+                                        <a:rPr lang="en-SG" altLang="zh-CN" sz="1800" kern="0">
+                                          <a:solidFill>
+                                            <a:srgbClr val="374154"/>
+                                          </a:solidFill>
+                                          <a:latin typeface="Cambria Math" panose="02040503050406030204" pitchFamily="18" charset="0"/>
+                                        </a:rPr>
+                                        <m:t>10</m:t>
+                                      </m:r>
+                                    </m:e>
+                                    <m:sup>
+                                      <m:r>
+                                        <a:rPr lang="en-SG" altLang="zh-CN" sz="1800" kern="0">
+                                          <a:solidFill>
+                                            <a:srgbClr val="374154"/>
+                                          </a:solidFill>
+                                          <a:latin typeface="Cambria Math" panose="02040503050406030204" pitchFamily="18" charset="0"/>
+                                        </a:rPr>
+                                        <m:t>3</m:t>
+                                      </m:r>
+                                    </m:sup>
+                                  </m:sSup>
+                                </m:num>
+                                <m:den>
+                                  <m:r>
+                                    <a:rPr lang="en-SG" altLang="zh-CN" sz="1800" b="0" i="1" kern="0" smtClean="0">
+                                      <a:solidFill>
+                                        <a:srgbClr val="374154"/>
+                                      </a:solidFill>
+                                      <a:latin typeface="Cambria Math" panose="02040503050406030204" pitchFamily="18" charset="0"/>
+                                    </a:rPr>
+                                    <m:t>𝑆</m:t>
+                                  </m:r>
+                                </m:den>
+                              </m:f>
+                            </m:e>
+                          </m:d>
+                        </m:e>
+                        <m:sup>
+                          <m:r>
+                            <a:rPr lang="en-SG" altLang="zh-CN" sz="1800" b="0" i="1" kern="0" smtClean="0">
+                              <a:solidFill>
+                                <a:srgbClr val="374154"/>
+                              </a:solidFill>
+                              <a:latin typeface="Cambria Math" panose="02040503050406030204" pitchFamily="18" charset="0"/>
+                            </a:rPr>
+                            <m:t>0.76</m:t>
+                          </m:r>
+                        </m:sup>
+                      </m:sSup>
+                    </m:oMath>
+                  </m:oMathPara>
                 </a14:m>
-                <a:r>
-                  <a:rPr lang="zh-CN" altLang="en-US" sz="2000" kern="0" dirty="0">
-                    <a:solidFill>
-                      <a:srgbClr val="374154"/>
-                    </a:solidFill>
-                    <a:latin typeface="Lexend" pitchFamily="2" charset="0"/>
-                    <a:ea typeface="微软雅黑" pitchFamily="34" charset="-122"/>
-                  </a:rPr>
-                  <a:t>与性能的关系： </a:t>
-                </a:r>
-                <a14:m>
-                  <m:oMath xmlns:m="http://schemas.openxmlformats.org/officeDocument/2006/math">
-                    <m:r>
-                      <a:rPr lang="en-SG" altLang="zh-CN" sz="2000" kern="0">
-                        <a:solidFill>
-                          <a:srgbClr val="374154"/>
-                        </a:solidFill>
-                        <a:latin typeface="Cambria Math" panose="02040503050406030204" pitchFamily="18" charset="0"/>
-                      </a:rPr>
-                      <m:t>𝐿</m:t>
-                    </m:r>
-                    <m:r>
-                      <a:rPr lang="en-SG" altLang="zh-CN" sz="2000" kern="0">
-                        <a:solidFill>
-                          <a:srgbClr val="374154"/>
-                        </a:solidFill>
-                        <a:latin typeface="Cambria Math" panose="02040503050406030204" pitchFamily="18" charset="0"/>
-                      </a:rPr>
-                      <m:t> (</m:t>
-                    </m:r>
-                    <m:r>
-                      <a:rPr lang="en-SG" altLang="zh-CN" sz="2000" kern="0">
-                        <a:solidFill>
-                          <a:srgbClr val="374154"/>
-                        </a:solidFill>
-                        <a:latin typeface="Cambria Math" panose="02040503050406030204" pitchFamily="18" charset="0"/>
-                      </a:rPr>
-                      <m:t>𝑁</m:t>
-                    </m:r>
-                    <m:r>
-                      <a:rPr lang="en-SG" altLang="zh-CN" sz="2000" kern="0">
-                        <a:solidFill>
-                          <a:srgbClr val="374154"/>
-                        </a:solidFill>
-                        <a:latin typeface="Cambria Math" panose="02040503050406030204" pitchFamily="18" charset="0"/>
-                      </a:rPr>
-                      <m:t>)=</m:t>
-                    </m:r>
-                    <m:sSup>
-                      <m:sSupPr>
-                        <m:ctrlPr>
-                          <a:rPr lang="en-SG" altLang="zh-CN" sz="2000" i="1" kern="0">
-                            <a:solidFill>
-                              <a:srgbClr val="374154"/>
-                            </a:solidFill>
-                            <a:latin typeface="Cambria Math" panose="02040503050406030204" pitchFamily="18" charset="0"/>
-                          </a:rPr>
-                        </m:ctrlPr>
-                      </m:sSupPr>
-                      <m:e>
-                        <m:r>
-                          <a:rPr lang="en-SG" altLang="zh-CN" sz="2000" kern="0">
-                            <a:solidFill>
-                              <a:srgbClr val="374154"/>
-                            </a:solidFill>
-                            <a:latin typeface="Cambria Math" panose="02040503050406030204" pitchFamily="18" charset="0"/>
-                          </a:rPr>
-                          <m:t>(8.8∗</m:t>
-                        </m:r>
-                        <m:sSup>
-                          <m:sSupPr>
-                            <m:ctrlPr>
-                              <a:rPr lang="en-SG" altLang="zh-CN" sz="2000" i="1" kern="0">
-                                <a:solidFill>
-                                  <a:srgbClr val="374154"/>
-                                </a:solidFill>
-                                <a:latin typeface="Cambria Math" panose="02040503050406030204" pitchFamily="18" charset="0"/>
-                              </a:rPr>
-                            </m:ctrlPr>
-                          </m:sSupPr>
-                          <m:e>
-                            <m:r>
-                              <a:rPr lang="en-SG" altLang="zh-CN" sz="2000" kern="0">
-                                <a:solidFill>
-                                  <a:srgbClr val="374154"/>
-                                </a:solidFill>
-                                <a:latin typeface="Cambria Math" panose="02040503050406030204" pitchFamily="18" charset="0"/>
-                              </a:rPr>
-                              <m:t>10</m:t>
-                            </m:r>
-                          </m:e>
-                          <m:sup>
-                            <m:r>
-                              <a:rPr lang="en-SG" altLang="zh-CN" sz="2000" kern="0">
-                                <a:solidFill>
-                                  <a:srgbClr val="374154"/>
-                                </a:solidFill>
-                                <a:latin typeface="Cambria Math" panose="02040503050406030204" pitchFamily="18" charset="0"/>
-                              </a:rPr>
-                              <m:t>13</m:t>
-                            </m:r>
-                          </m:sup>
-                        </m:sSup>
-                        <m:r>
-                          <a:rPr lang="en-SG" altLang="zh-CN" sz="2000" kern="0">
-                            <a:solidFill>
-                              <a:srgbClr val="374154"/>
-                            </a:solidFill>
-                            <a:latin typeface="Cambria Math" panose="02040503050406030204" pitchFamily="18" charset="0"/>
-                          </a:rPr>
-                          <m:t>/</m:t>
-                        </m:r>
-                        <m:r>
-                          <a:rPr lang="en-SG" altLang="zh-CN" sz="2000" kern="0">
-                            <a:solidFill>
-                              <a:srgbClr val="374154"/>
-                            </a:solidFill>
-                            <a:latin typeface="Cambria Math" panose="02040503050406030204" pitchFamily="18" charset="0"/>
-                          </a:rPr>
-                          <m:t>𝑁</m:t>
-                        </m:r>
-                        <m:r>
-                          <a:rPr lang="en-SG" altLang="zh-CN" sz="2000" kern="0">
-                            <a:solidFill>
-                              <a:srgbClr val="374154"/>
-                            </a:solidFill>
-                            <a:latin typeface="Cambria Math" panose="02040503050406030204" pitchFamily="18" charset="0"/>
-                          </a:rPr>
-                          <m:t>)</m:t>
-                        </m:r>
-                      </m:e>
-                      <m:sup>
-                        <m:r>
-                          <a:rPr lang="en-SG" altLang="zh-CN" sz="2000" kern="0">
-                            <a:solidFill>
-                              <a:srgbClr val="374154"/>
-                            </a:solidFill>
-                            <a:latin typeface="Cambria Math" panose="02040503050406030204" pitchFamily="18" charset="0"/>
-                          </a:rPr>
-                          <m:t>0.076</m:t>
-                        </m:r>
-                      </m:sup>
-                    </m:sSup>
-                  </m:oMath>
-                </a14:m>
-                <a:endParaRPr lang="en-SG" sz="2000" kern="0" dirty="0">
-                  <a:solidFill>
-                    <a:srgbClr val="374154"/>
-                  </a:solidFill>
-                  <a:latin typeface="Lexend" pitchFamily="2" charset="0"/>
-                  <a:ea typeface="微软雅黑" pitchFamily="34" charset="-122"/>
-                </a:endParaRPr>
-              </a:p>
-              <a:p>
-                <a:pPr marL="342900" indent="-342900">
-                  <a:spcAft>
-                    <a:spcPts val="600"/>
-                  </a:spcAft>
-                  <a:buFont typeface="Arial" panose="020B0604020202020204" pitchFamily="34" charset="0"/>
-                  <a:buChar char="•"/>
-                </a:pPr>
-                <a:r>
-                  <a:rPr lang="zh-CN" altLang="en-US" sz="2000" kern="0" dirty="0">
-                    <a:solidFill>
-                      <a:srgbClr val="374154"/>
-                    </a:solidFill>
-                    <a:latin typeface="Lexend" pitchFamily="2" charset="0"/>
-                    <a:ea typeface="微软雅黑" pitchFamily="34" charset="-122"/>
-                  </a:rPr>
-                  <a:t>数据集</a:t>
-                </a:r>
-                <a14:m>
-                  <m:oMath xmlns:m="http://schemas.openxmlformats.org/officeDocument/2006/math">
-                    <m:r>
-                      <a:rPr lang="en-SG" altLang="zh-CN" sz="2000" b="0" i="1" kern="0" smtClean="0">
-                        <a:solidFill>
-                          <a:srgbClr val="374154"/>
-                        </a:solidFill>
-                        <a:latin typeface="Cambria Math" panose="02040503050406030204" pitchFamily="18" charset="0"/>
-                        <a:ea typeface="微软雅黑" pitchFamily="34" charset="-122"/>
-                      </a:rPr>
-                      <m:t>𝐷</m:t>
-                    </m:r>
-                  </m:oMath>
-                </a14:m>
-                <a:r>
-                  <a:rPr lang="zh-CN" altLang="en-US" sz="2000" kern="0" dirty="0">
-                    <a:solidFill>
-                      <a:srgbClr val="374154"/>
-                    </a:solidFill>
-                    <a:latin typeface="Lexend" pitchFamily="2" charset="0"/>
-                    <a:ea typeface="微软雅黑" pitchFamily="34" charset="-122"/>
-                  </a:rPr>
-                  <a:t>与性能的关系：</a:t>
-                </a:r>
-                <a14:m>
-                  <m:oMath xmlns:m="http://schemas.openxmlformats.org/officeDocument/2006/math">
-                    <m:r>
-                      <a:rPr lang="en-SG" altLang="zh-CN" sz="2000" kern="0">
-                        <a:solidFill>
-                          <a:srgbClr val="374154"/>
-                        </a:solidFill>
-                        <a:latin typeface="Cambria Math" panose="02040503050406030204" pitchFamily="18" charset="0"/>
-                      </a:rPr>
-                      <m:t>𝐿</m:t>
-                    </m:r>
-                    <m:r>
-                      <a:rPr lang="en-SG" altLang="zh-CN" sz="2000" kern="0">
-                        <a:solidFill>
-                          <a:srgbClr val="374154"/>
-                        </a:solidFill>
-                        <a:latin typeface="Cambria Math" panose="02040503050406030204" pitchFamily="18" charset="0"/>
-                      </a:rPr>
-                      <m:t> (</m:t>
-                    </m:r>
-                    <m:r>
-                      <a:rPr lang="en-SG" altLang="zh-CN" sz="2000" b="0" i="1" kern="0" smtClean="0">
-                        <a:solidFill>
-                          <a:srgbClr val="374154"/>
-                        </a:solidFill>
-                        <a:latin typeface="Cambria Math" panose="02040503050406030204" pitchFamily="18" charset="0"/>
-                      </a:rPr>
-                      <m:t>𝐷</m:t>
-                    </m:r>
-                    <m:r>
-                      <a:rPr lang="en-SG" altLang="zh-CN" sz="2000" kern="0">
-                        <a:solidFill>
-                          <a:srgbClr val="374154"/>
-                        </a:solidFill>
-                        <a:latin typeface="Cambria Math" panose="02040503050406030204" pitchFamily="18" charset="0"/>
-                      </a:rPr>
-                      <m:t>)=</m:t>
-                    </m:r>
-                    <m:sSup>
-                      <m:sSupPr>
-                        <m:ctrlPr>
-                          <a:rPr lang="en-SG" altLang="zh-CN" sz="2000" i="1" kern="0">
-                            <a:solidFill>
-                              <a:srgbClr val="374154"/>
-                            </a:solidFill>
-                            <a:latin typeface="Cambria Math" panose="02040503050406030204" pitchFamily="18" charset="0"/>
-                          </a:rPr>
-                        </m:ctrlPr>
-                      </m:sSupPr>
-                      <m:e>
-                        <m:r>
-                          <a:rPr lang="en-SG" altLang="zh-CN" sz="2000" kern="0">
-                            <a:solidFill>
-                              <a:srgbClr val="374154"/>
-                            </a:solidFill>
-                            <a:latin typeface="Cambria Math" panose="02040503050406030204" pitchFamily="18" charset="0"/>
-                          </a:rPr>
-                          <m:t>(</m:t>
-                        </m:r>
-                        <m:r>
-                          <a:rPr lang="en-SG" altLang="zh-CN" sz="2000" b="0" i="0" kern="0" smtClean="0">
-                            <a:solidFill>
-                              <a:srgbClr val="374154"/>
-                            </a:solidFill>
-                            <a:latin typeface="Cambria Math" panose="02040503050406030204" pitchFamily="18" charset="0"/>
-                          </a:rPr>
-                          <m:t>5</m:t>
-                        </m:r>
-                        <m:r>
-                          <a:rPr lang="en-SG" altLang="zh-CN" sz="2000" kern="0">
-                            <a:solidFill>
-                              <a:srgbClr val="374154"/>
-                            </a:solidFill>
-                            <a:latin typeface="Cambria Math" panose="02040503050406030204" pitchFamily="18" charset="0"/>
-                          </a:rPr>
-                          <m:t>.</m:t>
-                        </m:r>
-                        <m:r>
-                          <a:rPr lang="en-SG" altLang="zh-CN" sz="2000" b="0" i="0" kern="0" smtClean="0">
-                            <a:solidFill>
-                              <a:srgbClr val="374154"/>
-                            </a:solidFill>
-                            <a:latin typeface="Cambria Math" panose="02040503050406030204" pitchFamily="18" charset="0"/>
-                          </a:rPr>
-                          <m:t>4</m:t>
-                        </m:r>
-                        <m:r>
-                          <a:rPr lang="en-SG" altLang="zh-CN" sz="2000" kern="0">
-                            <a:solidFill>
-                              <a:srgbClr val="374154"/>
-                            </a:solidFill>
-                            <a:latin typeface="Cambria Math" panose="02040503050406030204" pitchFamily="18" charset="0"/>
-                          </a:rPr>
-                          <m:t>∗</m:t>
-                        </m:r>
-                        <m:sSup>
-                          <m:sSupPr>
-                            <m:ctrlPr>
-                              <a:rPr lang="en-SG" altLang="zh-CN" sz="2000" i="1" kern="0">
-                                <a:solidFill>
-                                  <a:srgbClr val="374154"/>
-                                </a:solidFill>
-                                <a:latin typeface="Cambria Math" panose="02040503050406030204" pitchFamily="18" charset="0"/>
-                              </a:rPr>
-                            </m:ctrlPr>
-                          </m:sSupPr>
-                          <m:e>
-                            <m:r>
-                              <a:rPr lang="en-SG" altLang="zh-CN" sz="2000" kern="0">
-                                <a:solidFill>
-                                  <a:srgbClr val="374154"/>
-                                </a:solidFill>
-                                <a:latin typeface="Cambria Math" panose="02040503050406030204" pitchFamily="18" charset="0"/>
-                              </a:rPr>
-                              <m:t>10</m:t>
-                            </m:r>
-                          </m:e>
-                          <m:sup>
-                            <m:r>
-                              <a:rPr lang="en-SG" altLang="zh-CN" sz="2000" kern="0">
-                                <a:solidFill>
-                                  <a:srgbClr val="374154"/>
-                                </a:solidFill>
-                                <a:latin typeface="Cambria Math" panose="02040503050406030204" pitchFamily="18" charset="0"/>
-                              </a:rPr>
-                              <m:t>13</m:t>
-                            </m:r>
-                          </m:sup>
-                        </m:sSup>
-                        <m:r>
-                          <a:rPr lang="en-SG" altLang="zh-CN" sz="2000" kern="0">
-                            <a:solidFill>
-                              <a:srgbClr val="374154"/>
-                            </a:solidFill>
-                            <a:latin typeface="Cambria Math" panose="02040503050406030204" pitchFamily="18" charset="0"/>
-                          </a:rPr>
-                          <m:t>/</m:t>
-                        </m:r>
-                        <m:r>
-                          <a:rPr lang="en-SG" altLang="zh-CN" sz="2000" b="0" i="1" kern="0" smtClean="0">
-                            <a:solidFill>
-                              <a:srgbClr val="374154"/>
-                            </a:solidFill>
-                            <a:latin typeface="Cambria Math" panose="02040503050406030204" pitchFamily="18" charset="0"/>
-                          </a:rPr>
-                          <m:t>𝐷</m:t>
-                        </m:r>
-                        <m:r>
-                          <a:rPr lang="en-SG" altLang="zh-CN" sz="2000" kern="0">
-                            <a:solidFill>
-                              <a:srgbClr val="374154"/>
-                            </a:solidFill>
-                            <a:latin typeface="Cambria Math" panose="02040503050406030204" pitchFamily="18" charset="0"/>
-                          </a:rPr>
-                          <m:t>)</m:t>
-                        </m:r>
-                      </m:e>
-                      <m:sup>
-                        <m:r>
-                          <a:rPr lang="en-SG" altLang="zh-CN" sz="2000" kern="0">
-                            <a:solidFill>
-                              <a:srgbClr val="374154"/>
-                            </a:solidFill>
-                            <a:latin typeface="Cambria Math" panose="02040503050406030204" pitchFamily="18" charset="0"/>
-                          </a:rPr>
-                          <m:t>0.0</m:t>
-                        </m:r>
-                        <m:r>
-                          <a:rPr lang="en-SG" altLang="zh-CN" sz="2000" b="0" i="1" kern="0" smtClean="0">
-                            <a:solidFill>
-                              <a:srgbClr val="374154"/>
-                            </a:solidFill>
-                            <a:latin typeface="Cambria Math" panose="02040503050406030204" pitchFamily="18" charset="0"/>
-                          </a:rPr>
-                          <m:t>95</m:t>
-                        </m:r>
-                      </m:sup>
-                    </m:sSup>
-                  </m:oMath>
-                </a14:m>
-                <a:endParaRPr lang="en-SG" sz="2000" kern="0" dirty="0">
-                  <a:solidFill>
-                    <a:srgbClr val="374154"/>
-                  </a:solidFill>
-                  <a:latin typeface="Lexend" pitchFamily="2" charset="0"/>
-                  <a:ea typeface="微软雅黑" pitchFamily="34" charset="-122"/>
-                </a:endParaRPr>
-              </a:p>
-              <a:p>
-                <a:pPr marL="342900" indent="-342900">
-                  <a:spcAft>
-                    <a:spcPts val="600"/>
-                  </a:spcAft>
-                  <a:buFont typeface="Arial" panose="020B0604020202020204" pitchFamily="34" charset="0"/>
-                  <a:buChar char="•"/>
-                </a:pPr>
-                <a:r>
-                  <a:rPr lang="zh-CN" altLang="en-US" sz="2000" kern="0" dirty="0">
-                    <a:solidFill>
-                      <a:srgbClr val="374154"/>
-                    </a:solidFill>
-                    <a:latin typeface="Lexend" pitchFamily="2" charset="0"/>
-                    <a:ea typeface="微软雅黑" pitchFamily="34" charset="-122"/>
-                  </a:rPr>
-                  <a:t>计算资源</a:t>
-                </a:r>
-                <a14:m>
-                  <m:oMath xmlns:m="http://schemas.openxmlformats.org/officeDocument/2006/math">
-                    <m:r>
-                      <a:rPr lang="en-US" altLang="zh-CN" sz="2000" i="1" kern="0" dirty="0">
-                        <a:solidFill>
-                          <a:srgbClr val="374154"/>
-                        </a:solidFill>
-                        <a:latin typeface="Cambria Math" panose="02040503050406030204" pitchFamily="18" charset="0"/>
-                        <a:ea typeface="微软雅黑" pitchFamily="34" charset="-122"/>
-                      </a:rPr>
-                      <m:t>𝐶</m:t>
-                    </m:r>
-                  </m:oMath>
-                </a14:m>
-                <a:r>
-                  <a:rPr lang="zh-CN" altLang="en-US" sz="2000" kern="0" dirty="0">
-                    <a:solidFill>
-                      <a:srgbClr val="374154"/>
-                    </a:solidFill>
-                    <a:latin typeface="Lexend" pitchFamily="2" charset="0"/>
-                    <a:ea typeface="微软雅黑" pitchFamily="34" charset="-122"/>
-                  </a:rPr>
-                  <a:t>与性能的关系：</a:t>
-                </a:r>
-                <a:r>
-                  <a:rPr lang="en-SG" altLang="zh-CN" sz="2000" kern="0" dirty="0">
-                    <a:solidFill>
-                      <a:srgbClr val="374154"/>
-                    </a:solidFill>
-                  </a:rPr>
-                  <a:t> </a:t>
-                </a:r>
-                <a14:m>
-                  <m:oMath xmlns:m="http://schemas.openxmlformats.org/officeDocument/2006/math">
-                    <m:r>
-                      <a:rPr lang="en-SG" altLang="zh-CN" sz="2000" kern="0">
-                        <a:solidFill>
-                          <a:srgbClr val="374154"/>
-                        </a:solidFill>
-                        <a:latin typeface="Cambria Math" panose="02040503050406030204" pitchFamily="18" charset="0"/>
-                      </a:rPr>
-                      <m:t>𝐿</m:t>
-                    </m:r>
-                    <m:r>
-                      <a:rPr lang="en-SG" altLang="zh-CN" sz="2000" kern="0">
-                        <a:solidFill>
-                          <a:srgbClr val="374154"/>
-                        </a:solidFill>
-                        <a:latin typeface="Cambria Math" panose="02040503050406030204" pitchFamily="18" charset="0"/>
-                      </a:rPr>
-                      <m:t> (</m:t>
-                    </m:r>
-                    <m:r>
-                      <a:rPr lang="en-SG" altLang="zh-CN" sz="2000" b="0" i="1" kern="0" smtClean="0">
-                        <a:solidFill>
-                          <a:srgbClr val="374154"/>
-                        </a:solidFill>
-                        <a:latin typeface="Cambria Math" panose="02040503050406030204" pitchFamily="18" charset="0"/>
-                      </a:rPr>
-                      <m:t>𝐶</m:t>
-                    </m:r>
-                    <m:r>
-                      <a:rPr lang="en-SG" altLang="zh-CN" sz="2000" kern="0">
-                        <a:solidFill>
-                          <a:srgbClr val="374154"/>
-                        </a:solidFill>
-                        <a:latin typeface="Cambria Math" panose="02040503050406030204" pitchFamily="18" charset="0"/>
-                      </a:rPr>
-                      <m:t>)=</m:t>
-                    </m:r>
-                    <m:sSup>
-                      <m:sSupPr>
-                        <m:ctrlPr>
-                          <a:rPr lang="en-SG" altLang="zh-CN" sz="2000" i="1" kern="0">
-                            <a:solidFill>
-                              <a:srgbClr val="374154"/>
-                            </a:solidFill>
-                            <a:latin typeface="Cambria Math" panose="02040503050406030204" pitchFamily="18" charset="0"/>
-                          </a:rPr>
-                        </m:ctrlPr>
-                      </m:sSupPr>
-                      <m:e>
-                        <m:r>
-                          <a:rPr lang="en-SG" altLang="zh-CN" sz="2000" kern="0">
-                            <a:solidFill>
-                              <a:srgbClr val="374154"/>
-                            </a:solidFill>
-                            <a:latin typeface="Cambria Math" panose="02040503050406030204" pitchFamily="18" charset="0"/>
-                          </a:rPr>
-                          <m:t>(</m:t>
-                        </m:r>
-                        <m:r>
-                          <a:rPr lang="en-SG" altLang="zh-CN" sz="2000" b="0" i="0" kern="0" smtClean="0">
-                            <a:solidFill>
-                              <a:srgbClr val="374154"/>
-                            </a:solidFill>
-                            <a:latin typeface="Cambria Math" panose="02040503050406030204" pitchFamily="18" charset="0"/>
-                          </a:rPr>
-                          <m:t>3</m:t>
-                        </m:r>
-                        <m:r>
-                          <a:rPr lang="en-SG" altLang="zh-CN" sz="2000" kern="0">
-                            <a:solidFill>
-                              <a:srgbClr val="374154"/>
-                            </a:solidFill>
-                            <a:latin typeface="Cambria Math" panose="02040503050406030204" pitchFamily="18" charset="0"/>
-                          </a:rPr>
-                          <m:t>.</m:t>
-                        </m:r>
-                        <m:r>
-                          <a:rPr lang="en-SG" altLang="zh-CN" sz="2000" b="0" i="0" kern="0" smtClean="0">
-                            <a:solidFill>
-                              <a:srgbClr val="374154"/>
-                            </a:solidFill>
-                            <a:latin typeface="Cambria Math" panose="02040503050406030204" pitchFamily="18" charset="0"/>
-                          </a:rPr>
-                          <m:t>1</m:t>
-                        </m:r>
-                        <m:r>
-                          <a:rPr lang="en-SG" altLang="zh-CN" sz="2000" kern="0">
-                            <a:solidFill>
-                              <a:srgbClr val="374154"/>
-                            </a:solidFill>
-                            <a:latin typeface="Cambria Math" panose="02040503050406030204" pitchFamily="18" charset="0"/>
-                          </a:rPr>
-                          <m:t>∗</m:t>
-                        </m:r>
-                        <m:sSup>
-                          <m:sSupPr>
-                            <m:ctrlPr>
-                              <a:rPr lang="en-SG" altLang="zh-CN" sz="2000" i="1" kern="0">
-                                <a:solidFill>
-                                  <a:srgbClr val="374154"/>
-                                </a:solidFill>
-                                <a:latin typeface="Cambria Math" panose="02040503050406030204" pitchFamily="18" charset="0"/>
-                              </a:rPr>
-                            </m:ctrlPr>
-                          </m:sSupPr>
-                          <m:e>
-                            <m:r>
-                              <a:rPr lang="en-SG" altLang="zh-CN" sz="2000" kern="0">
-                                <a:solidFill>
-                                  <a:srgbClr val="374154"/>
-                                </a:solidFill>
-                                <a:latin typeface="Cambria Math" panose="02040503050406030204" pitchFamily="18" charset="0"/>
-                              </a:rPr>
-                              <m:t>10</m:t>
-                            </m:r>
-                          </m:e>
-                          <m:sup>
-                            <m:r>
-                              <a:rPr lang="en-SG" altLang="zh-CN" sz="2000" b="0" i="0" kern="0" smtClean="0">
-                                <a:solidFill>
-                                  <a:srgbClr val="374154"/>
-                                </a:solidFill>
-                                <a:latin typeface="Cambria Math" panose="02040503050406030204" pitchFamily="18" charset="0"/>
-                              </a:rPr>
-                              <m:t>8</m:t>
-                            </m:r>
-                          </m:sup>
-                        </m:sSup>
-                        <m:r>
-                          <a:rPr lang="en-SG" altLang="zh-CN" sz="2000" kern="0">
-                            <a:solidFill>
-                              <a:srgbClr val="374154"/>
-                            </a:solidFill>
-                            <a:latin typeface="Cambria Math" panose="02040503050406030204" pitchFamily="18" charset="0"/>
-                          </a:rPr>
-                          <m:t>/</m:t>
-                        </m:r>
-                        <m:r>
-                          <a:rPr lang="en-SG" altLang="zh-CN" sz="2000" b="0" i="1" kern="0" smtClean="0">
-                            <a:solidFill>
-                              <a:srgbClr val="374154"/>
-                            </a:solidFill>
-                            <a:latin typeface="Cambria Math" panose="02040503050406030204" pitchFamily="18" charset="0"/>
-                          </a:rPr>
-                          <m:t>𝐶</m:t>
-                        </m:r>
-                        <m:r>
-                          <a:rPr lang="en-SG" altLang="zh-CN" sz="2000" kern="0">
-                            <a:solidFill>
-                              <a:srgbClr val="374154"/>
-                            </a:solidFill>
-                            <a:latin typeface="Cambria Math" panose="02040503050406030204" pitchFamily="18" charset="0"/>
-                          </a:rPr>
-                          <m:t>)</m:t>
-                        </m:r>
-                      </m:e>
-                      <m:sup>
-                        <m:r>
-                          <a:rPr lang="en-SG" altLang="zh-CN" sz="2000" kern="0">
-                            <a:solidFill>
-                              <a:srgbClr val="374154"/>
-                            </a:solidFill>
-                            <a:latin typeface="Cambria Math" panose="02040503050406030204" pitchFamily="18" charset="0"/>
-                          </a:rPr>
-                          <m:t>0.0</m:t>
-                        </m:r>
-                        <m:r>
-                          <a:rPr lang="en-SG" altLang="zh-CN" sz="2000" i="1" kern="0">
-                            <a:solidFill>
-                              <a:srgbClr val="374154"/>
-                            </a:solidFill>
-                            <a:latin typeface="Cambria Math" panose="02040503050406030204" pitchFamily="18" charset="0"/>
-                          </a:rPr>
-                          <m:t>5</m:t>
-                        </m:r>
-                      </m:sup>
-                    </m:sSup>
-                  </m:oMath>
-                </a14:m>
-                <a:endParaRPr lang="en-SG" altLang="zh-CN" sz="2000" kern="0" dirty="0">
-                  <a:solidFill>
-                    <a:srgbClr val="374154"/>
-                  </a:solidFill>
-                  <a:latin typeface="Lexend" pitchFamily="2" charset="0"/>
-                  <a:ea typeface="微软雅黑" pitchFamily="34" charset="-122"/>
-                </a:endParaRPr>
-              </a:p>
-              <a:p>
-                <a:pPr algn="ctr">
-                  <a:spcAft>
-                    <a:spcPts val="600"/>
-                  </a:spcAft>
-                </a:pPr>
-                <a:endParaRPr lang="en-SG" sz="2000" kern="0" dirty="0">
-                  <a:solidFill>
-                    <a:srgbClr val="374154"/>
-                  </a:solidFill>
-                  <a:latin typeface="Lexend" pitchFamily="2" charset="0"/>
-                  <a:ea typeface="微软雅黑" pitchFamily="34" charset="-122"/>
-                </a:endParaRPr>
-              </a:p>
-              <a:p>
-                <a:pPr algn="ctr"/>
-                <a:endParaRPr lang="en-SG" sz="2000" kern="0" dirty="0">
-                  <a:solidFill>
-                    <a:srgbClr val="374154"/>
-                  </a:solidFill>
-                  <a:latin typeface="Lexend" pitchFamily="2" charset="0"/>
-                  <a:ea typeface="微软雅黑" pitchFamily="34" charset="-122"/>
-                </a:endParaRPr>
+                <a:endParaRPr lang="en-SG" dirty="0"/>
               </a:p>
             </p:txBody>
           </p:sp>
@@ -40224,10 +43292,10 @@
         <mc:Fallback xmlns="">
           <p:sp>
             <p:nvSpPr>
-              <p:cNvPr id="5" name="TextBox 4">
+              <p:cNvPr id="7" name="TextBox 6">
                 <a:extLst>
                   <a:ext uri="{FF2B5EF4-FFF2-40B4-BE49-F238E27FC236}">
-                    <a16:creationId xmlns:a16="http://schemas.microsoft.com/office/drawing/2014/main" id="{103AEF74-D447-E7BA-6B52-5228E297F2D5}"/>
+                    <a16:creationId xmlns:a16="http://schemas.microsoft.com/office/drawing/2014/main" id="{E45547B2-C2B4-6FD9-121E-9C7B4A40959E}"/>
                   </a:ext>
                 </a:extLst>
               </p:cNvPr>
@@ -40238,16 +43306,16 @@
             </p:nvSpPr>
             <p:spPr>
               <a:xfrm>
-                <a:off x="338217" y="4324924"/>
-                <a:ext cx="10398080" cy="1953035"/>
+                <a:off x="6481292" y="2530006"/>
+                <a:ext cx="5388081" cy="775020"/>
               </a:xfrm>
               <a:prstGeom prst="rect">
                 <a:avLst/>
               </a:prstGeom>
               <a:blipFill>
-                <a:blip r:embed="rId3"/>
+                <a:blip r:embed="rId4"/>
                 <a:stretch>
-                  <a:fillRect l="-528" t="-1246"/>
+                  <a:fillRect/>
                 </a:stretch>
               </a:blipFill>
             </p:spPr>
@@ -40266,36 +43334,42 @@
           </p:sp>
         </mc:Fallback>
       </mc:AlternateContent>
-      <p:pic>
-        <p:nvPicPr>
-          <p:cNvPr id="4" name="Picture 3">
+      <p:sp>
+        <p:nvSpPr>
+          <p:cNvPr id="8" name="TextBox 7">
             <a:extLst>
               <a:ext uri="{FF2B5EF4-FFF2-40B4-BE49-F238E27FC236}">
-                <a16:creationId xmlns:a16="http://schemas.microsoft.com/office/drawing/2014/main" id="{11FE9412-7037-180E-2EEC-590C97790179}"/>
+                <a16:creationId xmlns:a16="http://schemas.microsoft.com/office/drawing/2014/main" id="{ED047E64-093E-3083-9183-1AE29B7486A5}"/>
               </a:ext>
             </a:extLst>
           </p:cNvPr>
-          <p:cNvPicPr>
-            <a:picLocks noChangeAspect="1"/>
-          </p:cNvPicPr>
+          <p:cNvSpPr txBox="1"/>
           <p:nvPr/>
-        </p:nvPicPr>
-        <p:blipFill>
-          <a:blip r:embed="rId4"/>
-          <a:stretch>
-            <a:fillRect/>
-          </a:stretch>
-        </p:blipFill>
+        </p:nvSpPr>
         <p:spPr>
           <a:xfrm>
-            <a:off x="274320" y="770771"/>
-            <a:ext cx="11586754" cy="3257939"/>
+            <a:off x="1239078" y="6405287"/>
+            <a:ext cx="1669774" cy="307777"/>
           </a:xfrm>
           <a:prstGeom prst="rect">
             <a:avLst/>
           </a:prstGeom>
+          <a:noFill/>
         </p:spPr>
-      </p:pic>
+        <p:txBody>
+          <a:bodyPr wrap="square">
+            <a:spAutoFit/>
+          </a:bodyPr>
+          <a:lstStyle/>
+          <a:p>
+            <a:r>
+              <a:rPr lang="en-SG" altLang="zh-CN" sz="1400" dirty="0"/>
+              <a:t>[Kaplan+ 2020]</a:t>
+            </a:r>
+            <a:endParaRPr lang="en-SG" sz="1400" dirty="0"/>
+          </a:p>
+        </p:txBody>
+      </p:sp>
     </p:spTree>
     <p:extLst>
       <p:ext uri="{BB962C8B-B14F-4D97-AF65-F5344CB8AC3E}">
@@ -40306,13 +43380,13 @@
   <p:clrMapOvr>
     <a:masterClrMapping/>
   </p:clrMapOvr>
-  <mc:AlternateContent xmlns:mc="http://schemas.openxmlformats.org/markup-compatibility/2006">
-    <mc:Choice xmlns:p159="http://schemas.microsoft.com/office/powerpoint/2015/09/main" Requires="p159">
+  <mc:AlternateContent xmlns:mc="http://schemas.openxmlformats.org/markup-compatibility/2006" xmlns:p159="http://schemas.microsoft.com/office/powerpoint/2015/09/main">
+    <mc:Choice Requires="p159">
       <p:transition xmlns:p14="http://schemas.microsoft.com/office/powerpoint/2010/main" spd="slow" p14:dur="2000">
         <p159:morph option="byObject"/>
       </p:transition>
     </mc:Choice>
-    <mc:Fallback>
+    <mc:Fallback xmlns="">
       <p:transition spd="slow">
         <p:fade/>
       </p:transition>
@@ -40321,7 +43395,7 @@
 </p:sld>
 </file>
 
-<file path=ppt/slides/slide7.xml><?xml version="1.0" encoding="utf-8"?>
+<file path=ppt/slides/slide9.xml><?xml version="1.0" encoding="utf-8"?>
 <p:sld xmlns:a="http://schemas.openxmlformats.org/drawingml/2006/main" xmlns:r="http://schemas.openxmlformats.org/officeDocument/2006/relationships" xmlns:p="http://schemas.openxmlformats.org/presentationml/2006/main">
   <p:cSld>
     <p:spTree>
@@ -40605,471 +43679,6 @@
     <p:extLst>
       <p:ext uri="{BB962C8B-B14F-4D97-AF65-F5344CB8AC3E}">
         <p14:creationId xmlns:p14="http://schemas.microsoft.com/office/powerpoint/2010/main" val="3470877334"/>
-      </p:ext>
-    </p:extLst>
-  </p:cSld>
-  <p:clrMapOvr>
-    <a:masterClrMapping/>
-  </p:clrMapOvr>
-  <mc:AlternateContent xmlns:mc="http://schemas.openxmlformats.org/markup-compatibility/2006" xmlns:p159="http://schemas.microsoft.com/office/powerpoint/2015/09/main">
-    <mc:Choice Requires="p159">
-      <p:transition xmlns:p14="http://schemas.microsoft.com/office/powerpoint/2010/main" spd="slow" p14:dur="2000">
-        <p159:morph option="byObject"/>
-      </p:transition>
-    </mc:Choice>
-    <mc:Fallback xmlns="">
-      <p:transition spd="slow">
-        <p:fade/>
-      </p:transition>
-    </mc:Fallback>
-  </mc:AlternateContent>
-</p:sld>
-</file>
-
-<file path=ppt/slides/slide8.xml><?xml version="1.0" encoding="utf-8"?>
-<p:sld xmlns:a="http://schemas.openxmlformats.org/drawingml/2006/main" xmlns:r="http://schemas.openxmlformats.org/officeDocument/2006/relationships" xmlns:p="http://schemas.openxmlformats.org/presentationml/2006/main" show="0">
-  <p:cSld>
-    <p:spTree>
-      <p:nvGrpSpPr>
-        <p:cNvPr id="1" name="">
-          <a:extLst>
-            <a:ext uri="{FF2B5EF4-FFF2-40B4-BE49-F238E27FC236}">
-              <a16:creationId xmlns:a16="http://schemas.microsoft.com/office/drawing/2014/main" id="{FF52D826-C5E8-645E-4CA5-19BCCE248DF6}"/>
-            </a:ext>
-          </a:extLst>
-        </p:cNvPr>
-        <p:cNvGrpSpPr/>
-        <p:nvPr/>
-      </p:nvGrpSpPr>
-      <p:grpSpPr>
-        <a:xfrm>
-          <a:off x="0" y="0"/>
-          <a:ext cx="0" cy="0"/>
-          <a:chOff x="0" y="0"/>
-          <a:chExt cx="0" cy="0"/>
-        </a:xfrm>
-      </p:grpSpPr>
-      <p:sp>
-        <p:nvSpPr>
-          <p:cNvPr id="9" name="标题 8">
-            <a:extLst>
-              <a:ext uri="{FF2B5EF4-FFF2-40B4-BE49-F238E27FC236}">
-                <a16:creationId xmlns:a16="http://schemas.microsoft.com/office/drawing/2014/main" id="{D52183FD-E6A4-75C3-1000-2E368FC78608}"/>
-              </a:ext>
-            </a:extLst>
-          </p:cNvPr>
-          <p:cNvSpPr>
-            <a:spLocks noGrp="1"/>
-          </p:cNvSpPr>
-          <p:nvPr>
-            <p:ph type="title"/>
-          </p:nvPr>
-        </p:nvSpPr>
-        <p:spPr>
-          <a:xfrm>
-            <a:off x="332340" y="205510"/>
-            <a:ext cx="10963275" cy="588962"/>
-          </a:xfrm>
-        </p:spPr>
-        <p:txBody>
-          <a:bodyPr/>
-          <a:lstStyle/>
-          <a:p>
-            <a:r>
-              <a:rPr lang="zh-CN" altLang="en-US" dirty="0"/>
-              <a:t>学习率</a:t>
-            </a:r>
-          </a:p>
-        </p:txBody>
-      </p:sp>
-      <p:sp>
-        <p:nvSpPr>
-          <p:cNvPr id="13" name="TextBox 12">
-            <a:extLst>
-              <a:ext uri="{FF2B5EF4-FFF2-40B4-BE49-F238E27FC236}">
-                <a16:creationId xmlns:a16="http://schemas.microsoft.com/office/drawing/2014/main" id="{1C23367D-0BF6-C113-C577-0A61E3222C8B}"/>
-              </a:ext>
-            </a:extLst>
-          </p:cNvPr>
-          <p:cNvSpPr txBox="1"/>
-          <p:nvPr/>
-        </p:nvSpPr>
-        <p:spPr>
-          <a:xfrm>
-            <a:off x="274320" y="4680070"/>
-            <a:ext cx="10227425" cy="707886"/>
-          </a:xfrm>
-          <a:prstGeom prst="rect">
-            <a:avLst/>
-          </a:prstGeom>
-          <a:noFill/>
-        </p:spPr>
-        <p:txBody>
-          <a:bodyPr wrap="square">
-            <a:spAutoFit/>
-          </a:bodyPr>
-          <a:lstStyle/>
-          <a:p>
-            <a:pPr marL="285750" indent="-285750">
-              <a:buFont typeface="Arial" panose="020B0604020202020204" pitchFamily="34" charset="0"/>
-              <a:buChar char="•"/>
-            </a:pPr>
-            <a:r>
-              <a:rPr lang="zh-CN" altLang="en-US" sz="2000" kern="0" dirty="0">
-                <a:solidFill>
-                  <a:srgbClr val="374154"/>
-                </a:solidFill>
-                <a:latin typeface="Lexend" pitchFamily="2" charset="0"/>
-                <a:ea typeface="微软雅黑" pitchFamily="34" charset="-122"/>
-              </a:rPr>
-              <a:t>只要</a:t>
-            </a:r>
-            <a:r>
-              <a:rPr lang="zh-CN" altLang="en-US" sz="2000" b="1" kern="0" dirty="0">
-                <a:solidFill>
-                  <a:srgbClr val="374154"/>
-                </a:solidFill>
-                <a:latin typeface="Lexend" pitchFamily="2" charset="0"/>
-                <a:ea typeface="微软雅黑" pitchFamily="34" charset="-122"/>
-              </a:rPr>
-              <a:t>学习率</a:t>
-            </a:r>
-            <a:r>
-              <a:rPr lang="zh-CN" altLang="en-US" sz="2000" kern="0" dirty="0">
-                <a:solidFill>
-                  <a:srgbClr val="374154"/>
-                </a:solidFill>
-                <a:latin typeface="Lexend" pitchFamily="2" charset="0"/>
-                <a:ea typeface="微软雅黑" pitchFamily="34" charset="-122"/>
-              </a:rPr>
-              <a:t>不是太小且衰减不要太快，性能对学习率的依赖性并不强</a:t>
-            </a:r>
-            <a:endParaRPr lang="en-SG" altLang="zh-CN" sz="2000" kern="0" dirty="0">
-              <a:solidFill>
-                <a:srgbClr val="374154"/>
-              </a:solidFill>
-              <a:latin typeface="Lexend" pitchFamily="2" charset="0"/>
-              <a:ea typeface="微软雅黑" pitchFamily="34" charset="-122"/>
-            </a:endParaRPr>
-          </a:p>
-          <a:p>
-            <a:pPr marL="285750" indent="-285750">
-              <a:buFont typeface="Arial" panose="020B0604020202020204" pitchFamily="34" charset="0"/>
-              <a:buChar char="•"/>
-            </a:pPr>
-            <a:r>
-              <a:rPr lang="zh-CN" altLang="en-US" sz="2000" kern="0" dirty="0">
-                <a:solidFill>
-                  <a:srgbClr val="374154"/>
-                </a:solidFill>
-                <a:latin typeface="Lexend" pitchFamily="2" charset="0"/>
-                <a:ea typeface="微软雅黑" pitchFamily="34" charset="-122"/>
-              </a:rPr>
-              <a:t>大型模型需要较小的学习率以防止发散，而小型模型可以容忍较大的学习率</a:t>
-            </a:r>
-            <a:endParaRPr lang="en-SG" altLang="zh-CN" sz="2000" kern="0" dirty="0">
-              <a:solidFill>
-                <a:srgbClr val="374154"/>
-              </a:solidFill>
-              <a:latin typeface="Lexend" pitchFamily="2" charset="0"/>
-              <a:ea typeface="微软雅黑" pitchFamily="34" charset="-122"/>
-            </a:endParaRPr>
-          </a:p>
-        </p:txBody>
-      </p:sp>
-      <p:sp>
-        <p:nvSpPr>
-          <p:cNvPr id="5" name="TextBox 4">
-            <a:extLst>
-              <a:ext uri="{FF2B5EF4-FFF2-40B4-BE49-F238E27FC236}">
-                <a16:creationId xmlns:a16="http://schemas.microsoft.com/office/drawing/2014/main" id="{3606DA6F-21E2-468E-E3D9-89722DC957C0}"/>
-              </a:ext>
-            </a:extLst>
-          </p:cNvPr>
-          <p:cNvSpPr txBox="1"/>
-          <p:nvPr/>
-        </p:nvSpPr>
-        <p:spPr>
-          <a:xfrm>
-            <a:off x="1239077" y="6405287"/>
-            <a:ext cx="2498035" cy="307777"/>
-          </a:xfrm>
-          <a:prstGeom prst="rect">
-            <a:avLst/>
-          </a:prstGeom>
-          <a:noFill/>
-        </p:spPr>
-        <p:txBody>
-          <a:bodyPr wrap="square">
-            <a:spAutoFit/>
-          </a:bodyPr>
-          <a:lstStyle/>
-          <a:p>
-            <a:r>
-              <a:rPr lang="en-SG" altLang="zh-CN" sz="1400" dirty="0"/>
-              <a:t>[Kaplan+ 2020,</a:t>
-            </a:r>
-            <a:r>
-              <a:rPr lang="zh-CN" altLang="en-US" sz="1400" dirty="0"/>
-              <a:t> </a:t>
-            </a:r>
-            <a:r>
-              <a:rPr lang="en-SG" altLang="zh-CN" sz="1400" dirty="0"/>
-              <a:t>Yang+ 2021]</a:t>
-            </a:r>
-            <a:endParaRPr lang="en-SG" sz="1400" dirty="0"/>
-          </a:p>
-        </p:txBody>
-      </p:sp>
-      <p:pic>
-        <p:nvPicPr>
-          <p:cNvPr id="4" name="Picture 3">
-            <a:extLst>
-              <a:ext uri="{FF2B5EF4-FFF2-40B4-BE49-F238E27FC236}">
-                <a16:creationId xmlns:a16="http://schemas.microsoft.com/office/drawing/2014/main" id="{A2CAAB1E-EFAE-AE47-5B6B-6EF31A472335}"/>
-              </a:ext>
-            </a:extLst>
-          </p:cNvPr>
-          <p:cNvPicPr>
-            <a:picLocks noChangeAspect="1"/>
-          </p:cNvPicPr>
-          <p:nvPr/>
-        </p:nvPicPr>
-        <p:blipFill>
-          <a:blip r:embed="rId3"/>
-          <a:stretch>
-            <a:fillRect/>
-          </a:stretch>
-        </p:blipFill>
-        <p:spPr>
-          <a:xfrm>
-            <a:off x="68912" y="1354574"/>
-            <a:ext cx="8597398" cy="2491819"/>
-          </a:xfrm>
-          <a:prstGeom prst="rect">
-            <a:avLst/>
-          </a:prstGeom>
-        </p:spPr>
-      </p:pic>
-      <p:pic>
-        <p:nvPicPr>
-          <p:cNvPr id="15" name="Picture 14">
-            <a:extLst>
-              <a:ext uri="{FF2B5EF4-FFF2-40B4-BE49-F238E27FC236}">
-                <a16:creationId xmlns:a16="http://schemas.microsoft.com/office/drawing/2014/main" id="{BB911592-B8D6-A145-B134-8234ABEAE164}"/>
-              </a:ext>
-            </a:extLst>
-          </p:cNvPr>
-          <p:cNvPicPr>
-            <a:picLocks noChangeAspect="1"/>
-          </p:cNvPicPr>
-          <p:nvPr/>
-        </p:nvPicPr>
-        <p:blipFill>
-          <a:blip r:embed="rId4"/>
-          <a:stretch>
-            <a:fillRect/>
-          </a:stretch>
-        </p:blipFill>
-        <p:spPr>
-          <a:xfrm>
-            <a:off x="8666310" y="1057299"/>
-            <a:ext cx="3330229" cy="3086367"/>
-          </a:xfrm>
-          <a:prstGeom prst="rect">
-            <a:avLst/>
-          </a:prstGeom>
-        </p:spPr>
-      </p:pic>
-    </p:spTree>
-    <p:extLst>
-      <p:ext uri="{BB962C8B-B14F-4D97-AF65-F5344CB8AC3E}">
-        <p14:creationId xmlns:p14="http://schemas.microsoft.com/office/powerpoint/2010/main" val="1942179429"/>
-      </p:ext>
-    </p:extLst>
-  </p:cSld>
-  <p:clrMapOvr>
-    <a:masterClrMapping/>
-  </p:clrMapOvr>
-  <mc:AlternateContent xmlns:mc="http://schemas.openxmlformats.org/markup-compatibility/2006">
-    <mc:Choice xmlns:p159="http://schemas.microsoft.com/office/powerpoint/2015/09/main" Requires="p159">
-      <p:transition xmlns:p14="http://schemas.microsoft.com/office/powerpoint/2010/main" spd="slow" p14:dur="2000">
-        <p159:morph option="byObject"/>
-      </p:transition>
-    </mc:Choice>
-    <mc:Fallback>
-      <p:transition spd="slow">
-        <p:fade/>
-      </p:transition>
-    </mc:Fallback>
-  </mc:AlternateContent>
-</p:sld>
-</file>
-
-<file path=ppt/slides/slide9.xml><?xml version="1.0" encoding="utf-8"?>
-<p:sld xmlns:a="http://schemas.openxmlformats.org/drawingml/2006/main" xmlns:r="http://schemas.openxmlformats.org/officeDocument/2006/relationships" xmlns:p="http://schemas.openxmlformats.org/presentationml/2006/main">
-  <p:cSld>
-    <p:spTree>
-      <p:nvGrpSpPr>
-        <p:cNvPr id="1" name="">
-          <a:extLst>
-            <a:ext uri="{FF2B5EF4-FFF2-40B4-BE49-F238E27FC236}">
-              <a16:creationId xmlns:a16="http://schemas.microsoft.com/office/drawing/2014/main" id="{52874632-A17D-CC14-9CFE-E9583009826F}"/>
-            </a:ext>
-          </a:extLst>
-        </p:cNvPr>
-        <p:cNvGrpSpPr/>
-        <p:nvPr/>
-      </p:nvGrpSpPr>
-      <p:grpSpPr>
-        <a:xfrm>
-          <a:off x="0" y="0"/>
-          <a:ext cx="0" cy="0"/>
-          <a:chOff x="0" y="0"/>
-          <a:chExt cx="0" cy="0"/>
-        </a:xfrm>
-      </p:grpSpPr>
-      <p:sp>
-        <p:nvSpPr>
-          <p:cNvPr id="9" name="标题 8">
-            <a:extLst>
-              <a:ext uri="{FF2B5EF4-FFF2-40B4-BE49-F238E27FC236}">
-                <a16:creationId xmlns:a16="http://schemas.microsoft.com/office/drawing/2014/main" id="{86BC0DB6-2DC2-8FD0-3E17-D3867A319386}"/>
-              </a:ext>
-            </a:extLst>
-          </p:cNvPr>
-          <p:cNvSpPr>
-            <a:spLocks noGrp="1"/>
-          </p:cNvSpPr>
-          <p:nvPr>
-            <p:ph type="title"/>
-          </p:nvPr>
-        </p:nvSpPr>
-        <p:spPr>
-          <a:xfrm>
-            <a:off x="274320" y="228194"/>
-            <a:ext cx="10963473" cy="589190"/>
-          </a:xfrm>
-        </p:spPr>
-        <p:txBody>
-          <a:bodyPr/>
-          <a:lstStyle/>
-          <a:p>
-            <a:r>
-              <a:rPr lang="zh-CN" altLang="en-US" dirty="0"/>
-              <a:t>最优</a:t>
-            </a:r>
-            <a:r>
-              <a:rPr lang="en-US" altLang="zh-CN" dirty="0"/>
-              <a:t>Batch size</a:t>
-            </a:r>
-            <a:r>
-              <a:rPr lang="zh-CN" altLang="en-US" dirty="0"/>
-              <a:t>与学习率</a:t>
-            </a:r>
-          </a:p>
-        </p:txBody>
-      </p:sp>
-      <p:sp>
-        <p:nvSpPr>
-          <p:cNvPr id="5" name="TextBox 4">
-            <a:extLst>
-              <a:ext uri="{FF2B5EF4-FFF2-40B4-BE49-F238E27FC236}">
-                <a16:creationId xmlns:a16="http://schemas.microsoft.com/office/drawing/2014/main" id="{99839A6C-4CA4-DFFE-8231-4D2265924AF4}"/>
-              </a:ext>
-            </a:extLst>
-          </p:cNvPr>
-          <p:cNvSpPr txBox="1"/>
-          <p:nvPr/>
-        </p:nvSpPr>
-        <p:spPr>
-          <a:xfrm>
-            <a:off x="1239078" y="6405287"/>
-            <a:ext cx="1669774" cy="307777"/>
-          </a:xfrm>
-          <a:prstGeom prst="rect">
-            <a:avLst/>
-          </a:prstGeom>
-          <a:noFill/>
-        </p:spPr>
-        <p:txBody>
-          <a:bodyPr wrap="square">
-            <a:spAutoFit/>
-          </a:bodyPr>
-          <a:lstStyle/>
-          <a:p>
-            <a:r>
-              <a:rPr lang="en-SG" altLang="zh-CN" sz="1400" dirty="0"/>
-              <a:t>[Li + 2025]</a:t>
-            </a:r>
-            <a:endParaRPr lang="en-SG" sz="1400" dirty="0"/>
-          </a:p>
-        </p:txBody>
-      </p:sp>
-      <p:pic>
-        <p:nvPicPr>
-          <p:cNvPr id="10" name="Picture 9">
-            <a:extLst>
-              <a:ext uri="{FF2B5EF4-FFF2-40B4-BE49-F238E27FC236}">
-                <a16:creationId xmlns:a16="http://schemas.microsoft.com/office/drawing/2014/main" id="{2B479207-4209-AA0F-0A63-BFDF62149A2A}"/>
-              </a:ext>
-            </a:extLst>
-          </p:cNvPr>
-          <p:cNvPicPr>
-            <a:picLocks noChangeAspect="1"/>
-          </p:cNvPicPr>
-          <p:nvPr/>
-        </p:nvPicPr>
-        <p:blipFill>
-          <a:blip r:embed="rId3"/>
-          <a:stretch>
-            <a:fillRect/>
-          </a:stretch>
-        </p:blipFill>
-        <p:spPr>
-          <a:xfrm>
-            <a:off x="808334" y="703079"/>
-            <a:ext cx="9663426" cy="3071236"/>
-          </a:xfrm>
-          <a:prstGeom prst="rect">
-            <a:avLst/>
-          </a:prstGeom>
-        </p:spPr>
-      </p:pic>
-      <p:pic>
-        <p:nvPicPr>
-          <p:cNvPr id="6" name="Picture 5">
-            <a:extLst>
-              <a:ext uri="{FF2B5EF4-FFF2-40B4-BE49-F238E27FC236}">
-                <a16:creationId xmlns:a16="http://schemas.microsoft.com/office/drawing/2014/main" id="{4D5D0682-C1CE-BEA5-DA7C-91C06AA7FE2A}"/>
-              </a:ext>
-            </a:extLst>
-          </p:cNvPr>
-          <p:cNvPicPr>
-            <a:picLocks noChangeAspect="1"/>
-          </p:cNvPicPr>
-          <p:nvPr/>
-        </p:nvPicPr>
-        <p:blipFill>
-          <a:blip r:embed="rId4"/>
-          <a:stretch>
-            <a:fillRect/>
-          </a:stretch>
-        </p:blipFill>
-        <p:spPr>
-          <a:xfrm>
-            <a:off x="3752703" y="3822484"/>
-            <a:ext cx="4006706" cy="3035516"/>
-          </a:xfrm>
-          <a:prstGeom prst="rect">
-            <a:avLst/>
-          </a:prstGeom>
-        </p:spPr>
-      </p:pic>
-    </p:spTree>
-    <p:extLst>
-      <p:ext uri="{BB962C8B-B14F-4D97-AF65-F5344CB8AC3E}">
-        <p14:creationId xmlns:p14="http://schemas.microsoft.com/office/powerpoint/2010/main" val="4214951712"/>
       </p:ext>
     </p:extLst>
   </p:cSld>
